--- a/20230829_CENS_BHF.pptx
+++ b/20230829_CENS_BHF.pptx
@@ -6,10 +6,10 @@
     <p:sldMasterId id="2147483772" r:id="rId2"/>
   </p:sldMasterIdLst>
   <p:notesMasterIdLst>
-    <p:notesMasterId r:id="rId30"/>
+    <p:notesMasterId r:id="rId32"/>
   </p:notesMasterIdLst>
   <p:handoutMasterIdLst>
-    <p:handoutMasterId r:id="rId31"/>
+    <p:handoutMasterId r:id="rId33"/>
   </p:handoutMasterIdLst>
   <p:sldIdLst>
     <p:sldId id="269" r:id="rId3"/>
@@ -26,19 +26,21 @@
     <p:sldId id="556" r:id="rId14"/>
     <p:sldId id="557" r:id="rId15"/>
     <p:sldId id="558" r:id="rId16"/>
-    <p:sldId id="560" r:id="rId17"/>
-    <p:sldId id="563" r:id="rId18"/>
-    <p:sldId id="564" r:id="rId19"/>
-    <p:sldId id="566" r:id="rId20"/>
-    <p:sldId id="567" r:id="rId21"/>
-    <p:sldId id="572" r:id="rId22"/>
-    <p:sldId id="546" r:id="rId23"/>
-    <p:sldId id="569" r:id="rId24"/>
-    <p:sldId id="576" r:id="rId25"/>
-    <p:sldId id="578" r:id="rId26"/>
-    <p:sldId id="579" r:id="rId27"/>
-    <p:sldId id="580" r:id="rId28"/>
-    <p:sldId id="581" r:id="rId29"/>
+    <p:sldId id="559" r:id="rId17"/>
+    <p:sldId id="560" r:id="rId18"/>
+    <p:sldId id="563" r:id="rId19"/>
+    <p:sldId id="564" r:id="rId20"/>
+    <p:sldId id="566" r:id="rId21"/>
+    <p:sldId id="567" r:id="rId22"/>
+    <p:sldId id="568" r:id="rId23"/>
+    <p:sldId id="572" r:id="rId24"/>
+    <p:sldId id="546" r:id="rId25"/>
+    <p:sldId id="569" r:id="rId26"/>
+    <p:sldId id="576" r:id="rId27"/>
+    <p:sldId id="578" r:id="rId28"/>
+    <p:sldId id="579" r:id="rId29"/>
+    <p:sldId id="580" r:id="rId30"/>
+    <p:sldId id="581" r:id="rId31"/>
   </p:sldIdLst>
   <p:sldSz cx="9906000" cy="6858000" type="A4"/>
   <p:notesSz cx="6735763" cy="9866313"/>
@@ -156,11 +158,13 @@
             <p14:sldId id="556"/>
             <p14:sldId id="557"/>
             <p14:sldId id="558"/>
+            <p14:sldId id="559"/>
             <p14:sldId id="560"/>
             <p14:sldId id="563"/>
             <p14:sldId id="564"/>
             <p14:sldId id="566"/>
             <p14:sldId id="567"/>
+            <p14:sldId id="568"/>
             <p14:sldId id="572"/>
             <p14:sldId id="546"/>
             <p14:sldId id="569"/>
@@ -336,7 +340,7 @@
           <a:p>
             <a:fld id="{46F42610-14FF-4B40-B4B6-786DE4FB8FEA}" type="datetime1">
               <a:rPr lang="ko-KR" altLang="en-US" smtClean="0"/>
-              <a:t>2023-08-22</a:t>
+              <a:t>2023-08-29</a:t>
             </a:fld>
             <a:endParaRPr lang="ko-KR" altLang="en-US"/>
           </a:p>
@@ -502,7 +506,7 @@
           <a:p>
             <a:fld id="{513A899E-F476-4791-9F16-0B14047B11F2}" type="datetime1">
               <a:rPr lang="ko-KR" altLang="en-US" smtClean="0"/>
-              <a:t>2023-08-22</a:t>
+              <a:t>2023-08-29</a:t>
             </a:fld>
             <a:endParaRPr lang="ko-KR" altLang="en-US"/>
           </a:p>
@@ -968,7 +972,7 @@
           <a:p>
             <a:fld id="{D5BB7A41-6D90-4371-844A-87EC379C3D06}" type="datetimeFigureOut">
               <a:rPr lang="ko-KR" altLang="en-US" smtClean="0"/>
-              <a:t>2023-08-22</a:t>
+              <a:t>2023-08-29</a:t>
             </a:fld>
             <a:endParaRPr lang="ko-KR" altLang="en-US"/>
           </a:p>
@@ -1026,13 +1030,6 @@
   <p:clrMapOvr>
     <a:masterClrMapping/>
   </p:clrMapOvr>
-  <p:timing>
-    <p:tnLst>
-      <p:par>
-        <p:cTn id="1" dur="indefinite" restart="never" nodeType="tmRoot"/>
-      </p:par>
-    </p:tnLst>
-  </p:timing>
 </p:sldLayout>
 </file>
 
@@ -1170,7 +1167,7 @@
           </a:lstStyle>
           <a:p>
             <a:r>
-              <a:rPr lang="en-US" smtClean="0"/>
+              <a:rPr lang="en-US"/>
               <a:t>Click to edit Master title style</a:t>
             </a:r>
             <a:endParaRPr lang="en-US" dirty="0"/>
@@ -1290,7 +1287,7 @@
           </a:lstStyle>
           <a:p>
             <a:r>
-              <a:rPr lang="en-US" smtClean="0"/>
+              <a:rPr lang="en-US"/>
               <a:t>Click to edit Master subtitle style</a:t>
             </a:r>
             <a:endParaRPr lang="en-US" dirty="0"/>
@@ -1316,7 +1313,7 @@
             <a:fld id="{1D8BD707-D9CF-40AE-B4C6-C98DA3205C09}" type="datetimeFigureOut">
               <a:rPr lang="en-US" smtClean="0"/>
               <a:pPr defTabSz="914400" latinLnBrk="0"/>
-              <a:t>8/22/2023</a:t>
+              <a:t>8/29/2023</a:t>
             </a:fld>
             <a:endParaRPr lang="en-US"/>
           </a:p>
@@ -1448,10 +1445,9 @@
           <a:lstStyle/>
           <a:p>
             <a:r>
-              <a:rPr lang="en-US" smtClean="0"/>
+              <a:rPr lang="en-US"/>
               <a:t>Click to edit Master title style</a:t>
             </a:r>
-            <a:endParaRPr lang="en-US"/>
           </a:p>
         </p:txBody>
       </p:sp>
@@ -1472,38 +1468,37 @@
           <a:p>
             <a:pPr lvl="0"/>
             <a:r>
-              <a:rPr lang="en-US" smtClean="0"/>
+              <a:rPr lang="en-US"/>
               <a:t>Click to edit Master text styles</a:t>
             </a:r>
           </a:p>
           <a:p>
             <a:pPr lvl="1"/>
             <a:r>
-              <a:rPr lang="en-US" smtClean="0"/>
+              <a:rPr lang="en-US"/>
               <a:t>Second level</a:t>
             </a:r>
           </a:p>
           <a:p>
             <a:pPr lvl="2"/>
             <a:r>
-              <a:rPr lang="en-US" smtClean="0"/>
+              <a:rPr lang="en-US"/>
               <a:t>Third level</a:t>
             </a:r>
           </a:p>
           <a:p>
             <a:pPr lvl="3"/>
             <a:r>
-              <a:rPr lang="en-US" smtClean="0"/>
+              <a:rPr lang="en-US"/>
               <a:t>Fourth level</a:t>
             </a:r>
           </a:p>
           <a:p>
             <a:pPr lvl="4"/>
             <a:r>
-              <a:rPr lang="en-US" smtClean="0"/>
+              <a:rPr lang="en-US"/>
               <a:t>Fifth level</a:t>
             </a:r>
-            <a:endParaRPr lang="en-US"/>
           </a:p>
         </p:txBody>
       </p:sp>
@@ -1526,7 +1521,7 @@
             <a:fld id="{1D8BD707-D9CF-40AE-B4C6-C98DA3205C09}" type="datetimeFigureOut">
               <a:rPr lang="en-US" smtClean="0"/>
               <a:pPr defTabSz="914400" latinLnBrk="0"/>
-              <a:t>8/22/2023</a:t>
+              <a:t>8/29/2023</a:t>
             </a:fld>
             <a:endParaRPr lang="en-US"/>
           </a:p>
@@ -1639,7 +1634,7 @@
           </a:lstStyle>
           <a:p>
             <a:r>
-              <a:rPr lang="en-US" smtClean="0"/>
+              <a:rPr lang="en-US"/>
               <a:t>Click to edit Master title style</a:t>
             </a:r>
             <a:endParaRPr lang="en-US" dirty="0"/>
@@ -1759,7 +1754,7 @@
           <a:p>
             <a:pPr lvl="0"/>
             <a:r>
-              <a:rPr lang="en-US" smtClean="0"/>
+              <a:rPr lang="en-US"/>
               <a:t>Click to edit Master text styles</a:t>
             </a:r>
           </a:p>
@@ -1784,7 +1779,7 @@
             <a:fld id="{1D8BD707-D9CF-40AE-B4C6-C98DA3205C09}" type="datetimeFigureOut">
               <a:rPr lang="en-US" smtClean="0"/>
               <a:pPr defTabSz="914400" latinLnBrk="0"/>
-              <a:t>8/22/2023</a:t>
+              <a:t>8/29/2023</a:t>
             </a:fld>
             <a:endParaRPr lang="en-US"/>
           </a:p>
@@ -1916,10 +1911,9 @@
           <a:lstStyle/>
           <a:p>
             <a:r>
-              <a:rPr lang="en-US" smtClean="0"/>
+              <a:rPr lang="en-US"/>
               <a:t>Click to edit Master title style</a:t>
             </a:r>
-            <a:endParaRPr lang="en-US"/>
           </a:p>
         </p:txBody>
       </p:sp>
@@ -1973,35 +1967,35 @@
           <a:p>
             <a:pPr lvl="0"/>
             <a:r>
-              <a:rPr lang="en-US" smtClean="0"/>
+              <a:rPr lang="en-US"/>
               <a:t>Click to edit Master text styles</a:t>
             </a:r>
           </a:p>
           <a:p>
             <a:pPr lvl="1"/>
             <a:r>
-              <a:rPr lang="en-US" smtClean="0"/>
+              <a:rPr lang="en-US"/>
               <a:t>Second level</a:t>
             </a:r>
           </a:p>
           <a:p>
             <a:pPr lvl="2"/>
             <a:r>
-              <a:rPr lang="en-US" smtClean="0"/>
+              <a:rPr lang="en-US"/>
               <a:t>Third level</a:t>
             </a:r>
           </a:p>
           <a:p>
             <a:pPr lvl="3"/>
             <a:r>
-              <a:rPr lang="en-US" smtClean="0"/>
+              <a:rPr lang="en-US"/>
               <a:t>Fourth level</a:t>
             </a:r>
           </a:p>
           <a:p>
             <a:pPr lvl="4"/>
             <a:r>
-              <a:rPr lang="en-US" smtClean="0"/>
+              <a:rPr lang="en-US"/>
               <a:t>Fifth level</a:t>
             </a:r>
             <a:endParaRPr lang="en-US" dirty="0"/>
@@ -2058,35 +2052,35 @@
           <a:p>
             <a:pPr lvl="0"/>
             <a:r>
-              <a:rPr lang="en-US" smtClean="0"/>
+              <a:rPr lang="en-US"/>
               <a:t>Click to edit Master text styles</a:t>
             </a:r>
           </a:p>
           <a:p>
             <a:pPr lvl="1"/>
             <a:r>
-              <a:rPr lang="en-US" smtClean="0"/>
+              <a:rPr lang="en-US"/>
               <a:t>Second level</a:t>
             </a:r>
           </a:p>
           <a:p>
             <a:pPr lvl="2"/>
             <a:r>
-              <a:rPr lang="en-US" smtClean="0"/>
+              <a:rPr lang="en-US"/>
               <a:t>Third level</a:t>
             </a:r>
           </a:p>
           <a:p>
             <a:pPr lvl="3"/>
             <a:r>
-              <a:rPr lang="en-US" smtClean="0"/>
+              <a:rPr lang="en-US"/>
               <a:t>Fourth level</a:t>
             </a:r>
           </a:p>
           <a:p>
             <a:pPr lvl="4"/>
             <a:r>
-              <a:rPr lang="en-US" smtClean="0"/>
+              <a:rPr lang="en-US"/>
               <a:t>Fifth level</a:t>
             </a:r>
             <a:endParaRPr lang="en-US" dirty="0"/>
@@ -2112,7 +2106,7 @@
             <a:fld id="{1D8BD707-D9CF-40AE-B4C6-C98DA3205C09}" type="datetimeFigureOut">
               <a:rPr lang="en-US" smtClean="0"/>
               <a:pPr defTabSz="914400" latinLnBrk="0"/>
-              <a:t>8/22/2023</a:t>
+              <a:t>8/29/2023</a:t>
             </a:fld>
             <a:endParaRPr lang="en-US"/>
           </a:p>
@@ -2213,7 +2207,7 @@
           </a:lstStyle>
           <a:p>
             <a:r>
-              <a:rPr lang="en-US" smtClean="0"/>
+              <a:rPr lang="en-US"/>
               <a:t>Click to edit Master title style</a:t>
             </a:r>
             <a:endParaRPr lang="en-US" dirty="0"/>
@@ -2302,7 +2296,7 @@
           <a:p>
             <a:pPr lvl="0"/>
             <a:r>
-              <a:rPr lang="en-US" smtClean="0"/>
+              <a:rPr lang="en-US"/>
               <a:t>Click to edit Master text styles</a:t>
             </a:r>
           </a:p>
@@ -2358,35 +2352,35 @@
           <a:p>
             <a:pPr lvl="0"/>
             <a:r>
-              <a:rPr lang="en-US" smtClean="0"/>
+              <a:rPr lang="en-US"/>
               <a:t>Click to edit Master text styles</a:t>
             </a:r>
           </a:p>
           <a:p>
             <a:pPr lvl="1"/>
             <a:r>
-              <a:rPr lang="en-US" smtClean="0"/>
+              <a:rPr lang="en-US"/>
               <a:t>Second level</a:t>
             </a:r>
           </a:p>
           <a:p>
             <a:pPr lvl="2"/>
             <a:r>
-              <a:rPr lang="en-US" smtClean="0"/>
+              <a:rPr lang="en-US"/>
               <a:t>Third level</a:t>
             </a:r>
           </a:p>
           <a:p>
             <a:pPr lvl="3"/>
             <a:r>
-              <a:rPr lang="en-US" smtClean="0"/>
+              <a:rPr lang="en-US"/>
               <a:t>Fourth level</a:t>
             </a:r>
           </a:p>
           <a:p>
             <a:pPr lvl="4"/>
             <a:r>
-              <a:rPr lang="en-US" smtClean="0"/>
+              <a:rPr lang="en-US"/>
               <a:t>Fifth level</a:t>
             </a:r>
             <a:endParaRPr lang="en-US" dirty="0"/>
@@ -2478,7 +2472,7 @@
           <a:p>
             <a:pPr lvl="0"/>
             <a:r>
-              <a:rPr lang="en-US" smtClean="0"/>
+              <a:rPr lang="en-US"/>
               <a:t>Click to edit Master text styles</a:t>
             </a:r>
           </a:p>
@@ -2534,35 +2528,35 @@
           <a:p>
             <a:pPr lvl="0"/>
             <a:r>
-              <a:rPr lang="en-US" smtClean="0"/>
+              <a:rPr lang="en-US"/>
               <a:t>Click to edit Master text styles</a:t>
             </a:r>
           </a:p>
           <a:p>
             <a:pPr lvl="1"/>
             <a:r>
-              <a:rPr lang="en-US" smtClean="0"/>
+              <a:rPr lang="en-US"/>
               <a:t>Second level</a:t>
             </a:r>
           </a:p>
           <a:p>
             <a:pPr lvl="2"/>
             <a:r>
-              <a:rPr lang="en-US" smtClean="0"/>
+              <a:rPr lang="en-US"/>
               <a:t>Third level</a:t>
             </a:r>
           </a:p>
           <a:p>
             <a:pPr lvl="3"/>
             <a:r>
-              <a:rPr lang="en-US" smtClean="0"/>
+              <a:rPr lang="en-US"/>
               <a:t>Fourth level</a:t>
             </a:r>
           </a:p>
           <a:p>
             <a:pPr lvl="4"/>
             <a:r>
-              <a:rPr lang="en-US" smtClean="0"/>
+              <a:rPr lang="en-US"/>
               <a:t>Fifth level</a:t>
             </a:r>
             <a:endParaRPr lang="en-US" dirty="0"/>
@@ -2588,7 +2582,7 @@
             <a:fld id="{1D8BD707-D9CF-40AE-B4C6-C98DA3205C09}" type="datetimeFigureOut">
               <a:rPr lang="en-US" smtClean="0"/>
               <a:pPr defTabSz="914400" latinLnBrk="0"/>
-              <a:t>8/22/2023</a:t>
+              <a:t>8/29/2023</a:t>
             </a:fld>
             <a:endParaRPr lang="en-US"/>
           </a:p>
@@ -2720,10 +2714,9 @@
           <a:lstStyle/>
           <a:p>
             <a:r>
-              <a:rPr lang="en-US" smtClean="0"/>
+              <a:rPr lang="en-US"/>
               <a:t>Click to edit Master title style</a:t>
             </a:r>
-            <a:endParaRPr lang="en-US"/>
           </a:p>
         </p:txBody>
       </p:sp>
@@ -2746,7 +2739,7 @@
             <a:fld id="{1D8BD707-D9CF-40AE-B4C6-C98DA3205C09}" type="datetimeFigureOut">
               <a:rPr lang="en-US" smtClean="0"/>
               <a:pPr defTabSz="914400" latinLnBrk="0"/>
-              <a:t>8/22/2023</a:t>
+              <a:t>8/29/2023</a:t>
             </a:fld>
             <a:endParaRPr lang="en-US"/>
           </a:p>
@@ -2846,7 +2839,7 @@
             <a:fld id="{1D8BD707-D9CF-40AE-B4C6-C98DA3205C09}" type="datetimeFigureOut">
               <a:rPr lang="en-US" smtClean="0"/>
               <a:pPr defTabSz="914400" latinLnBrk="0"/>
-              <a:t>8/22/2023</a:t>
+              <a:t>8/29/2023</a:t>
             </a:fld>
             <a:endParaRPr lang="en-US"/>
           </a:p>
@@ -3004,7 +2997,7 @@
           <a:p>
             <a:fld id="{D5BB7A41-6D90-4371-844A-87EC379C3D06}" type="datetimeFigureOut">
               <a:rPr lang="ko-KR" altLang="en-US" smtClean="0"/>
-              <a:t>2023-08-22</a:t>
+              <a:t>2023-08-29</a:t>
             </a:fld>
             <a:endParaRPr lang="ko-KR" altLang="en-US"/>
           </a:p>
@@ -3109,7 +3102,7 @@
           </a:lstStyle>
           <a:p>
             <a:r>
-              <a:rPr lang="en-US" smtClean="0"/>
+              <a:rPr lang="en-US"/>
               <a:t>Click to edit Master title style</a:t>
             </a:r>
             <a:endParaRPr lang="en-US" dirty="0"/>
@@ -3166,35 +3159,35 @@
           <a:p>
             <a:pPr lvl="0"/>
             <a:r>
-              <a:rPr lang="en-US" smtClean="0"/>
+              <a:rPr lang="en-US"/>
               <a:t>Click to edit Master text styles</a:t>
             </a:r>
           </a:p>
           <a:p>
             <a:pPr lvl="1"/>
             <a:r>
-              <a:rPr lang="en-US" smtClean="0"/>
+              <a:rPr lang="en-US"/>
               <a:t>Second level</a:t>
             </a:r>
           </a:p>
           <a:p>
             <a:pPr lvl="2"/>
             <a:r>
-              <a:rPr lang="en-US" smtClean="0"/>
+              <a:rPr lang="en-US"/>
               <a:t>Third level</a:t>
             </a:r>
           </a:p>
           <a:p>
             <a:pPr lvl="3"/>
             <a:r>
-              <a:rPr lang="en-US" smtClean="0"/>
+              <a:rPr lang="en-US"/>
               <a:t>Fourth level</a:t>
             </a:r>
           </a:p>
           <a:p>
             <a:pPr lvl="4"/>
             <a:r>
-              <a:rPr lang="en-US" smtClean="0"/>
+              <a:rPr lang="en-US"/>
               <a:t>Fifth level</a:t>
             </a:r>
             <a:endParaRPr lang="en-US" dirty="0"/>
@@ -3260,7 +3253,7 @@
           <a:p>
             <a:pPr lvl="0"/>
             <a:r>
-              <a:rPr lang="en-US" smtClean="0"/>
+              <a:rPr lang="en-US"/>
               <a:t>Click to edit Master text styles</a:t>
             </a:r>
           </a:p>
@@ -3285,7 +3278,7 @@
             <a:fld id="{1D8BD707-D9CF-40AE-B4C6-C98DA3205C09}" type="datetimeFigureOut">
               <a:rPr lang="en-US" smtClean="0"/>
               <a:pPr defTabSz="914400" latinLnBrk="0"/>
-              <a:t>8/22/2023</a:t>
+              <a:t>8/29/2023</a:t>
             </a:fld>
             <a:endParaRPr lang="en-US"/>
           </a:p>
@@ -3428,7 +3421,7 @@
           </a:lstStyle>
           <a:p>
             <a:r>
-              <a:rPr lang="en-US" smtClean="0"/>
+              <a:rPr lang="en-US"/>
               <a:t>Click to edit Master title style</a:t>
             </a:r>
             <a:endParaRPr lang="en-US" dirty="0"/>
@@ -3509,7 +3502,7 @@
           </a:lstStyle>
           <a:p>
             <a:r>
-              <a:rPr lang="en-US" smtClean="0"/>
+              <a:rPr lang="en-US"/>
               <a:t>Click icon to add picture</a:t>
             </a:r>
             <a:endParaRPr lang="en-US" dirty="0"/>
@@ -3575,7 +3568,7 @@
           <a:p>
             <a:pPr lvl="0"/>
             <a:r>
-              <a:rPr lang="en-US" smtClean="0"/>
+              <a:rPr lang="en-US"/>
               <a:t>Click to edit Master text styles</a:t>
             </a:r>
           </a:p>
@@ -3600,7 +3593,7 @@
             <a:fld id="{1D8BD707-D9CF-40AE-B4C6-C98DA3205C09}" type="datetimeFigureOut">
               <a:rPr lang="en-US" smtClean="0"/>
               <a:pPr defTabSz="914400" latinLnBrk="0"/>
-              <a:t>8/22/2023</a:t>
+              <a:t>8/29/2023</a:t>
             </a:fld>
             <a:endParaRPr lang="en-US"/>
           </a:p>
@@ -3697,10 +3690,9 @@
           <a:lstStyle/>
           <a:p>
             <a:r>
-              <a:rPr lang="en-US" smtClean="0"/>
+              <a:rPr lang="en-US"/>
               <a:t>Click to edit Master title style</a:t>
             </a:r>
-            <a:endParaRPr lang="en-US"/>
           </a:p>
         </p:txBody>
       </p:sp>
@@ -3721,38 +3713,37 @@
           <a:p>
             <a:pPr lvl="0"/>
             <a:r>
-              <a:rPr lang="en-US" smtClean="0"/>
+              <a:rPr lang="en-US"/>
               <a:t>Click to edit Master text styles</a:t>
             </a:r>
           </a:p>
           <a:p>
             <a:pPr lvl="1"/>
             <a:r>
-              <a:rPr lang="en-US" smtClean="0"/>
+              <a:rPr lang="en-US"/>
               <a:t>Second level</a:t>
             </a:r>
           </a:p>
           <a:p>
             <a:pPr lvl="2"/>
             <a:r>
-              <a:rPr lang="en-US" smtClean="0"/>
+              <a:rPr lang="en-US"/>
               <a:t>Third level</a:t>
             </a:r>
           </a:p>
           <a:p>
             <a:pPr lvl="3"/>
             <a:r>
-              <a:rPr lang="en-US" smtClean="0"/>
+              <a:rPr lang="en-US"/>
               <a:t>Fourth level</a:t>
             </a:r>
           </a:p>
           <a:p>
             <a:pPr lvl="4"/>
             <a:r>
-              <a:rPr lang="en-US" smtClean="0"/>
+              <a:rPr lang="en-US"/>
               <a:t>Fifth level</a:t>
             </a:r>
-            <a:endParaRPr lang="en-US"/>
           </a:p>
         </p:txBody>
       </p:sp>
@@ -3775,7 +3766,7 @@
             <a:fld id="{1D8BD707-D9CF-40AE-B4C6-C98DA3205C09}" type="datetimeFigureOut">
               <a:rPr lang="en-US" smtClean="0"/>
               <a:pPr defTabSz="914400" latinLnBrk="0"/>
-              <a:t>8/22/2023</a:t>
+              <a:t>8/29/2023</a:t>
             </a:fld>
             <a:endParaRPr lang="en-US"/>
           </a:p>
@@ -3877,7 +3868,7 @@
           <a:lstStyle/>
           <a:p>
             <a:r>
-              <a:rPr lang="en-US" smtClean="0"/>
+              <a:rPr lang="en-US"/>
               <a:t>Click to edit Master title style</a:t>
             </a:r>
             <a:endParaRPr lang="en-US" dirty="0"/>
@@ -3906,35 +3897,35 @@
           <a:p>
             <a:pPr lvl="0"/>
             <a:r>
-              <a:rPr lang="en-US" smtClean="0"/>
+              <a:rPr lang="en-US"/>
               <a:t>Click to edit Master text styles</a:t>
             </a:r>
           </a:p>
           <a:p>
             <a:pPr lvl="1"/>
             <a:r>
-              <a:rPr lang="en-US" smtClean="0"/>
+              <a:rPr lang="en-US"/>
               <a:t>Second level</a:t>
             </a:r>
           </a:p>
           <a:p>
             <a:pPr lvl="2"/>
             <a:r>
-              <a:rPr lang="en-US" smtClean="0"/>
+              <a:rPr lang="en-US"/>
               <a:t>Third level</a:t>
             </a:r>
           </a:p>
           <a:p>
             <a:pPr lvl="3"/>
             <a:r>
-              <a:rPr lang="en-US" smtClean="0"/>
+              <a:rPr lang="en-US"/>
               <a:t>Fourth level</a:t>
             </a:r>
           </a:p>
           <a:p>
             <a:pPr lvl="4"/>
             <a:r>
-              <a:rPr lang="en-US" smtClean="0"/>
+              <a:rPr lang="en-US"/>
               <a:t>Fifth level</a:t>
             </a:r>
             <a:endParaRPr lang="en-US" dirty="0"/>
@@ -3960,7 +3951,7 @@
             <a:fld id="{1D8BD707-D9CF-40AE-B4C6-C98DA3205C09}" type="datetimeFigureOut">
               <a:rPr lang="en-US" smtClean="0"/>
               <a:pPr defTabSz="914400" latinLnBrk="0"/>
-              <a:t>8/22/2023</a:t>
+              <a:t>8/29/2023</a:t>
             </a:fld>
             <a:endParaRPr lang="en-US"/>
           </a:p>
@@ -4213,7 +4204,7 @@
           <a:p>
             <a:fld id="{D5BB7A41-6D90-4371-844A-87EC379C3D06}" type="datetimeFigureOut">
               <a:rPr lang="ko-KR" altLang="en-US" smtClean="0"/>
-              <a:t>2023-08-22</a:t>
+              <a:t>2023-08-29</a:t>
             </a:fld>
             <a:endParaRPr lang="ko-KR" altLang="en-US"/>
           </a:p>
@@ -4459,7 +4450,7 @@
           <a:p>
             <a:fld id="{D5BB7A41-6D90-4371-844A-87EC379C3D06}" type="datetimeFigureOut">
               <a:rPr lang="ko-KR" altLang="en-US" smtClean="0"/>
-              <a:t>2023-08-22</a:t>
+              <a:t>2023-08-29</a:t>
             </a:fld>
             <a:endParaRPr lang="ko-KR" altLang="en-US"/>
           </a:p>
@@ -4841,7 +4832,7 @@
           <a:p>
             <a:fld id="{D5BB7A41-6D90-4371-844A-87EC379C3D06}" type="datetimeFigureOut">
               <a:rPr lang="ko-KR" altLang="en-US" smtClean="0"/>
-              <a:t>2023-08-22</a:t>
+              <a:t>2023-08-29</a:t>
             </a:fld>
             <a:endParaRPr lang="ko-KR" altLang="en-US"/>
           </a:p>
@@ -4967,7 +4958,7 @@
           <a:p>
             <a:fld id="{D5BB7A41-6D90-4371-844A-87EC379C3D06}" type="datetimeFigureOut">
               <a:rPr lang="ko-KR" altLang="en-US" smtClean="0"/>
-              <a:t>2023-08-22</a:t>
+              <a:t>2023-08-29</a:t>
             </a:fld>
             <a:endParaRPr lang="ko-KR" altLang="en-US"/>
           </a:p>
@@ -5062,7 +5053,7 @@
           <a:p>
             <a:fld id="{D5BB7A41-6D90-4371-844A-87EC379C3D06}" type="datetimeFigureOut">
               <a:rPr lang="ko-KR" altLang="en-US" smtClean="0"/>
-              <a:t>2023-08-22</a:t>
+              <a:t>2023-08-29</a:t>
             </a:fld>
             <a:endParaRPr lang="ko-KR" altLang="en-US"/>
           </a:p>
@@ -5348,7 +5339,7 @@
           <a:p>
             <a:fld id="{D5BB7A41-6D90-4371-844A-87EC379C3D06}" type="datetimeFigureOut">
               <a:rPr lang="ko-KR" altLang="en-US" smtClean="0"/>
-              <a:t>2023-08-22</a:t>
+              <a:t>2023-08-29</a:t>
             </a:fld>
             <a:endParaRPr lang="ko-KR" altLang="en-US"/>
           </a:p>
@@ -5496,7 +5487,7 @@
           <a:p>
             <a:fld id="{D5BB7A41-6D90-4371-844A-87EC379C3D06}" type="datetimeFigureOut">
               <a:rPr lang="ko-KR" altLang="en-US" smtClean="0"/>
-              <a:t>2023-08-22</a:t>
+              <a:t>2023-08-29</a:t>
             </a:fld>
             <a:endParaRPr lang="ko-KR" altLang="en-US"/>
           </a:p>
@@ -5739,13 +5730,6 @@
     <p:sldLayoutId id="2147483707" r:id="rId11"/>
     <p:sldLayoutId id="2147483708" r:id="rId12"/>
   </p:sldLayoutIdLst>
-  <p:timing>
-    <p:tnLst>
-      <p:par>
-        <p:cTn id="1" dur="indefinite" restart="never" nodeType="tmRoot"/>
-      </p:par>
-    </p:tnLst>
-  </p:timing>
   <p:txStyles>
     <p:titleStyle>
       <a:lvl1pPr algn="l" defTabSz="914400" rtl="0" eaLnBrk="1" latinLnBrk="1" hangingPunct="1">
@@ -6152,7 +6136,7 @@
           <a:lstStyle/>
           <a:p>
             <a:r>
-              <a:rPr lang="en-US" smtClean="0"/>
+              <a:rPr lang="en-US"/>
               <a:t>Click to edit Master title style</a:t>
             </a:r>
             <a:endParaRPr lang="en-US" dirty="0"/>
@@ -6186,35 +6170,35 @@
           <a:p>
             <a:pPr lvl="0"/>
             <a:r>
-              <a:rPr lang="en-US" smtClean="0"/>
+              <a:rPr lang="en-US"/>
               <a:t>Click to edit Master text styles</a:t>
             </a:r>
           </a:p>
           <a:p>
             <a:pPr lvl="1"/>
             <a:r>
-              <a:rPr lang="en-US" smtClean="0"/>
+              <a:rPr lang="en-US"/>
               <a:t>Second level</a:t>
             </a:r>
           </a:p>
           <a:p>
             <a:pPr lvl="2"/>
             <a:r>
-              <a:rPr lang="en-US" smtClean="0"/>
+              <a:rPr lang="en-US"/>
               <a:t>Third level</a:t>
             </a:r>
           </a:p>
           <a:p>
             <a:pPr lvl="3"/>
             <a:r>
-              <a:rPr lang="en-US" smtClean="0"/>
+              <a:rPr lang="en-US"/>
               <a:t>Fourth level</a:t>
             </a:r>
           </a:p>
           <a:p>
             <a:pPr lvl="4"/>
             <a:r>
-              <a:rPr lang="en-US" smtClean="0"/>
+              <a:rPr lang="en-US"/>
               <a:t>Fifth level</a:t>
             </a:r>
             <a:endParaRPr lang="en-US" dirty="0"/>
@@ -6331,7 +6315,7 @@
             <a:fld id="{1D8BD707-D9CF-40AE-B4C6-C98DA3205C09}" type="datetimeFigureOut">
               <a:rPr lang="en-US" smtClean="0"/>
               <a:pPr defTabSz="914400" latinLnBrk="0"/>
-              <a:t>8/22/2023</a:t>
+              <a:t>8/29/2023</a:t>
             </a:fld>
             <a:endParaRPr lang="en-US"/>
           </a:p>
@@ -6798,39 +6782,18 @@
               </a:rPr>
               <a:t>How to solve BHF equation </a:t>
             </a:r>
-            <a:endParaRPr lang="en-US" altLang="ko-KR" sz="3600" b="1" dirty="0" smtClean="0">
-              <a:solidFill>
-                <a:schemeClr val="bg1"/>
-              </a:solidFill>
-              <a:latin typeface="+mn-ea"/>
-            </a:endParaRPr>
           </a:p>
           <a:p>
             <a:pPr algn="ctr"/>
             <a:r>
-              <a:rPr lang="en-US" altLang="ko-KR" sz="3600" b="1" dirty="0" smtClean="0">
+              <a:rPr lang="en-US" altLang="ko-KR" sz="3600" b="1" dirty="0">
                 <a:solidFill>
                   <a:schemeClr val="bg1"/>
                 </a:solidFill>
                 <a:latin typeface="+mn-ea"/>
               </a:rPr>
-              <a:t>in </a:t>
-            </a:r>
-            <a:r>
-              <a:rPr lang="en-US" altLang="ko-KR" sz="3600" b="1" dirty="0">
-                <a:solidFill>
-                  <a:schemeClr val="bg1"/>
-                </a:solidFill>
-                <a:latin typeface="+mn-ea"/>
-              </a:rPr>
-              <a:t>nuclear matter</a:t>
-            </a:r>
-            <a:endParaRPr lang="en-US" altLang="ko-KR" sz="3600" b="1" dirty="0" smtClean="0">
-              <a:solidFill>
-                <a:schemeClr val="bg1"/>
-              </a:solidFill>
-              <a:latin typeface="+mn-ea"/>
-            </a:endParaRPr>
+              <a:t>in nuclear matter</a:t>
+            </a:r>
           </a:p>
         </p:txBody>
       </p:sp>
@@ -6998,18 +6961,10 @@
           </a:bodyPr>
           <a:lstStyle/>
           <a:p>
-            <a:pPr lvl="1"/>
-            <a:r>
-              <a:rPr lang="en-US" altLang="ko-KR" sz="2800" dirty="0" smtClean="0"/>
-              <a:t>Young-Ho Song (</a:t>
-            </a:r>
-            <a:r>
-              <a:rPr lang="ko-KR" altLang="en-US" sz="2800" dirty="0" smtClean="0"/>
-              <a:t>중이온가속기연구소</a:t>
-            </a:r>
-            <a:r>
-              <a:rPr lang="en-US" altLang="ko-KR" sz="2800" dirty="0" smtClean="0"/>
-              <a:t>, IBS)</a:t>
+            <a:pPr lvl="1" algn="ctr"/>
+            <a:r>
+              <a:rPr lang="en-US" altLang="ko-KR" sz="2800" dirty="0"/>
+              <a:t>Young-Ho Song (IRIS, IBS)</a:t>
             </a:r>
           </a:p>
         </p:txBody>
@@ -7037,7 +6992,7 @@
           <a:p>
             <a:pPr lvl="1"/>
             <a:r>
-              <a:rPr lang="en-US" altLang="ko-KR" sz="1800" dirty="0" smtClean="0"/>
+              <a:rPr lang="en-US" altLang="ko-KR" sz="1800" dirty="0"/>
               <a:t>CENS-IRIS collaboration 2023.08.29., CENS, IBS</a:t>
             </a:r>
           </a:p>
@@ -7053,13 +7008,6 @@
   <p:clrMapOvr>
     <a:masterClrMapping/>
   </p:clrMapOvr>
-  <p:timing>
-    <p:tnLst>
-      <p:par>
-        <p:cTn id="1" dur="indefinite" restart="never" nodeType="tmRoot"/>
-      </p:par>
-    </p:tnLst>
-  </p:timing>
 </p:sld>
 </file>
 
@@ -7096,10 +7044,9 @@
           <a:lstStyle/>
           <a:p>
             <a:r>
-              <a:rPr lang="en-US" dirty="0" smtClean="0"/>
+              <a:rPr lang="en-US" dirty="0"/>
               <a:t>Nuclear matter</a:t>
             </a:r>
-            <a:endParaRPr lang="en-US" dirty="0"/>
           </a:p>
         </p:txBody>
       </p:sp>
@@ -7143,7 +7090,7 @@
               <a:defRPr/>
             </a:pPr>
             <a:r>
-              <a:rPr kumimoji="0" lang="en-US" altLang="ko-KR" b="0" i="0" u="none" strike="noStrike" kern="1200" cap="none" spc="0" normalizeH="0" noProof="0" dirty="0" smtClean="0">
+              <a:rPr kumimoji="0" lang="en-US" altLang="ko-KR" b="0" i="0" u="none" strike="noStrike" kern="1200" cap="none" spc="0" normalizeH="0" noProof="0" dirty="0">
                 <a:ln>
                   <a:noFill/>
                 </a:ln>
@@ -7167,7 +7114,7 @@
               <a:defRPr/>
             </a:pPr>
             <a:r>
-              <a:rPr lang="en-US" altLang="ko-KR" dirty="0" smtClean="0">
+              <a:rPr lang="en-US" altLang="ko-KR" dirty="0">
                 <a:solidFill>
                   <a:srgbClr val="292934"/>
                 </a:solidFill>
@@ -7184,7 +7131,7 @@
               <a:defRPr/>
             </a:pPr>
             <a:r>
-              <a:rPr lang="en-US" altLang="ko-KR" dirty="0" smtClean="0">
+              <a:rPr lang="en-US" altLang="ko-KR" dirty="0">
                 <a:solidFill>
                   <a:srgbClr val="292934"/>
                 </a:solidFill>
@@ -7238,7 +7185,7 @@
               <a:tabLst/>
               <a:defRPr/>
             </a:pPr>
-            <a:endParaRPr kumimoji="0" lang="en-US" altLang="ko-KR" b="0" i="0" u="none" strike="noStrike" kern="1200" cap="none" spc="0" normalizeH="0" noProof="0" dirty="0" smtClean="0">
+            <a:endParaRPr kumimoji="0" lang="en-US" altLang="ko-KR" b="0" i="0" u="none" strike="noStrike" kern="1200" cap="none" spc="0" normalizeH="0" noProof="0" dirty="0">
               <a:ln>
                 <a:noFill/>
               </a:ln>
@@ -7297,7 +7244,7 @@
               <a:tabLst/>
               <a:defRPr/>
             </a:pPr>
-            <a:endParaRPr kumimoji="0" lang="en-US" altLang="ko-KR" b="0" i="0" u="none" strike="noStrike" kern="1200" cap="none" spc="0" normalizeH="0" baseline="0" noProof="0" dirty="0" smtClean="0">
+            <a:endParaRPr kumimoji="0" lang="en-US" altLang="ko-KR" b="0" i="0" u="none" strike="noStrike" kern="1200" cap="none" spc="0" normalizeH="0" baseline="0" noProof="0" dirty="0">
               <a:ln>
                 <a:noFill/>
               </a:ln>
@@ -7402,7 +7349,7 @@
               <a:defRPr/>
             </a:pPr>
             <a:r>
-              <a:rPr kumimoji="0" lang="en-US" altLang="ko-KR" b="0" i="0" u="none" strike="noStrike" kern="1200" cap="none" spc="0" normalizeH="0" noProof="0" dirty="0" smtClean="0">
+              <a:rPr kumimoji="0" lang="en-US" altLang="ko-KR" b="0" i="0" u="none" strike="noStrike" kern="1200" cap="none" spc="0" normalizeH="0" noProof="0" dirty="0">
                 <a:ln>
                   <a:noFill/>
                 </a:ln>
@@ -7418,7 +7365,7 @@
               </a:rPr>
               <a:t>Energy of nuclear matter can be obtained from U</a:t>
             </a:r>
-            <a:endParaRPr lang="en-US" altLang="ko-KR" dirty="0" smtClean="0">
+            <a:endParaRPr lang="en-US" altLang="ko-KR" dirty="0">
               <a:solidFill>
                 <a:srgbClr val="292934"/>
               </a:solidFill>
@@ -7470,7 +7417,7 @@
               <a:tabLst/>
               <a:defRPr/>
             </a:pPr>
-            <a:endParaRPr kumimoji="0" lang="en-US" altLang="ko-KR" b="0" i="0" u="none" strike="noStrike" kern="1200" cap="none" spc="0" normalizeH="0" noProof="0" dirty="0" smtClean="0">
+            <a:endParaRPr kumimoji="0" lang="en-US" altLang="ko-KR" b="0" i="0" u="none" strike="noStrike" kern="1200" cap="none" spc="0" normalizeH="0" noProof="0" dirty="0">
               <a:ln>
                 <a:noFill/>
               </a:ln>
@@ -7529,7 +7476,7 @@
               <a:tabLst/>
               <a:defRPr/>
             </a:pPr>
-            <a:endParaRPr kumimoji="0" lang="en-US" altLang="ko-KR" b="0" i="0" u="none" strike="noStrike" kern="1200" cap="none" spc="0" normalizeH="0" baseline="0" noProof="0" dirty="0" smtClean="0">
+            <a:endParaRPr kumimoji="0" lang="en-US" altLang="ko-KR" b="0" i="0" u="none" strike="noStrike" kern="1200" cap="none" spc="0" normalizeH="0" baseline="0" noProof="0" dirty="0">
               <a:ln>
                 <a:noFill/>
               </a:ln>
@@ -7592,10 +7539,9 @@
           <a:lstStyle/>
           <a:p>
             <a:r>
-              <a:rPr lang="en-US" dirty="0" smtClean="0"/>
+              <a:rPr lang="en-US" dirty="0"/>
               <a:t>G-matrix calculation</a:t>
             </a:r>
-            <a:endParaRPr lang="en-US" dirty="0"/>
           </a:p>
         </p:txBody>
       </p:sp>
@@ -7639,7 +7585,7 @@
               <a:defRPr/>
             </a:pPr>
             <a:r>
-              <a:rPr lang="en-US" altLang="ko-KR" dirty="0" smtClean="0">
+              <a:rPr lang="en-US" altLang="ko-KR" dirty="0">
                 <a:solidFill>
                   <a:srgbClr val="292934"/>
                 </a:solidFill>
@@ -7648,7 +7594,7 @@
               </a:rPr>
               <a:t>CM momentum and relative momentum of two nucleons</a:t>
             </a:r>
-            <a:endParaRPr kumimoji="0" lang="en-US" altLang="ko-KR" b="0" i="0" u="none" strike="noStrike" kern="1200" cap="none" spc="0" normalizeH="0" baseline="0" noProof="0" dirty="0" smtClean="0">
+            <a:endParaRPr kumimoji="0" lang="en-US" altLang="ko-KR" b="0" i="0" u="none" strike="noStrike" kern="1200" cap="none" spc="0" normalizeH="0" baseline="0" noProof="0" dirty="0">
               <a:ln>
                 <a:noFill/>
               </a:ln>
@@ -7729,7 +7675,7 @@
               <a:defRPr/>
             </a:pPr>
             <a:r>
-              <a:rPr lang="en-US" altLang="ko-KR" noProof="0" dirty="0" smtClean="0">
+              <a:rPr lang="en-US" altLang="ko-KR" noProof="0" dirty="0">
                 <a:solidFill>
                   <a:srgbClr val="292934"/>
                 </a:solidFill>
@@ -7739,7 +7685,7 @@
               <a:t>G-matrix equation </a:t>
             </a:r>
             <a:r>
-              <a:rPr lang="en-US" altLang="ko-KR" noProof="0" dirty="0" smtClean="0">
+              <a:rPr lang="en-US" altLang="ko-KR" noProof="0" dirty="0">
                 <a:solidFill>
                   <a:srgbClr val="292934"/>
                 </a:solidFill>
@@ -7749,7 +7695,7 @@
               </a:rPr>
               <a:t> integral equation</a:t>
             </a:r>
-            <a:endParaRPr kumimoji="0" lang="en-US" altLang="ko-KR" b="0" i="0" u="none" strike="noStrike" kern="1200" cap="none" spc="0" normalizeH="0" baseline="0" noProof="0" dirty="0" smtClean="0">
+            <a:endParaRPr kumimoji="0" lang="en-US" altLang="ko-KR" b="0" i="0" u="none" strike="noStrike" kern="1200" cap="none" spc="0" normalizeH="0" baseline="0" noProof="0" dirty="0">
               <a:ln>
                 <a:noFill/>
               </a:ln>
@@ -7889,7 +7835,7 @@
               <a:buChar char="•"/>
             </a:pPr>
             <a:r>
-              <a:rPr lang="en-US" dirty="0" smtClean="0"/>
+              <a:rPr lang="en-US" dirty="0"/>
               <a:t>Same code can be used for scattering in free space.</a:t>
             </a:r>
           </a:p>
@@ -7899,19 +7845,11 @@
               <a:buChar char="•"/>
             </a:pPr>
             <a:r>
-              <a:rPr lang="en-US" dirty="0" smtClean="0"/>
-              <a:t>Set U=0. Q=1. </a:t>
-            </a:r>
-            <a:r>
               <a:rPr lang="en-US" dirty="0"/>
-              <a:t> </a:t>
-            </a:r>
-            <a:r>
-              <a:rPr lang="en-US" dirty="0" smtClean="0"/>
-              <a:t>G matrix</a:t>
-            </a:r>
-            <a:r>
-              <a:rPr lang="en-US" dirty="0" smtClean="0">
+              <a:t>Set U=0. Q=1.  G matrix</a:t>
+            </a:r>
+            <a:r>
+              <a:rPr lang="en-US" dirty="0">
                 <a:sym typeface="Wingdings" panose="05000000000000000000" pitchFamily="2" charset="2"/>
               </a:rPr>
               <a:t> T matrix</a:t>
@@ -7966,10 +7904,9 @@
           <a:lstStyle/>
           <a:p>
             <a:r>
-              <a:rPr lang="en-US" dirty="0" smtClean="0"/>
+              <a:rPr lang="en-US" dirty="0"/>
               <a:t>Angle average approximation of Q</a:t>
             </a:r>
-            <a:endParaRPr lang="en-US" dirty="0"/>
           </a:p>
         </p:txBody>
       </p:sp>
@@ -8001,7 +7938,7 @@
               <a:defRPr/>
             </a:pPr>
             <a:r>
-              <a:rPr kumimoji="0" lang="en-US" altLang="ko-KR" b="0" i="0" u="none" strike="noStrike" kern="1200" cap="none" spc="0" normalizeH="0" baseline="0" noProof="0" dirty="0" smtClean="0">
+              <a:rPr kumimoji="0" lang="en-US" altLang="ko-KR" b="0" i="0" u="none" strike="noStrike" kern="1200" cap="none" spc="0" normalizeH="0" baseline="0" noProof="0" dirty="0">
                 <a:ln>
                   <a:noFill/>
                 </a:ln>
@@ -8025,7 +7962,7 @@
               <a:defRPr/>
             </a:pPr>
             <a:r>
-              <a:rPr kumimoji="0" lang="en-US" altLang="ko-KR" b="0" i="0" u="none" strike="noStrike" kern="1200" cap="none" spc="0" normalizeH="0" baseline="0" noProof="0" dirty="0" smtClean="0">
+              <a:rPr kumimoji="0" lang="en-US" altLang="ko-KR" b="0" i="0" u="none" strike="noStrike" kern="1200" cap="none" spc="0" normalizeH="0" baseline="0" noProof="0" dirty="0">
                 <a:ln>
                   <a:noFill/>
                 </a:ln>
@@ -8042,7 +7979,7 @@
               <a:t>In</a:t>
             </a:r>
             <a:r>
-              <a:rPr kumimoji="0" lang="en-US" altLang="ko-KR" b="0" i="0" u="none" strike="noStrike" kern="1200" cap="none" spc="0" normalizeH="0" noProof="0" dirty="0" smtClean="0">
+              <a:rPr kumimoji="0" lang="en-US" altLang="ko-KR" b="0" i="0" u="none" strike="noStrike" kern="1200" cap="none" spc="0" normalizeH="0" noProof="0" dirty="0">
                 <a:ln>
                   <a:noFill/>
                 </a:ln>
@@ -8066,7 +8003,7 @@
               <a:defRPr/>
             </a:pPr>
             <a:r>
-              <a:rPr lang="en-US" altLang="ko-KR" dirty="0" smtClean="0">
+              <a:rPr lang="en-US" altLang="ko-KR" dirty="0">
                 <a:solidFill>
                   <a:srgbClr val="292934"/>
                 </a:solidFill>
@@ -8077,7 +8014,7 @@
               <a:t> Simplification : angle average (no mixing between partial waves)</a:t>
             </a:r>
             <a:r>
-              <a:rPr kumimoji="0" lang="en-US" altLang="ko-KR" b="0" i="0" u="none" strike="noStrike" kern="1200" cap="none" spc="0" normalizeH="0" noProof="0" dirty="0" smtClean="0">
+              <a:rPr kumimoji="0" lang="en-US" altLang="ko-KR" b="0" i="0" u="none" strike="noStrike" kern="1200" cap="none" spc="0" normalizeH="0" noProof="0" dirty="0">
                 <a:ln>
                   <a:noFill/>
                 </a:ln>
@@ -8093,7 +8030,7 @@
               </a:rPr>
               <a:t> </a:t>
             </a:r>
-            <a:endParaRPr kumimoji="0" lang="en-US" altLang="ko-KR" b="0" i="0" u="none" strike="noStrike" kern="1200" cap="none" spc="0" normalizeH="0" baseline="0" noProof="0" dirty="0" smtClean="0">
+            <a:endParaRPr kumimoji="0" lang="en-US" altLang="ko-KR" b="0" i="0" u="none" strike="noStrike" kern="1200" cap="none" spc="0" normalizeH="0" baseline="0" noProof="0" dirty="0">
               <a:ln>
                 <a:noFill/>
               </a:ln>
@@ -8254,10 +8191,9 @@
           <a:lstStyle/>
           <a:p>
             <a:r>
-              <a:rPr lang="en-US" dirty="0" smtClean="0"/>
+              <a:rPr lang="en-US" dirty="0"/>
               <a:t>Angle average approximation of denominator</a:t>
             </a:r>
-            <a:endParaRPr lang="en-US" dirty="0"/>
           </a:p>
         </p:txBody>
       </p:sp>
@@ -8289,7 +8225,7 @@
               <a:defRPr/>
             </a:pPr>
             <a:r>
-              <a:rPr lang="en-US" altLang="ko-KR" dirty="0" smtClean="0">
+              <a:rPr lang="en-US" altLang="ko-KR" dirty="0">
                 <a:solidFill>
                   <a:srgbClr val="292934"/>
                 </a:solidFill>
@@ -8306,7 +8242,7 @@
               <a:defRPr/>
             </a:pPr>
             <a:r>
-              <a:rPr lang="en-US" altLang="ko-KR" dirty="0" smtClean="0">
+              <a:rPr lang="en-US" altLang="ko-KR" dirty="0">
                 <a:solidFill>
                   <a:srgbClr val="292934"/>
                 </a:solidFill>
@@ -8316,7 +8252,7 @@
               <a:t>Simplification: angle-averaged </a:t>
             </a:r>
             <a:r>
-              <a:rPr lang="en-US" altLang="ko-KR" dirty="0" err="1" smtClean="0">
+              <a:rPr lang="en-US" altLang="ko-KR" dirty="0" err="1">
                 <a:solidFill>
                   <a:srgbClr val="292934"/>
                 </a:solidFill>
@@ -8326,7 +8262,7 @@
               <a:t>c.m</a:t>
             </a:r>
             <a:r>
-              <a:rPr lang="en-US" altLang="ko-KR" dirty="0" smtClean="0">
+              <a:rPr lang="en-US" altLang="ko-KR" dirty="0">
                 <a:solidFill>
                   <a:srgbClr val="292934"/>
                 </a:solidFill>
@@ -8335,7 +8271,7 @@
               </a:rPr>
               <a:t>. momentum prescription</a:t>
             </a:r>
-            <a:endParaRPr kumimoji="0" lang="en-US" altLang="ko-KR" b="0" i="0" u="none" strike="noStrike" kern="1200" cap="none" spc="0" normalizeH="0" baseline="0" noProof="0" dirty="0" smtClean="0">
+            <a:endParaRPr kumimoji="0" lang="en-US" altLang="ko-KR" b="0" i="0" u="none" strike="noStrike" kern="1200" cap="none" spc="0" normalizeH="0" baseline="0" noProof="0" dirty="0">
               <a:ln>
                 <a:noFill/>
               </a:ln>
@@ -8452,7 +8388,7 @@
               <a:defRPr/>
             </a:pPr>
             <a:r>
-              <a:rPr lang="en-US" altLang="ko-KR" dirty="0" smtClean="0">
+              <a:rPr lang="en-US" altLang="ko-KR" dirty="0">
                 <a:solidFill>
                   <a:srgbClr val="292934"/>
                 </a:solidFill>
@@ -8469,7 +8405,7 @@
               <a:defRPr/>
             </a:pPr>
             <a:r>
-              <a:rPr kumimoji="0" lang="en-US" altLang="ko-KR" b="0" i="0" u="none" strike="noStrike" kern="1200" cap="none" spc="0" normalizeH="0" baseline="0" noProof="0" dirty="0" smtClean="0">
+              <a:rPr kumimoji="0" lang="en-US" altLang="ko-KR" b="0" i="0" u="none" strike="noStrike" kern="1200" cap="none" spc="0" normalizeH="0" baseline="0" noProof="0" dirty="0">
                 <a:ln>
                   <a:noFill/>
                 </a:ln>
@@ -8486,7 +8422,7 @@
               <a:t>Standard</a:t>
             </a:r>
             <a:r>
-              <a:rPr kumimoji="0" lang="en-US" altLang="ko-KR" b="0" i="0" u="none" strike="noStrike" kern="1200" cap="none" spc="0" normalizeH="0" noProof="0" dirty="0" smtClean="0">
+              <a:rPr kumimoji="0" lang="en-US" altLang="ko-KR" b="0" i="0" u="none" strike="noStrike" kern="1200" cap="none" spc="0" normalizeH="0" noProof="0" dirty="0">
                 <a:ln>
                   <a:noFill/>
                 </a:ln>
@@ -8510,7 +8446,7 @@
               <a:defRPr/>
             </a:pPr>
             <a:r>
-              <a:rPr lang="en-US" altLang="ko-KR" baseline="0" dirty="0" smtClean="0">
+              <a:rPr lang="en-US" altLang="ko-KR" baseline="0" dirty="0">
                 <a:solidFill>
                   <a:srgbClr val="292934"/>
                 </a:solidFill>
@@ -8519,7 +8455,7 @@
               </a:rPr>
               <a:t>Continuous choice</a:t>
             </a:r>
-            <a:endParaRPr kumimoji="0" lang="en-US" altLang="ko-KR" b="0" i="0" u="none" strike="noStrike" kern="1200" cap="none" spc="0" normalizeH="0" baseline="0" noProof="0" dirty="0" smtClean="0">
+            <a:endParaRPr kumimoji="0" lang="en-US" altLang="ko-KR" b="0" i="0" u="none" strike="noStrike" kern="1200" cap="none" spc="0" normalizeH="0" baseline="0" noProof="0" dirty="0">
               <a:ln>
                 <a:noFill/>
               </a:ln>
@@ -8670,10 +8606,9 @@
           <a:lstStyle/>
           <a:p>
             <a:r>
-              <a:rPr lang="en-US" dirty="0" smtClean="0"/>
+              <a:rPr lang="en-US" dirty="0"/>
               <a:t>Partial wave expansion of G-matrix</a:t>
             </a:r>
-            <a:endParaRPr lang="en-US" dirty="0"/>
           </a:p>
         </p:txBody>
       </p:sp>
@@ -8705,7 +8640,7 @@
               <a:defRPr/>
             </a:pPr>
             <a:r>
-              <a:rPr lang="en-US" altLang="ko-KR" dirty="0" smtClean="0">
+              <a:rPr lang="en-US" altLang="ko-KR" dirty="0">
                 <a:solidFill>
                   <a:srgbClr val="292934"/>
                 </a:solidFill>
@@ -8722,7 +8657,7 @@
               <a:defRPr/>
             </a:pPr>
             <a:r>
-              <a:rPr kumimoji="0" lang="en-US" altLang="ko-KR" b="0" i="0" u="none" strike="noStrike" kern="1200" cap="none" spc="0" normalizeH="0" baseline="0" noProof="0" dirty="0" smtClean="0">
+              <a:rPr kumimoji="0" lang="en-US" altLang="ko-KR" b="0" i="0" u="none" strike="noStrike" kern="1200" cap="none" spc="0" normalizeH="0" baseline="0" noProof="0" dirty="0">
                 <a:ln>
                   <a:noFill/>
                 </a:ln>
@@ -8739,7 +8674,7 @@
               </a:rPr>
               <a:t> better to use partial wave expansion.</a:t>
             </a:r>
-            <a:endParaRPr kumimoji="0" lang="en-US" altLang="ko-KR" b="0" i="0" u="none" strike="noStrike" kern="1200" cap="none" spc="0" normalizeH="0" baseline="0" noProof="0" dirty="0" smtClean="0">
+            <a:endParaRPr kumimoji="0" lang="en-US" altLang="ko-KR" b="0" i="0" u="none" strike="noStrike" kern="1200" cap="none" spc="0" normalizeH="0" baseline="0" noProof="0" dirty="0">
               <a:ln>
                 <a:noFill/>
               </a:ln>
@@ -8807,7 +8742,7 @@
               <a:buChar char="•"/>
             </a:pPr>
             <a:r>
-              <a:rPr lang="en-US" dirty="0" smtClean="0"/>
+              <a:rPr lang="en-US" dirty="0"/>
               <a:t>When k0 is below Fermi momentum, the denominator never have  pole.</a:t>
             </a:r>
           </a:p>
@@ -8817,7 +8752,7 @@
               <a:buChar char="•"/>
             </a:pPr>
             <a:r>
-              <a:rPr lang="en-US" dirty="0" smtClean="0">
+              <a:rPr lang="en-US" dirty="0">
                 <a:sym typeface="Wingdings" panose="05000000000000000000" pitchFamily="2" charset="2"/>
               </a:rPr>
               <a:t> G-matrix is real </a:t>
@@ -8829,7 +8764,7 @@
               <a:buChar char="•"/>
             </a:pPr>
             <a:r>
-              <a:rPr lang="en-US" dirty="0" smtClean="0">
+              <a:rPr lang="en-US" dirty="0">
                 <a:sym typeface="Wingdings" panose="05000000000000000000" pitchFamily="2" charset="2"/>
               </a:rPr>
               <a:t>When k0 is above Fermi momentum, the denominator can have pole</a:t>
@@ -8841,7 +8776,7 @@
               <a:buChar char="•"/>
             </a:pPr>
             <a:r>
-              <a:rPr lang="en-US" dirty="0" smtClean="0">
+              <a:rPr lang="en-US" dirty="0">
                 <a:sym typeface="Wingdings" panose="05000000000000000000" pitchFamily="2" charset="2"/>
               </a:rPr>
               <a:t> G-matrix becomes complex.   </a:t>
@@ -8920,10 +8855,9 @@
           <a:lstStyle/>
           <a:p>
             <a:r>
-              <a:rPr lang="en-US" dirty="0" smtClean="0"/>
+              <a:rPr lang="en-US" dirty="0"/>
               <a:t>Integral equation</a:t>
             </a:r>
-            <a:endParaRPr lang="en-US" dirty="0"/>
           </a:p>
         </p:txBody>
       </p:sp>
@@ -8955,16 +8889,41 @@
               <a:defRPr/>
             </a:pPr>
             <a:r>
-              <a:rPr lang="en-US" altLang="ko-KR" dirty="0" smtClean="0">
+              <a:rPr kumimoji="0" lang="en-US" altLang="ko-KR" b="0" i="0" u="none" strike="noStrike" kern="1200" cap="none" spc="0" normalizeH="0" baseline="0" noProof="0" dirty="0">
+                <a:ln>
+                  <a:noFill/>
+                </a:ln>
                 <a:solidFill>
                   <a:srgbClr val="292934"/>
                 </a:solidFill>
+                <a:effectLst/>
+                <a:uLnTx/>
+                <a:uFillTx/>
                 <a:latin typeface="Arial"/>
                 <a:ea typeface="돋움" panose="020B0600000101010101" pitchFamily="50" charset="-127"/>
-              </a:rPr>
-              <a:t>G-matrix equation</a:t>
-            </a:r>
-            <a:endParaRPr kumimoji="0" lang="en-US" altLang="ko-KR" b="0" i="0" u="none" strike="noStrike" kern="1200" cap="none" spc="0" normalizeH="0" baseline="0" noProof="0" dirty="0" smtClean="0">
+                <a:cs typeface="+mn-cs"/>
+              </a:rPr>
+              <a:t>Discretize integral equation</a:t>
+            </a:r>
+            <a:r>
+              <a:rPr kumimoji="0" lang="en-US" altLang="ko-KR" b="0" i="0" u="none" strike="noStrike" kern="1200" cap="none" spc="0" normalizeH="0" baseline="0" noProof="0" dirty="0">
+                <a:ln>
+                  <a:noFill/>
+                </a:ln>
+                <a:solidFill>
+                  <a:srgbClr val="292934"/>
+                </a:solidFill>
+                <a:effectLst/>
+                <a:uLnTx/>
+                <a:uFillTx/>
+                <a:latin typeface="Arial"/>
+                <a:ea typeface="돋움" panose="020B0600000101010101" pitchFamily="50" charset="-127"/>
+                <a:cs typeface="+mn-cs"/>
+                <a:sym typeface="Wingdings" panose="05000000000000000000" pitchFamily="2" charset="2"/>
+              </a:rPr>
+              <a:t> quadrature method</a:t>
+            </a:r>
+            <a:endParaRPr kumimoji="0" lang="en-US" altLang="ko-KR" b="0" i="0" u="none" strike="noStrike" kern="1200" cap="none" spc="0" normalizeH="0" baseline="0" noProof="0" dirty="0">
               <a:ln>
                 <a:noFill/>
               </a:ln>
@@ -8983,7 +8942,7 @@
       </p:sp>
       <p:pic>
         <p:nvPicPr>
-          <p:cNvPr id="3" name="그림 2"/>
+          <p:cNvPr id="6" name="그림 5"/>
           <p:cNvPicPr>
             <a:picLocks noChangeAspect="1"/>
           </p:cNvPicPr>
@@ -8997,8 +8956,8 @@
         </p:blipFill>
         <p:spPr>
           <a:xfrm>
-            <a:off x="1126952" y="2081903"/>
-            <a:ext cx="5985048" cy="3926361"/>
+            <a:off x="1268348" y="2157942"/>
+            <a:ext cx="4070270" cy="920347"/>
           </a:xfrm>
           <a:prstGeom prst="rect">
             <a:avLst/>
@@ -9007,7 +8966,7 @@
       </p:pic>
       <p:pic>
         <p:nvPicPr>
-          <p:cNvPr id="5" name="그림 4"/>
+          <p:cNvPr id="10" name="그림 9"/>
           <p:cNvPicPr>
             <a:picLocks noChangeAspect="1"/>
           </p:cNvPicPr>
@@ -9021,8 +8980,8 @@
         </p:blipFill>
         <p:spPr>
           <a:xfrm>
-            <a:off x="6944737" y="6251522"/>
-            <a:ext cx="2038635" cy="381053"/>
+            <a:off x="1268348" y="3078289"/>
+            <a:ext cx="6656065" cy="745566"/>
           </a:xfrm>
           <a:prstGeom prst="rect">
             <a:avLst/>
@@ -9031,7 +8990,7 @@
       </p:pic>
       <p:pic>
         <p:nvPicPr>
-          <p:cNvPr id="6" name="그림 5"/>
+          <p:cNvPr id="11" name="그림 10"/>
           <p:cNvPicPr>
             <a:picLocks noChangeAspect="1"/>
           </p:cNvPicPr>
@@ -9045,18 +9004,115 @@
         </p:blipFill>
         <p:spPr>
           <a:xfrm>
-            <a:off x="6460512" y="4236579"/>
-            <a:ext cx="3445488" cy="632284"/>
+            <a:off x="1476165" y="4576871"/>
+            <a:ext cx="4308203" cy="790602"/>
           </a:xfrm>
           <a:prstGeom prst="rect">
             <a:avLst/>
           </a:prstGeom>
         </p:spPr>
       </p:pic>
+      <p:sp>
+        <p:nvSpPr>
+          <p:cNvPr id="12" name="TextBox 11"/>
+          <p:cNvSpPr txBox="1"/>
+          <p:nvPr/>
+        </p:nvSpPr>
+        <p:spPr>
+          <a:xfrm>
+            <a:off x="636012" y="4031675"/>
+            <a:ext cx="8532812" cy="382412"/>
+          </a:xfrm>
+          <a:prstGeom prst="rect">
+            <a:avLst/>
+          </a:prstGeom>
+          <a:noFill/>
+        </p:spPr>
+        <p:txBody>
+          <a:bodyPr wrap="square" rtlCol="0">
+            <a:spAutoFit/>
+          </a:bodyPr>
+          <a:lstStyle/>
+          <a:p>
+            <a:pPr marL="342900" indent="-342900">
+              <a:buFont typeface="Arial" panose="020B0604020202020204" pitchFamily="34" charset="0"/>
+              <a:buChar char="•"/>
+              <a:defRPr/>
+            </a:pPr>
+            <a:r>
+              <a:rPr kumimoji="0" lang="en-US" altLang="ko-KR" b="0" i="0" u="none" strike="noStrike" kern="1200" cap="none" spc="0" normalizeH="0" baseline="0" noProof="0" dirty="0">
+                <a:ln>
+                  <a:noFill/>
+                </a:ln>
+                <a:solidFill>
+                  <a:srgbClr val="292934"/>
+                </a:solidFill>
+                <a:effectLst/>
+                <a:uLnTx/>
+                <a:uFillTx/>
+                <a:latin typeface="Arial"/>
+                <a:ea typeface="돋움" panose="020B0600000101010101" pitchFamily="50" charset="-127"/>
+                <a:cs typeface="+mn-cs"/>
+              </a:rPr>
+              <a:t>Pole of denominator</a:t>
+            </a:r>
+            <a:r>
+              <a:rPr kumimoji="0" lang="en-US" altLang="ko-KR" b="0" i="0" u="none" strike="noStrike" kern="1200" cap="none" spc="0" normalizeH="0" baseline="0" noProof="0" dirty="0">
+                <a:ln>
+                  <a:noFill/>
+                </a:ln>
+                <a:solidFill>
+                  <a:srgbClr val="292934"/>
+                </a:solidFill>
+                <a:effectLst/>
+                <a:uLnTx/>
+                <a:uFillTx/>
+                <a:latin typeface="Arial"/>
+                <a:ea typeface="돋움" panose="020B0600000101010101" pitchFamily="50" charset="-127"/>
+                <a:cs typeface="+mn-cs"/>
+                <a:sym typeface="Wingdings" panose="05000000000000000000" pitchFamily="2" charset="2"/>
+              </a:rPr>
+              <a:t> Principal</a:t>
+            </a:r>
+            <a:r>
+              <a:rPr kumimoji="0" lang="en-US" altLang="ko-KR" b="0" i="0" u="none" strike="noStrike" kern="1200" cap="none" spc="0" normalizeH="0" noProof="0" dirty="0">
+                <a:ln>
+                  <a:noFill/>
+                </a:ln>
+                <a:solidFill>
+                  <a:srgbClr val="292934"/>
+                </a:solidFill>
+                <a:effectLst/>
+                <a:uLnTx/>
+                <a:uFillTx/>
+                <a:latin typeface="Arial"/>
+                <a:ea typeface="돋움" panose="020B0600000101010101" pitchFamily="50" charset="-127"/>
+                <a:cs typeface="+mn-cs"/>
+                <a:sym typeface="Wingdings" panose="05000000000000000000" pitchFamily="2" charset="2"/>
+              </a:rPr>
+              <a:t> value integral </a:t>
+            </a:r>
+            <a:endParaRPr kumimoji="0" lang="en-US" altLang="ko-KR" b="0" i="0" u="none" strike="noStrike" kern="1200" cap="none" spc="0" normalizeH="0" baseline="0" noProof="0" dirty="0">
+              <a:ln>
+                <a:noFill/>
+              </a:ln>
+              <a:solidFill>
+                <a:srgbClr val="292934"/>
+              </a:solidFill>
+              <a:effectLst/>
+              <a:uLnTx/>
+              <a:uFillTx/>
+              <a:latin typeface="Arial"/>
+              <a:ea typeface="돋움" panose="020B0600000101010101" pitchFamily="50" charset="-127"/>
+              <a:cs typeface="+mn-cs"/>
+            </a:endParaRPr>
+          </a:p>
+        </p:txBody>
+      </p:sp>
     </p:spTree>
     <p:extLst>
       <p:ext uri="{BB962C8B-B14F-4D97-AF65-F5344CB8AC3E}">
-        <p14:creationId xmlns:p14="http://schemas.microsoft.com/office/powerpoint/2010/main" val="2490859239"/>
+        <p14:creationId xmlns:p14="http://schemas.microsoft.com/office/powerpoint/2010/main" val="340627166"/>
       </p:ext>
     </p:extLst>
   </p:cSld>
@@ -9099,10 +9155,9 @@
           <a:lstStyle/>
           <a:p>
             <a:r>
-              <a:rPr lang="en-US" dirty="0" smtClean="0"/>
+              <a:rPr lang="en-US" dirty="0"/>
               <a:t>Integral equation</a:t>
             </a:r>
-            <a:endParaRPr lang="en-US" dirty="0"/>
           </a:p>
         </p:txBody>
       </p:sp>
@@ -9134,16 +9189,16 @@
               <a:defRPr/>
             </a:pPr>
             <a:r>
-              <a:rPr lang="en-US" altLang="ko-KR" dirty="0" smtClean="0">
+              <a:rPr lang="en-US" altLang="ko-KR" dirty="0">
                 <a:solidFill>
                   <a:srgbClr val="292934"/>
                 </a:solidFill>
                 <a:latin typeface="Arial"/>
                 <a:ea typeface="돋움" panose="020B0600000101010101" pitchFamily="50" charset="-127"/>
               </a:rPr>
-              <a:t>Discretized G-matrix equation (quadrature method) </a:t>
-            </a:r>
-            <a:endParaRPr kumimoji="0" lang="en-US" altLang="ko-KR" b="0" i="0" u="none" strike="noStrike" kern="1200" cap="none" spc="0" normalizeH="0" baseline="0" noProof="0" dirty="0" smtClean="0">
+              <a:t>G-matrix equation</a:t>
+            </a:r>
+            <a:endParaRPr kumimoji="0" lang="en-US" altLang="ko-KR" b="0" i="0" u="none" strike="noStrike" kern="1200" cap="none" spc="0" normalizeH="0" baseline="0" noProof="0" dirty="0">
               <a:ln>
                 <a:noFill/>
               </a:ln>
@@ -9176,8 +9231,8 @@
         </p:blipFill>
         <p:spPr>
           <a:xfrm>
-            <a:off x="954941" y="2177549"/>
-            <a:ext cx="5258534" cy="3591426"/>
+            <a:off x="1126952" y="2081903"/>
+            <a:ext cx="5985048" cy="3926361"/>
           </a:xfrm>
           <a:prstGeom prst="rect">
             <a:avLst/>
@@ -9200,8 +9255,32 @@
         </p:blipFill>
         <p:spPr>
           <a:xfrm>
-            <a:off x="3428865" y="5650992"/>
-            <a:ext cx="6077798" cy="1086002"/>
+            <a:off x="6944737" y="6251522"/>
+            <a:ext cx="2038635" cy="381053"/>
+          </a:xfrm>
+          <a:prstGeom prst="rect">
+            <a:avLst/>
+          </a:prstGeom>
+        </p:spPr>
+      </p:pic>
+      <p:pic>
+        <p:nvPicPr>
+          <p:cNvPr id="6" name="그림 5"/>
+          <p:cNvPicPr>
+            <a:picLocks noChangeAspect="1"/>
+          </p:cNvPicPr>
+          <p:nvPr/>
+        </p:nvPicPr>
+        <p:blipFill>
+          <a:blip r:embed="rId4"/>
+          <a:stretch>
+            <a:fillRect/>
+          </a:stretch>
+        </p:blipFill>
+        <p:spPr>
+          <a:xfrm>
+            <a:off x="6460512" y="4236579"/>
+            <a:ext cx="3445488" cy="632284"/>
           </a:xfrm>
           <a:prstGeom prst="rect">
             <a:avLst/>
@@ -9211,7 +9290,7 @@
     </p:spTree>
     <p:extLst>
       <p:ext uri="{BB962C8B-B14F-4D97-AF65-F5344CB8AC3E}">
-        <p14:creationId xmlns:p14="http://schemas.microsoft.com/office/powerpoint/2010/main" val="834510718"/>
+        <p14:creationId xmlns:p14="http://schemas.microsoft.com/office/powerpoint/2010/main" val="2490859239"/>
       </p:ext>
     </p:extLst>
   </p:cSld>
@@ -9254,10 +9333,9 @@
           <a:lstStyle/>
           <a:p>
             <a:r>
-              <a:rPr lang="en-US" dirty="0" smtClean="0"/>
-              <a:t>Solve g-matrix</a:t>
-            </a:r>
-            <a:endParaRPr lang="en-US" dirty="0"/>
+              <a:rPr lang="en-US" dirty="0"/>
+              <a:t>Integral equation</a:t>
+            </a:r>
           </a:p>
         </p:txBody>
       </p:sp>
@@ -9289,16 +9367,16 @@
               <a:defRPr/>
             </a:pPr>
             <a:r>
-              <a:rPr lang="en-US" altLang="ko-KR" dirty="0" smtClean="0">
+              <a:rPr lang="en-US" altLang="ko-KR" dirty="0">
                 <a:solidFill>
                   <a:srgbClr val="292934"/>
                 </a:solidFill>
                 <a:latin typeface="Arial"/>
                 <a:ea typeface="돋움" panose="020B0600000101010101" pitchFamily="50" charset="-127"/>
               </a:rPr>
-              <a:t>G-matrix equation (without tensor interaction)</a:t>
-            </a:r>
-            <a:endParaRPr kumimoji="0" lang="en-US" altLang="ko-KR" b="0" i="0" u="none" strike="noStrike" kern="1200" cap="none" spc="0" normalizeH="0" baseline="0" noProof="0" dirty="0" smtClean="0">
+              <a:t>Discretized G-matrix equation (quadrature method) </a:t>
+            </a:r>
+            <a:endParaRPr kumimoji="0" lang="en-US" altLang="ko-KR" b="0" i="0" u="none" strike="noStrike" kern="1200" cap="none" spc="0" normalizeH="0" baseline="0" noProof="0" dirty="0">
               <a:ln>
                 <a:noFill/>
               </a:ln>
@@ -9317,7 +9395,7 @@
       </p:sp>
       <p:pic>
         <p:nvPicPr>
-          <p:cNvPr id="6" name="그림 5"/>
+          <p:cNvPr id="3" name="그림 2"/>
           <p:cNvPicPr>
             <a:picLocks noChangeAspect="1"/>
           </p:cNvPicPr>
@@ -9331,71 +9409,17 @@
         </p:blipFill>
         <p:spPr>
           <a:xfrm>
-            <a:off x="1782176" y="2257394"/>
-            <a:ext cx="2766442" cy="778062"/>
+            <a:off x="954941" y="2177549"/>
+            <a:ext cx="5258534" cy="3591426"/>
           </a:xfrm>
           <a:prstGeom prst="rect">
             <a:avLst/>
           </a:prstGeom>
         </p:spPr>
       </p:pic>
-      <p:sp>
-        <p:nvSpPr>
-          <p:cNvPr id="7" name="TextBox 6"/>
-          <p:cNvSpPr txBox="1"/>
-          <p:nvPr/>
-        </p:nvSpPr>
-        <p:spPr>
-          <a:xfrm>
-            <a:off x="668338" y="3086861"/>
-            <a:ext cx="8532812" cy="382412"/>
-          </a:xfrm>
-          <a:prstGeom prst="rect">
-            <a:avLst/>
-          </a:prstGeom>
-          <a:noFill/>
-        </p:spPr>
-        <p:txBody>
-          <a:bodyPr wrap="square" rtlCol="0">
-            <a:spAutoFit/>
-          </a:bodyPr>
-          <a:lstStyle/>
-          <a:p>
-            <a:pPr marL="342900" indent="-342900">
-              <a:buFont typeface="Arial" panose="020B0604020202020204" pitchFamily="34" charset="0"/>
-              <a:buChar char="•"/>
-              <a:defRPr/>
-            </a:pPr>
-            <a:r>
-              <a:rPr lang="en-US" altLang="ko-KR" dirty="0" smtClean="0">
-                <a:solidFill>
-                  <a:srgbClr val="292934"/>
-                </a:solidFill>
-                <a:latin typeface="Arial"/>
-                <a:ea typeface="돋움" panose="020B0600000101010101" pitchFamily="50" charset="-127"/>
-              </a:rPr>
-              <a:t>G-matrix equation (with tensor interaction for S=1)</a:t>
-            </a:r>
-            <a:endParaRPr kumimoji="0" lang="en-US" altLang="ko-KR" b="0" i="0" u="none" strike="noStrike" kern="1200" cap="none" spc="0" normalizeH="0" baseline="0" noProof="0" dirty="0" smtClean="0">
-              <a:ln>
-                <a:noFill/>
-              </a:ln>
-              <a:solidFill>
-                <a:srgbClr val="292934"/>
-              </a:solidFill>
-              <a:effectLst/>
-              <a:uLnTx/>
-              <a:uFillTx/>
-              <a:latin typeface="Arial"/>
-              <a:ea typeface="돋움" panose="020B0600000101010101" pitchFamily="50" charset="-127"/>
-              <a:cs typeface="+mn-cs"/>
-            </a:endParaRPr>
-          </a:p>
-        </p:txBody>
-      </p:sp>
       <p:pic>
         <p:nvPicPr>
-          <p:cNvPr id="8" name="그림 7"/>
+          <p:cNvPr id="5" name="그림 4"/>
           <p:cNvPicPr>
             <a:picLocks noChangeAspect="1"/>
           </p:cNvPicPr>
@@ -9409,103 +9433,8 @@
         </p:blipFill>
         <p:spPr>
           <a:xfrm>
-            <a:off x="1928877" y="3520678"/>
-            <a:ext cx="2619741" cy="1076475"/>
-          </a:xfrm>
-          <a:prstGeom prst="rect">
-            <a:avLst/>
-          </a:prstGeom>
-        </p:spPr>
-      </p:pic>
-      <p:pic>
-        <p:nvPicPr>
-          <p:cNvPr id="9" name="그림 8"/>
-          <p:cNvPicPr>
-            <a:picLocks noChangeAspect="1"/>
-          </p:cNvPicPr>
-          <p:nvPr/>
-        </p:nvPicPr>
-        <p:blipFill>
-          <a:blip r:embed="rId4"/>
-          <a:stretch>
-            <a:fillRect/>
-          </a:stretch>
-        </p:blipFill>
-        <p:spPr>
-          <a:xfrm>
-            <a:off x="1629430" y="4834865"/>
-            <a:ext cx="3305314" cy="934110"/>
-          </a:xfrm>
-          <a:prstGeom prst="rect">
-            <a:avLst/>
-          </a:prstGeom>
-        </p:spPr>
-      </p:pic>
-      <p:sp>
-        <p:nvSpPr>
-          <p:cNvPr id="10" name="TextBox 9"/>
-          <p:cNvSpPr txBox="1"/>
-          <p:nvPr/>
-        </p:nvSpPr>
-        <p:spPr>
-          <a:xfrm>
-            <a:off x="672958" y="5779268"/>
-            <a:ext cx="8532812" cy="382412"/>
-          </a:xfrm>
-          <a:prstGeom prst="rect">
-            <a:avLst/>
-          </a:prstGeom>
-          <a:noFill/>
-        </p:spPr>
-        <p:txBody>
-          <a:bodyPr wrap="square" rtlCol="0">
-            <a:spAutoFit/>
-          </a:bodyPr>
-          <a:lstStyle/>
-          <a:p>
-            <a:pPr marL="342900" indent="-342900">
-              <a:buFont typeface="Arial" panose="020B0604020202020204" pitchFamily="34" charset="0"/>
-              <a:buChar char="•"/>
-              <a:defRPr/>
-            </a:pPr>
-            <a:r>
-              <a:rPr kumimoji="0" lang="en-US" altLang="ko-KR" b="0" i="0" u="none" strike="noStrike" kern="1200" cap="none" spc="0" normalizeH="0" baseline="0" noProof="0" dirty="0" smtClean="0">
-                <a:ln>
-                  <a:noFill/>
-                </a:ln>
-                <a:solidFill>
-                  <a:srgbClr val="292934"/>
-                </a:solidFill>
-                <a:effectLst/>
-                <a:uLnTx/>
-                <a:uFillTx/>
-                <a:latin typeface="Arial"/>
-                <a:ea typeface="돋움" panose="020B0600000101010101" pitchFamily="50" charset="-127"/>
-                <a:cs typeface="+mn-cs"/>
-              </a:rPr>
-              <a:t>G-matrix can be obtained by matrix inversion</a:t>
-            </a:r>
-          </a:p>
-        </p:txBody>
-      </p:sp>
-      <p:pic>
-        <p:nvPicPr>
-          <p:cNvPr id="11" name="그림 10"/>
-          <p:cNvPicPr>
-            <a:picLocks noChangeAspect="1"/>
-          </p:cNvPicPr>
-          <p:nvPr/>
-        </p:nvPicPr>
-        <p:blipFill>
-          <a:blip r:embed="rId5"/>
-          <a:stretch>
-            <a:fillRect/>
-          </a:stretch>
-        </p:blipFill>
-        <p:spPr>
-          <a:xfrm>
-            <a:off x="2145099" y="6207532"/>
-            <a:ext cx="2734057" cy="409632"/>
+            <a:off x="3428865" y="5650992"/>
+            <a:ext cx="6077798" cy="1086002"/>
           </a:xfrm>
           <a:prstGeom prst="rect">
             <a:avLst/>
@@ -9515,7 +9444,7 @@
     </p:spTree>
     <p:extLst>
       <p:ext uri="{BB962C8B-B14F-4D97-AF65-F5344CB8AC3E}">
-        <p14:creationId xmlns:p14="http://schemas.microsoft.com/office/powerpoint/2010/main" val="3281846272"/>
+        <p14:creationId xmlns:p14="http://schemas.microsoft.com/office/powerpoint/2010/main" val="834510718"/>
       </p:ext>
     </p:extLst>
   </p:cSld>
@@ -9558,23 +9487,22 @@
           <a:lstStyle/>
           <a:p>
             <a:r>
-              <a:rPr lang="en-US" dirty="0" smtClean="0"/>
-              <a:t>U(p) from g-matrix</a:t>
-            </a:r>
-            <a:endParaRPr lang="en-US" dirty="0"/>
-          </a:p>
-        </p:txBody>
-      </p:sp>
-      <p:sp>
-        <p:nvSpPr>
-          <p:cNvPr id="13" name="TextBox 12"/>
+              <a:rPr lang="en-US" dirty="0"/>
+              <a:t>Solve g-matrix</a:t>
+            </a:r>
+          </a:p>
+        </p:txBody>
+      </p:sp>
+      <p:sp>
+        <p:nvSpPr>
+          <p:cNvPr id="4" name="TextBox 3"/>
           <p:cNvSpPr txBox="1"/>
           <p:nvPr/>
         </p:nvSpPr>
         <p:spPr>
           <a:xfrm>
-            <a:off x="668338" y="1671782"/>
-            <a:ext cx="7191807" cy="382412"/>
+            <a:off x="668338" y="1699491"/>
+            <a:ext cx="8532812" cy="382412"/>
           </a:xfrm>
           <a:prstGeom prst="rect">
             <a:avLst/>
@@ -9587,25 +9515,41 @@
           </a:bodyPr>
           <a:lstStyle/>
           <a:p>
-            <a:r>
-              <a:rPr lang="en-US" dirty="0" smtClean="0"/>
-              <a:t>For particular </a:t>
-            </a:r>
-            <a:r>
-              <a:rPr lang="en-US" dirty="0" err="1" smtClean="0"/>
-              <a:t>s.p</a:t>
-            </a:r>
-            <a:r>
-              <a:rPr lang="en-US" dirty="0" smtClean="0"/>
-              <a:t>. momentum  </a:t>
-            </a:r>
-            <a:endParaRPr lang="en-US" dirty="0"/>
+            <a:pPr marL="342900" indent="-342900">
+              <a:buFont typeface="Arial" panose="020B0604020202020204" pitchFamily="34" charset="0"/>
+              <a:buChar char="•"/>
+              <a:defRPr/>
+            </a:pPr>
+            <a:r>
+              <a:rPr lang="en-US" altLang="ko-KR" dirty="0">
+                <a:solidFill>
+                  <a:srgbClr val="292934"/>
+                </a:solidFill>
+                <a:latin typeface="Arial"/>
+                <a:ea typeface="돋움" panose="020B0600000101010101" pitchFamily="50" charset="-127"/>
+              </a:rPr>
+              <a:t>G-matrix equation (without tensor interaction)</a:t>
+            </a:r>
+            <a:endParaRPr kumimoji="0" lang="en-US" altLang="ko-KR" b="0" i="0" u="none" strike="noStrike" kern="1200" cap="none" spc="0" normalizeH="0" baseline="0" noProof="0" dirty="0">
+              <a:ln>
+                <a:noFill/>
+              </a:ln>
+              <a:solidFill>
+                <a:srgbClr val="292934"/>
+              </a:solidFill>
+              <a:effectLst/>
+              <a:uLnTx/>
+              <a:uFillTx/>
+              <a:latin typeface="Arial"/>
+              <a:ea typeface="돋움" panose="020B0600000101010101" pitchFamily="50" charset="-127"/>
+              <a:cs typeface="+mn-cs"/>
+            </a:endParaRPr>
           </a:p>
         </p:txBody>
       </p:sp>
       <p:pic>
         <p:nvPicPr>
-          <p:cNvPr id="15" name="그림 14"/>
+          <p:cNvPr id="6" name="그림 5"/>
           <p:cNvPicPr>
             <a:picLocks noChangeAspect="1"/>
           </p:cNvPicPr>
@@ -9619,8 +9563,8 @@
         </p:blipFill>
         <p:spPr>
           <a:xfrm>
-            <a:off x="781669" y="2201976"/>
-            <a:ext cx="5077534" cy="609685"/>
+            <a:off x="1782176" y="2257394"/>
+            <a:ext cx="2766442" cy="778062"/>
           </a:xfrm>
           <a:prstGeom prst="rect">
             <a:avLst/>
@@ -9629,14 +9573,14 @@
       </p:pic>
       <p:sp>
         <p:nvSpPr>
-          <p:cNvPr id="6" name="TextBox 5"/>
+          <p:cNvPr id="7" name="TextBox 6"/>
           <p:cNvSpPr txBox="1"/>
           <p:nvPr/>
         </p:nvSpPr>
         <p:spPr>
           <a:xfrm>
-            <a:off x="668338" y="3038764"/>
-            <a:ext cx="7117917" cy="382412"/>
+            <a:off x="668338" y="3086861"/>
+            <a:ext cx="8532812" cy="382412"/>
           </a:xfrm>
           <a:prstGeom prst="rect">
             <a:avLst/>
@@ -9649,17 +9593,41 @@
           </a:bodyPr>
           <a:lstStyle/>
           <a:p>
-            <a:r>
-              <a:rPr lang="en-US" dirty="0" smtClean="0"/>
-              <a:t>average CM momentum approximation</a:t>
-            </a:r>
-            <a:endParaRPr lang="en-US" dirty="0"/>
+            <a:pPr marL="342900" indent="-342900">
+              <a:buFont typeface="Arial" panose="020B0604020202020204" pitchFamily="34" charset="0"/>
+              <a:buChar char="•"/>
+              <a:defRPr/>
+            </a:pPr>
+            <a:r>
+              <a:rPr lang="en-US" altLang="ko-KR" dirty="0">
+                <a:solidFill>
+                  <a:srgbClr val="292934"/>
+                </a:solidFill>
+                <a:latin typeface="Arial"/>
+                <a:ea typeface="돋움" panose="020B0600000101010101" pitchFamily="50" charset="-127"/>
+              </a:rPr>
+              <a:t>G-matrix equation (with tensor interaction for S=1)</a:t>
+            </a:r>
+            <a:endParaRPr kumimoji="0" lang="en-US" altLang="ko-KR" b="0" i="0" u="none" strike="noStrike" kern="1200" cap="none" spc="0" normalizeH="0" baseline="0" noProof="0" dirty="0">
+              <a:ln>
+                <a:noFill/>
+              </a:ln>
+              <a:solidFill>
+                <a:srgbClr val="292934"/>
+              </a:solidFill>
+              <a:effectLst/>
+              <a:uLnTx/>
+              <a:uFillTx/>
+              <a:latin typeface="Arial"/>
+              <a:ea typeface="돋움" panose="020B0600000101010101" pitchFamily="50" charset="-127"/>
+              <a:cs typeface="+mn-cs"/>
+            </a:endParaRPr>
           </a:p>
         </p:txBody>
       </p:sp>
       <p:pic>
         <p:nvPicPr>
-          <p:cNvPr id="7" name="그림 6"/>
+          <p:cNvPr id="8" name="그림 7"/>
           <p:cNvPicPr>
             <a:picLocks noChangeAspect="1"/>
           </p:cNvPicPr>
@@ -9673,8 +9641,8 @@
         </p:blipFill>
         <p:spPr>
           <a:xfrm>
-            <a:off x="888988" y="3496047"/>
-            <a:ext cx="6373114" cy="838317"/>
+            <a:off x="1928877" y="3520678"/>
+            <a:ext cx="2619741" cy="1076475"/>
           </a:xfrm>
           <a:prstGeom prst="rect">
             <a:avLst/>
@@ -9683,7 +9651,7 @@
       </p:pic>
       <p:pic>
         <p:nvPicPr>
-          <p:cNvPr id="8" name="그림 7"/>
+          <p:cNvPr id="9" name="그림 8"/>
           <p:cNvPicPr>
             <a:picLocks noChangeAspect="1"/>
           </p:cNvPicPr>
@@ -9697,17 +9665,64 @@
         </p:blipFill>
         <p:spPr>
           <a:xfrm>
-            <a:off x="888988" y="4405746"/>
-            <a:ext cx="5839640" cy="1162212"/>
+            <a:off x="1629430" y="4834865"/>
+            <a:ext cx="3305314" cy="934110"/>
           </a:xfrm>
           <a:prstGeom prst="rect">
             <a:avLst/>
           </a:prstGeom>
         </p:spPr>
       </p:pic>
+      <p:sp>
+        <p:nvSpPr>
+          <p:cNvPr id="10" name="TextBox 9"/>
+          <p:cNvSpPr txBox="1"/>
+          <p:nvPr/>
+        </p:nvSpPr>
+        <p:spPr>
+          <a:xfrm>
+            <a:off x="672958" y="5779268"/>
+            <a:ext cx="8532812" cy="382412"/>
+          </a:xfrm>
+          <a:prstGeom prst="rect">
+            <a:avLst/>
+          </a:prstGeom>
+          <a:noFill/>
+        </p:spPr>
+        <p:txBody>
+          <a:bodyPr wrap="square" rtlCol="0">
+            <a:spAutoFit/>
+          </a:bodyPr>
+          <a:lstStyle/>
+          <a:p>
+            <a:pPr marL="342900" indent="-342900">
+              <a:buFont typeface="Arial" panose="020B0604020202020204" pitchFamily="34" charset="0"/>
+              <a:buChar char="•"/>
+              <a:defRPr/>
+            </a:pPr>
+            <a:r>
+              <a:rPr kumimoji="0" lang="en-US" altLang="ko-KR" b="0" i="0" u="none" strike="noStrike" kern="1200" cap="none" spc="0" normalizeH="0" baseline="0" noProof="0" dirty="0">
+                <a:ln>
+                  <a:noFill/>
+                </a:ln>
+                <a:solidFill>
+                  <a:srgbClr val="292934"/>
+                </a:solidFill>
+                <a:effectLst/>
+                <a:uLnTx/>
+                <a:uFillTx/>
+                <a:latin typeface="Arial"/>
+                <a:ea typeface="돋움" panose="020B0600000101010101" pitchFamily="50" charset="-127"/>
+                <a:cs typeface="+mn-cs"/>
+              </a:rPr>
+              <a:t>G-matrix can be obtained by matrix inversion</a:t>
+            </a:r>
+          </a:p>
+        </p:txBody>
+      </p:sp>
       <p:pic>
         <p:nvPicPr>
-          <p:cNvPr id="9" name="그림 8"/>
+          <p:cNvPr id="11" name="그림 10"/>
           <p:cNvPicPr>
             <a:picLocks noChangeAspect="1"/>
           </p:cNvPicPr>
@@ -9721,32 +9736,8 @@
         </p:blipFill>
         <p:spPr>
           <a:xfrm>
-            <a:off x="1517725" y="5639340"/>
-            <a:ext cx="5115639" cy="905001"/>
-          </a:xfrm>
-          <a:prstGeom prst="rect">
-            <a:avLst/>
-          </a:prstGeom>
-        </p:spPr>
-      </p:pic>
-      <p:pic>
-        <p:nvPicPr>
-          <p:cNvPr id="10" name="그림 9"/>
-          <p:cNvPicPr>
-            <a:picLocks noChangeAspect="1"/>
-          </p:cNvPicPr>
-          <p:nvPr/>
-        </p:nvPicPr>
-        <p:blipFill>
-          <a:blip r:embed="rId6"/>
-          <a:stretch>
-            <a:fillRect/>
-          </a:stretch>
-        </p:blipFill>
-        <p:spPr>
-          <a:xfrm>
-            <a:off x="4786024" y="1581974"/>
-            <a:ext cx="4140041" cy="699407"/>
+            <a:off x="2145099" y="6207532"/>
+            <a:ext cx="2734057" cy="409632"/>
           </a:xfrm>
           <a:prstGeom prst="rect">
             <a:avLst/>
@@ -9756,7 +9747,7 @@
     </p:spTree>
     <p:extLst>
       <p:ext uri="{BB962C8B-B14F-4D97-AF65-F5344CB8AC3E}">
-        <p14:creationId xmlns:p14="http://schemas.microsoft.com/office/powerpoint/2010/main" val="3150360148"/>
+        <p14:creationId xmlns:p14="http://schemas.microsoft.com/office/powerpoint/2010/main" val="3281846272"/>
       </p:ext>
     </p:extLst>
   </p:cSld>
@@ -9799,16 +9790,52 @@
           <a:lstStyle/>
           <a:p>
             <a:r>
-              <a:rPr lang="en-US" dirty="0" smtClean="0"/>
-              <a:t>Algorithm</a:t>
-            </a:r>
-            <a:endParaRPr lang="en-US" dirty="0"/>
+              <a:rPr lang="en-US" dirty="0"/>
+              <a:t>U(p) from g-matrix</a:t>
+            </a:r>
+          </a:p>
+        </p:txBody>
+      </p:sp>
+      <p:sp>
+        <p:nvSpPr>
+          <p:cNvPr id="13" name="TextBox 12"/>
+          <p:cNvSpPr txBox="1"/>
+          <p:nvPr/>
+        </p:nvSpPr>
+        <p:spPr>
+          <a:xfrm>
+            <a:off x="668338" y="1671782"/>
+            <a:ext cx="7191807" cy="382412"/>
+          </a:xfrm>
+          <a:prstGeom prst="rect">
+            <a:avLst/>
+          </a:prstGeom>
+          <a:noFill/>
+        </p:spPr>
+        <p:txBody>
+          <a:bodyPr wrap="square" rtlCol="0">
+            <a:spAutoFit/>
+          </a:bodyPr>
+          <a:lstStyle/>
+          <a:p>
+            <a:r>
+              <a:rPr lang="en-US" dirty="0"/>
+              <a:t>For particular </a:t>
+            </a:r>
+            <a:r>
+              <a:rPr lang="en-US" dirty="0" err="1"/>
+              <a:t>s.p</a:t>
+            </a:r>
+            <a:r>
+              <a:rPr lang="en-US" dirty="0"/>
+              <a:t>. momentum  </a:t>
+            </a:r>
           </a:p>
         </p:txBody>
       </p:sp>
       <p:pic>
         <p:nvPicPr>
-          <p:cNvPr id="8" name="그림 7"/>
+          <p:cNvPr id="15" name="그림 14"/>
           <p:cNvPicPr>
             <a:picLocks noChangeAspect="1"/>
           </p:cNvPicPr>
@@ -9822,8 +9849,8 @@
         </p:blipFill>
         <p:spPr>
           <a:xfrm>
-            <a:off x="951046" y="4012258"/>
-            <a:ext cx="5123884" cy="1019761"/>
+            <a:off x="781669" y="2201976"/>
+            <a:ext cx="5077534" cy="609685"/>
           </a:xfrm>
           <a:prstGeom prst="rect">
             <a:avLst/>
@@ -9832,14 +9859,14 @@
       </p:pic>
       <p:sp>
         <p:nvSpPr>
-          <p:cNvPr id="3" name="TextBox 2"/>
+          <p:cNvPr id="6" name="TextBox 5"/>
           <p:cNvSpPr txBox="1"/>
           <p:nvPr/>
         </p:nvSpPr>
         <p:spPr>
           <a:xfrm>
-            <a:off x="668338" y="1592263"/>
-            <a:ext cx="8466426" cy="2122889"/>
+            <a:off x="668338" y="3038764"/>
+            <a:ext cx="7117917" cy="382412"/>
           </a:xfrm>
           <a:prstGeom prst="rect">
             <a:avLst/>
@@ -9852,89 +9879,16 @@
           </a:bodyPr>
           <a:lstStyle/>
           <a:p>
-            <a:pPr marL="457200" indent="-457200">
-              <a:buAutoNum type="arabicParenBoth"/>
-            </a:pPr>
-            <a:r>
-              <a:rPr lang="en-US" dirty="0" smtClean="0"/>
-              <a:t>Choose interested values of U(p) </a:t>
-            </a:r>
-          </a:p>
-          <a:p>
-            <a:pPr marL="457200" indent="-457200">
-              <a:buAutoNum type="arabicParenBoth"/>
-            </a:pPr>
-            <a:r>
-              <a:rPr lang="en-US" dirty="0" smtClean="0"/>
-              <a:t>Start with initial U(p) </a:t>
-            </a:r>
-            <a:r>
-              <a:rPr lang="en-US" dirty="0" smtClean="0">
-                <a:sym typeface="Wingdings" panose="05000000000000000000" pitchFamily="2" charset="2"/>
-              </a:rPr>
-              <a:t> compute e(p)</a:t>
-            </a:r>
-          </a:p>
-          <a:p>
-            <a:r>
-              <a:rPr lang="en-US" dirty="0">
-                <a:sym typeface="Wingdings" panose="05000000000000000000" pitchFamily="2" charset="2"/>
-              </a:rPr>
-              <a:t> </a:t>
-            </a:r>
-            <a:r>
-              <a:rPr lang="en-US" dirty="0" smtClean="0">
-                <a:sym typeface="Wingdings" panose="05000000000000000000" pitchFamily="2" charset="2"/>
-              </a:rPr>
-              <a:t>      (effective mass method, start with initial two parameters)</a:t>
-            </a:r>
-          </a:p>
-          <a:p>
-            <a:pPr marL="457200" indent="-457200">
-              <a:buAutoNum type="arabicParenBoth" startAt="3"/>
-            </a:pPr>
-            <a:r>
-              <a:rPr lang="en-US" dirty="0" smtClean="0">
-                <a:sym typeface="Wingdings" panose="05000000000000000000" pitchFamily="2" charset="2"/>
-              </a:rPr>
-              <a:t>Compute g-matrix</a:t>
-            </a:r>
-          </a:p>
-          <a:p>
-            <a:pPr marL="457200" indent="-457200">
-              <a:buAutoNum type="arabicParenBoth" startAt="3"/>
-            </a:pPr>
-            <a:r>
-              <a:rPr lang="en-US" dirty="0" smtClean="0">
-                <a:sym typeface="Wingdings" panose="05000000000000000000" pitchFamily="2" charset="2"/>
-              </a:rPr>
-              <a:t>calculate U(p) from obtained g-matrix</a:t>
-            </a:r>
-          </a:p>
-          <a:p>
-            <a:pPr marL="457200" indent="-457200">
-              <a:buAutoNum type="arabicParenBoth" startAt="3"/>
-            </a:pPr>
-            <a:r>
-              <a:rPr lang="en-US" dirty="0" smtClean="0"/>
-              <a:t>Check convergence of U(p) or e(p) </a:t>
-            </a:r>
-          </a:p>
-          <a:p>
-            <a:pPr marL="457200" indent="-457200">
-              <a:buAutoNum type="arabicParenBoth" startAt="3"/>
-            </a:pPr>
-            <a:r>
-              <a:rPr lang="en-US" dirty="0" smtClean="0"/>
-              <a:t>If not converged, repeat from (3) updating U(p)  or effective mass</a:t>
-            </a:r>
-            <a:endParaRPr lang="en-US" dirty="0"/>
+            <a:r>
+              <a:rPr lang="en-US" dirty="0"/>
+              <a:t>average CM momentum approximation</a:t>
+            </a:r>
           </a:p>
         </p:txBody>
       </p:sp>
       <p:pic>
         <p:nvPicPr>
-          <p:cNvPr id="5" name="그림 4"/>
+          <p:cNvPr id="7" name="그림 6"/>
           <p:cNvPicPr>
             <a:picLocks noChangeAspect="1"/>
           </p:cNvPicPr>
@@ -9948,8 +9902,80 @@
         </p:blipFill>
         <p:spPr>
           <a:xfrm>
-            <a:off x="951046" y="5329126"/>
-            <a:ext cx="6620799" cy="800212"/>
+            <a:off x="888988" y="3496047"/>
+            <a:ext cx="6373114" cy="838317"/>
+          </a:xfrm>
+          <a:prstGeom prst="rect">
+            <a:avLst/>
+          </a:prstGeom>
+        </p:spPr>
+      </p:pic>
+      <p:pic>
+        <p:nvPicPr>
+          <p:cNvPr id="8" name="그림 7"/>
+          <p:cNvPicPr>
+            <a:picLocks noChangeAspect="1"/>
+          </p:cNvPicPr>
+          <p:nvPr/>
+        </p:nvPicPr>
+        <p:blipFill>
+          <a:blip r:embed="rId4"/>
+          <a:stretch>
+            <a:fillRect/>
+          </a:stretch>
+        </p:blipFill>
+        <p:spPr>
+          <a:xfrm>
+            <a:off x="888988" y="4405746"/>
+            <a:ext cx="5839640" cy="1162212"/>
+          </a:xfrm>
+          <a:prstGeom prst="rect">
+            <a:avLst/>
+          </a:prstGeom>
+        </p:spPr>
+      </p:pic>
+      <p:pic>
+        <p:nvPicPr>
+          <p:cNvPr id="9" name="그림 8"/>
+          <p:cNvPicPr>
+            <a:picLocks noChangeAspect="1"/>
+          </p:cNvPicPr>
+          <p:nvPr/>
+        </p:nvPicPr>
+        <p:blipFill>
+          <a:blip r:embed="rId5"/>
+          <a:stretch>
+            <a:fillRect/>
+          </a:stretch>
+        </p:blipFill>
+        <p:spPr>
+          <a:xfrm>
+            <a:off x="1517725" y="5639340"/>
+            <a:ext cx="5115639" cy="905001"/>
+          </a:xfrm>
+          <a:prstGeom prst="rect">
+            <a:avLst/>
+          </a:prstGeom>
+        </p:spPr>
+      </p:pic>
+      <p:pic>
+        <p:nvPicPr>
+          <p:cNvPr id="10" name="그림 9"/>
+          <p:cNvPicPr>
+            <a:picLocks noChangeAspect="1"/>
+          </p:cNvPicPr>
+          <p:nvPr/>
+        </p:nvPicPr>
+        <p:blipFill>
+          <a:blip r:embed="rId6"/>
+          <a:stretch>
+            <a:fillRect/>
+          </a:stretch>
+        </p:blipFill>
+        <p:spPr>
+          <a:xfrm>
+            <a:off x="4786024" y="1581974"/>
+            <a:ext cx="4140041" cy="699407"/>
           </a:xfrm>
           <a:prstGeom prst="rect">
             <a:avLst/>
@@ -9959,7 +9985,7 @@
     </p:spTree>
     <p:extLst>
       <p:ext uri="{BB962C8B-B14F-4D97-AF65-F5344CB8AC3E}">
-        <p14:creationId xmlns:p14="http://schemas.microsoft.com/office/powerpoint/2010/main" val="2177846798"/>
+        <p14:creationId xmlns:p14="http://schemas.microsoft.com/office/powerpoint/2010/main" val="3150360148"/>
       </p:ext>
     </p:extLst>
   </p:cSld>
@@ -10002,7 +10028,7 @@
           <a:lstStyle/>
           <a:p>
             <a:r>
-              <a:rPr lang="en-US" altLang="ko-KR" dirty="0" smtClean="0"/>
+              <a:rPr lang="en-US" altLang="ko-KR" dirty="0"/>
               <a:t>Introduction</a:t>
             </a:r>
             <a:endParaRPr lang="ko-KR" altLang="en-US" dirty="0"/>
@@ -10049,7 +10075,7 @@
               <a:defRPr/>
             </a:pPr>
             <a:r>
-              <a:rPr kumimoji="0" lang="en-US" altLang="ko-KR" sz="1885" b="0" i="0" u="none" strike="noStrike" kern="1200" cap="none" spc="0" normalizeH="0" baseline="0" noProof="0" dirty="0" smtClean="0">
+              <a:rPr kumimoji="0" lang="en-US" altLang="ko-KR" sz="1885" b="0" i="0" u="none" strike="noStrike" kern="1200" cap="none" spc="0" normalizeH="0" baseline="0" noProof="0" dirty="0">
                 <a:ln>
                   <a:noFill/>
                 </a:ln>
@@ -10072,7 +10098,7 @@
               <a:buChar char="•"/>
             </a:pPr>
             <a:r>
-              <a:rPr lang="en-US" altLang="ko-KR" dirty="0" smtClean="0">
+              <a:rPr lang="en-US" altLang="ko-KR" dirty="0">
                 <a:solidFill>
                   <a:srgbClr val="292934"/>
                 </a:solidFill>
@@ -10081,7 +10107,7 @@
               </a:rPr>
               <a:t>Interacting A-nucleon system </a:t>
             </a:r>
-            <a:endParaRPr kumimoji="0" lang="en-US" altLang="ko-KR" b="0" i="0" u="none" strike="noStrike" kern="1200" cap="none" spc="0" normalizeH="0" baseline="0" noProof="0" dirty="0" smtClean="0">
+            <a:endParaRPr kumimoji="0" lang="en-US" altLang="ko-KR" b="0" i="0" u="none" strike="noStrike" kern="1200" cap="none" spc="0" normalizeH="0" baseline="0" noProof="0" dirty="0">
               <a:ln>
                 <a:noFill/>
               </a:ln>
@@ -10102,7 +10128,7 @@
               <a:buChar char="•"/>
             </a:pPr>
             <a:r>
-              <a:rPr lang="en-US" altLang="ko-KR" dirty="0" smtClean="0">
+              <a:rPr lang="en-US" altLang="ko-KR" dirty="0">
                 <a:solidFill>
                   <a:srgbClr val="292934"/>
                 </a:solidFill>
@@ -10118,7 +10144,7 @@
               <a:buChar char="•"/>
             </a:pPr>
             <a:r>
-              <a:rPr lang="en-US" altLang="ko-KR" dirty="0" smtClean="0">
+              <a:rPr lang="en-US" altLang="ko-KR" dirty="0">
                 <a:solidFill>
                   <a:srgbClr val="292934"/>
                 </a:solidFill>
@@ -10134,7 +10160,7 @@
               <a:buChar char="•"/>
             </a:pPr>
             <a:r>
-              <a:rPr kumimoji="0" lang="en-US" altLang="ko-KR" b="0" i="0" u="none" strike="noStrike" kern="1200" cap="none" spc="0" normalizeH="0" baseline="0" noProof="0" dirty="0" smtClean="0">
+              <a:rPr kumimoji="0" lang="en-US" altLang="ko-KR" b="0" i="0" u="none" strike="noStrike" kern="1200" cap="none" spc="0" normalizeH="0" baseline="0" noProof="0" dirty="0">
                 <a:ln>
                   <a:noFill/>
                 </a:ln>
@@ -10157,7 +10183,7 @@
               <a:buChar char="•"/>
             </a:pPr>
             <a:r>
-              <a:rPr lang="en-US" altLang="ko-KR" noProof="0" dirty="0" smtClean="0">
+              <a:rPr lang="en-US" altLang="ko-KR" noProof="0" dirty="0">
                 <a:solidFill>
                   <a:srgbClr val="292934"/>
                 </a:solidFill>
@@ -10180,7 +10206,7 @@
               <a:buChar char="•"/>
             </a:pPr>
             <a:r>
-              <a:rPr kumimoji="0" lang="en-US" altLang="ko-KR" b="0" i="0" u="none" strike="noStrike" kern="1200" cap="none" spc="0" normalizeH="0" baseline="0" noProof="0" dirty="0" smtClean="0">
+              <a:rPr kumimoji="0" lang="en-US" altLang="ko-KR" b="0" i="0" u="none" strike="noStrike" kern="1200" cap="none" spc="0" normalizeH="0" baseline="0" noProof="0" dirty="0">
                 <a:ln>
                   <a:noFill/>
                 </a:ln>
@@ -10207,7 +10233,7 @@
               <a:t>e</a:t>
             </a:r>
             <a:r>
-              <a:rPr kumimoji="0" lang="en-US" altLang="ko-KR" b="0" i="0" u="none" strike="noStrike" kern="1200" cap="none" spc="0" normalizeH="0" baseline="0" noProof="0" dirty="0" err="1" smtClean="0">
+              <a:rPr kumimoji="0" lang="en-US" altLang="ko-KR" b="0" i="0" u="none" strike="noStrike" kern="1200" cap="none" spc="0" normalizeH="0" baseline="0" noProof="0" dirty="0" err="1">
                 <a:ln>
                   <a:noFill/>
                 </a:ln>
@@ -10224,7 +10250,7 @@
               <a:t>nergy</a:t>
             </a:r>
             <a:r>
-              <a:rPr kumimoji="0" lang="en-US" altLang="ko-KR" b="0" i="0" u="none" strike="noStrike" kern="1200" cap="none" spc="0" normalizeH="0" baseline="0" noProof="0" dirty="0" smtClean="0">
+              <a:rPr kumimoji="0" lang="en-US" altLang="ko-KR" b="0" i="0" u="none" strike="noStrike" kern="1200" cap="none" spc="0" normalizeH="0" baseline="0" noProof="0" dirty="0">
                 <a:ln>
                   <a:noFill/>
                 </a:ln>
@@ -10241,7 +10267,7 @@
               <a:t> of nuclear matter with realistic</a:t>
             </a:r>
             <a:r>
-              <a:rPr kumimoji="0" lang="en-US" altLang="ko-KR" b="0" i="0" u="none" strike="noStrike" kern="1200" cap="none" spc="0" normalizeH="0" noProof="0" dirty="0" smtClean="0">
+              <a:rPr kumimoji="0" lang="en-US" altLang="ko-KR" b="0" i="0" u="none" strike="noStrike" kern="1200" cap="none" spc="0" normalizeH="0" noProof="0" dirty="0">
                 <a:ln>
                   <a:noFill/>
                 </a:ln>
@@ -10258,7 +10284,7 @@
               <a:t> interaction</a:t>
             </a:r>
             <a:r>
-              <a:rPr kumimoji="0" lang="en-US" altLang="ko-KR" b="0" i="0" u="none" strike="noStrike" kern="1200" cap="none" spc="0" normalizeH="0" baseline="0" noProof="0" dirty="0" smtClean="0">
+              <a:rPr kumimoji="0" lang="en-US" altLang="ko-KR" b="0" i="0" u="none" strike="noStrike" kern="1200" cap="none" spc="0" normalizeH="0" baseline="0" noProof="0" dirty="0">
                 <a:ln>
                   <a:noFill/>
                 </a:ln>
@@ -10281,7 +10307,7 @@
               <a:buChar char="•"/>
             </a:pPr>
             <a:r>
-              <a:rPr lang="en-US" altLang="ko-KR" dirty="0" smtClean="0">
+              <a:rPr lang="en-US" altLang="ko-KR" dirty="0">
                 <a:latin typeface="Arial"/>
                 <a:ea typeface="돋움" panose="020B0600000101010101" pitchFamily="50" charset="-127"/>
               </a:rPr>
@@ -10294,7 +10320,7 @@
               <a:buChar char="•"/>
             </a:pPr>
             <a:r>
-              <a:rPr kumimoji="0" lang="en-US" altLang="ko-KR" b="0" i="0" u="none" strike="noStrike" kern="1200" cap="none" spc="0" normalizeH="0" baseline="0" noProof="0" dirty="0" smtClean="0">
+              <a:rPr kumimoji="0" lang="en-US" altLang="ko-KR" b="0" i="0" u="none" strike="noStrike" kern="1200" cap="none" spc="0" normalizeH="0" baseline="0" noProof="0" dirty="0">
                 <a:ln>
                   <a:noFill/>
                 </a:ln>
@@ -10307,7 +10333,7 @@
               <a:t>Ab initio calculation with</a:t>
             </a:r>
             <a:r>
-              <a:rPr kumimoji="0" lang="en-US" altLang="ko-KR" b="0" i="0" u="none" strike="noStrike" kern="1200" cap="none" spc="0" normalizeH="0" noProof="0" dirty="0" smtClean="0">
+              <a:rPr kumimoji="0" lang="en-US" altLang="ko-KR" b="0" i="0" u="none" strike="noStrike" kern="1200" cap="none" spc="0" normalizeH="0" noProof="0" dirty="0">
                 <a:ln>
                   <a:noFill/>
                 </a:ln>
@@ -10326,7 +10352,7 @@
               <a:buChar char="•"/>
             </a:pPr>
             <a:r>
-              <a:rPr kumimoji="0" lang="en-US" altLang="ko-KR" b="0" i="0" u="none" strike="noStrike" kern="1200" cap="none" spc="0" normalizeH="0" baseline="0" noProof="0" dirty="0" err="1" smtClean="0">
+              <a:rPr kumimoji="0" lang="en-US" altLang="ko-KR" b="0" i="0" u="none" strike="noStrike" kern="1200" cap="none" spc="0" normalizeH="0" baseline="0" noProof="0" dirty="0" err="1">
                 <a:ln>
                   <a:noFill/>
                 </a:ln>
@@ -10339,7 +10365,7 @@
               <a:t>Brueckner-Hartree-Fock</a:t>
             </a:r>
             <a:r>
-              <a:rPr kumimoji="0" lang="en-US" altLang="ko-KR" b="0" i="0" u="none" strike="noStrike" kern="1200" cap="none" spc="0" normalizeH="0" baseline="0" noProof="0" dirty="0" smtClean="0">
+              <a:rPr kumimoji="0" lang="en-US" altLang="ko-KR" b="0" i="0" u="none" strike="noStrike" kern="1200" cap="none" spc="0" normalizeH="0" baseline="0" noProof="0" dirty="0">
                 <a:ln>
                   <a:noFill/>
                 </a:ln>
@@ -10358,7 +10384,7 @@
               <a:buChar char="•"/>
             </a:pPr>
             <a:r>
-              <a:rPr lang="en-US" altLang="ko-KR" noProof="0" dirty="0" smtClean="0">
+              <a:rPr lang="en-US" altLang="ko-KR" noProof="0" dirty="0">
                 <a:latin typeface="Arial"/>
                 <a:ea typeface="돋움" panose="020B0600000101010101" pitchFamily="50" charset="-127"/>
               </a:rPr>
@@ -10387,7 +10413,7 @@
               <a:buChar char="•"/>
             </a:pPr>
             <a:r>
-              <a:rPr lang="en-US" altLang="ko-KR" dirty="0" smtClean="0">
+              <a:rPr lang="en-US" altLang="ko-KR" dirty="0">
                 <a:latin typeface="Arial"/>
                 <a:ea typeface="돋움" panose="020B0600000101010101" pitchFamily="50" charset="-127"/>
               </a:rPr>
@@ -10400,14 +10426,14 @@
               <a:buChar char="•"/>
             </a:pPr>
             <a:r>
-              <a:rPr lang="en-US" altLang="ko-KR" dirty="0" smtClean="0">
+              <a:rPr lang="en-US" altLang="ko-KR" dirty="0">
                 <a:latin typeface="Arial"/>
                 <a:ea typeface="돋움" panose="020B0600000101010101" pitchFamily="50" charset="-127"/>
               </a:rPr>
               <a:t>I decided to write </a:t>
             </a:r>
             <a:r>
-              <a:rPr lang="en-US" altLang="ko-KR" dirty="0" smtClean="0">
+              <a:rPr lang="en-US" altLang="ko-KR" dirty="0">
                 <a:solidFill>
                   <a:srgbClr val="FF0000"/>
                 </a:solidFill>
@@ -10423,7 +10449,7 @@
               <a:buChar char="•"/>
             </a:pPr>
             <a:r>
-              <a:rPr kumimoji="0" lang="en-US" altLang="ko-KR" b="0" i="0" u="none" strike="noStrike" kern="1200" cap="none" spc="0" normalizeH="0" baseline="0" noProof="0" dirty="0" smtClean="0">
+              <a:rPr kumimoji="0" lang="en-US" altLang="ko-KR" b="0" i="0" u="none" strike="noStrike" kern="1200" cap="none" spc="0" normalizeH="0" baseline="0" noProof="0" dirty="0">
                 <a:ln>
                   <a:noFill/>
                 </a:ln>
@@ -10442,35 +10468,35 @@
               <a:buChar char="•"/>
             </a:pPr>
             <a:r>
-              <a:rPr lang="en-US" altLang="ko-KR" sz="1600" dirty="0" smtClean="0">
+              <a:rPr lang="en-US" altLang="ko-KR" sz="1600" dirty="0">
                 <a:latin typeface="Arial"/>
                 <a:ea typeface="돋움" panose="020B0600000101010101" pitchFamily="50" charset="-127"/>
               </a:rPr>
               <a:t>M. </a:t>
             </a:r>
             <a:r>
-              <a:rPr lang="en-US" altLang="ko-KR" sz="1600" dirty="0" err="1" smtClean="0">
+              <a:rPr lang="en-US" altLang="ko-KR" sz="1600" dirty="0" err="1">
                 <a:latin typeface="Arial"/>
                 <a:ea typeface="돋움" panose="020B0600000101010101" pitchFamily="50" charset="-127"/>
               </a:rPr>
               <a:t>Haftel</a:t>
             </a:r>
             <a:r>
-              <a:rPr lang="en-US" altLang="ko-KR" sz="1600" dirty="0" smtClean="0">
+              <a:rPr lang="en-US" altLang="ko-KR" sz="1600" dirty="0">
                 <a:latin typeface="Arial"/>
                 <a:ea typeface="돋움" panose="020B0600000101010101" pitchFamily="50" charset="-127"/>
               </a:rPr>
               <a:t>, F. </a:t>
             </a:r>
             <a:r>
-              <a:rPr lang="en-US" altLang="ko-KR" sz="1600" dirty="0" err="1" smtClean="0">
+              <a:rPr lang="en-US" altLang="ko-KR" sz="1600" dirty="0" err="1">
                 <a:latin typeface="Arial"/>
                 <a:ea typeface="돋움" panose="020B0600000101010101" pitchFamily="50" charset="-127"/>
               </a:rPr>
               <a:t>tabakin</a:t>
             </a:r>
             <a:r>
-              <a:rPr lang="en-US" altLang="ko-KR" sz="1600" dirty="0" smtClean="0">
+              <a:rPr lang="en-US" altLang="ko-KR" sz="1600" dirty="0">
                 <a:latin typeface="Arial"/>
                 <a:ea typeface="돋움" panose="020B0600000101010101" pitchFamily="50" charset="-127"/>
               </a:rPr>
@@ -10483,7 +10509,7 @@
               <a:buChar char="•"/>
             </a:pPr>
             <a:r>
-              <a:rPr kumimoji="0" lang="en-US" altLang="ko-KR" sz="1600" b="0" i="0" u="none" strike="noStrike" kern="1200" cap="none" spc="0" normalizeH="0" baseline="0" noProof="0" dirty="0" smtClean="0">
+              <a:rPr kumimoji="0" lang="en-US" altLang="ko-KR" sz="1600" b="0" i="0" u="none" strike="noStrike" kern="1200" cap="none" spc="0" normalizeH="0" baseline="0" noProof="0" dirty="0">
                 <a:ln>
                   <a:noFill/>
                 </a:ln>
@@ -10496,7 +10522,7 @@
               <a:t>K. Amos et al, Advances in Nuclear </a:t>
             </a:r>
             <a:r>
-              <a:rPr kumimoji="0" lang="en-US" altLang="ko-KR" sz="1600" b="0" i="0" u="none" strike="noStrike" kern="1200" cap="none" spc="0" normalizeH="0" baseline="0" noProof="0" dirty="0" err="1" smtClean="0">
+              <a:rPr kumimoji="0" lang="en-US" altLang="ko-KR" sz="1600" b="0" i="0" u="none" strike="noStrike" kern="1200" cap="none" spc="0" normalizeH="0" baseline="0" noProof="0" dirty="0" err="1">
                 <a:ln>
                   <a:noFill/>
                 </a:ln>
@@ -10509,7 +10535,7 @@
               <a:t>Phsyics</a:t>
             </a:r>
             <a:r>
-              <a:rPr kumimoji="0" lang="en-US" altLang="ko-KR" sz="1600" b="0" i="0" u="none" strike="noStrike" kern="1200" cap="none" spc="0" normalizeH="0" baseline="0" noProof="0" dirty="0" smtClean="0">
+              <a:rPr kumimoji="0" lang="en-US" altLang="ko-KR" sz="1600" b="0" i="0" u="none" strike="noStrike" kern="1200" cap="none" spc="0" normalizeH="0" baseline="0" noProof="0" dirty="0">
                 <a:ln>
                   <a:noFill/>
                 </a:ln>
@@ -10522,7 +10548,7 @@
               <a:t>, </a:t>
             </a:r>
             <a:r>
-              <a:rPr kumimoji="0" lang="en-US" altLang="ko-KR" sz="1600" b="0" i="0" u="none" strike="noStrike" kern="1200" cap="none" spc="0" normalizeH="0" baseline="0" noProof="0" dirty="0" err="1" smtClean="0">
+              <a:rPr kumimoji="0" lang="en-US" altLang="ko-KR" sz="1600" b="0" i="0" u="none" strike="noStrike" kern="1200" cap="none" spc="0" normalizeH="0" baseline="0" noProof="0" dirty="0" err="1">
                 <a:ln>
                   <a:noFill/>
                 </a:ln>
@@ -10535,7 +10561,7 @@
               <a:t>vol</a:t>
             </a:r>
             <a:r>
-              <a:rPr kumimoji="0" lang="en-US" altLang="ko-KR" sz="1600" b="0" i="0" u="none" strike="noStrike" kern="1200" cap="none" spc="0" normalizeH="0" baseline="0" noProof="0" dirty="0" smtClean="0">
+              <a:rPr kumimoji="0" lang="en-US" altLang="ko-KR" sz="1600" b="0" i="0" u="none" strike="noStrike" kern="1200" cap="none" spc="0" normalizeH="0" baseline="0" noProof="0" dirty="0">
                 <a:ln>
                   <a:noFill/>
                 </a:ln>
@@ -10560,13 +10586,6 @@
   <p:clrMapOvr>
     <a:masterClrMapping/>
   </p:clrMapOvr>
-  <p:timing>
-    <p:tnLst>
-      <p:par>
-        <p:cTn id="1" dur="indefinite" restart="never" nodeType="tmRoot"/>
-      </p:par>
-    </p:tnLst>
-  </p:timing>
 </p:sld>
 </file>
 
@@ -10603,16 +10622,15 @@
           <a:lstStyle/>
           <a:p>
             <a:r>
-              <a:rPr lang="en-US" dirty="0" smtClean="0"/>
-              <a:t>Code</a:t>
-            </a:r>
-            <a:endParaRPr lang="en-US" dirty="0"/>
+              <a:rPr lang="en-US" dirty="0"/>
+              <a:t>Algorithm</a:t>
+            </a:r>
           </a:p>
         </p:txBody>
       </p:sp>
       <p:pic>
         <p:nvPicPr>
-          <p:cNvPr id="3" name="그림 2"/>
+          <p:cNvPr id="8" name="그림 7"/>
           <p:cNvPicPr>
             <a:picLocks noChangeAspect="1"/>
           </p:cNvPicPr>
@@ -10626,17 +10644,112 @@
         </p:blipFill>
         <p:spPr>
           <a:xfrm>
-            <a:off x="0" y="1708254"/>
-            <a:ext cx="3952875" cy="786706"/>
+            <a:off x="951046" y="4012258"/>
+            <a:ext cx="5123884" cy="1019761"/>
           </a:xfrm>
           <a:prstGeom prst="rect">
             <a:avLst/>
           </a:prstGeom>
         </p:spPr>
       </p:pic>
+      <p:sp>
+        <p:nvSpPr>
+          <p:cNvPr id="3" name="TextBox 2"/>
+          <p:cNvSpPr txBox="1"/>
+          <p:nvPr/>
+        </p:nvSpPr>
+        <p:spPr>
+          <a:xfrm>
+            <a:off x="668338" y="1592263"/>
+            <a:ext cx="8466426" cy="2122889"/>
+          </a:xfrm>
+          <a:prstGeom prst="rect">
+            <a:avLst/>
+          </a:prstGeom>
+          <a:noFill/>
+        </p:spPr>
+        <p:txBody>
+          <a:bodyPr wrap="square" rtlCol="0">
+            <a:spAutoFit/>
+          </a:bodyPr>
+          <a:lstStyle/>
+          <a:p>
+            <a:pPr marL="457200" indent="-457200">
+              <a:buAutoNum type="arabicParenBoth"/>
+            </a:pPr>
+            <a:r>
+              <a:rPr lang="en-US" dirty="0"/>
+              <a:t>Choose interested values of U(p) </a:t>
+            </a:r>
+          </a:p>
+          <a:p>
+            <a:pPr marL="457200" indent="-457200">
+              <a:buAutoNum type="arabicParenBoth"/>
+            </a:pPr>
+            <a:r>
+              <a:rPr lang="en-US" dirty="0"/>
+              <a:t>Start with initial U(p) </a:t>
+            </a:r>
+            <a:r>
+              <a:rPr lang="en-US" dirty="0">
+                <a:sym typeface="Wingdings" panose="05000000000000000000" pitchFamily="2" charset="2"/>
+              </a:rPr>
+              <a:t> compute e(p)</a:t>
+            </a:r>
+          </a:p>
+          <a:p>
+            <a:r>
+              <a:rPr lang="en-US" dirty="0">
+                <a:sym typeface="Wingdings" panose="05000000000000000000" pitchFamily="2" charset="2"/>
+              </a:rPr>
+              <a:t>       (effective mass method, start with initial two parameters)</a:t>
+            </a:r>
+          </a:p>
+          <a:p>
+            <a:pPr marL="457200" indent="-457200">
+              <a:buAutoNum type="arabicParenBoth" startAt="3"/>
+            </a:pPr>
+            <a:r>
+              <a:rPr lang="en-US" dirty="0">
+                <a:sym typeface="Wingdings" panose="05000000000000000000" pitchFamily="2" charset="2"/>
+              </a:rPr>
+              <a:t>Compute g-matrix</a:t>
+            </a:r>
+          </a:p>
+          <a:p>
+            <a:pPr marL="457200" indent="-457200">
+              <a:buAutoNum type="arabicParenBoth" startAt="3"/>
+            </a:pPr>
+            <a:r>
+              <a:rPr lang="en-US" dirty="0">
+                <a:sym typeface="Wingdings" panose="05000000000000000000" pitchFamily="2" charset="2"/>
+              </a:rPr>
+              <a:t>calculate U(p) from obtained g-matrix</a:t>
+            </a:r>
+          </a:p>
+          <a:p>
+            <a:pPr marL="457200" indent="-457200">
+              <a:buAutoNum type="arabicParenBoth" startAt="3"/>
+            </a:pPr>
+            <a:r>
+              <a:rPr lang="en-US" dirty="0"/>
+              <a:t>Check convergence of U(p) or e(p) </a:t>
+            </a:r>
+          </a:p>
+          <a:p>
+            <a:pPr marL="457200" indent="-457200">
+              <a:buAutoNum type="arabicParenBoth" startAt="3"/>
+            </a:pPr>
+            <a:r>
+              <a:rPr lang="en-US" dirty="0"/>
+              <a:t>If not converged, repeat from (3) updating U(p)  or effective mass</a:t>
+            </a:r>
+          </a:p>
+        </p:txBody>
+      </p:sp>
       <p:pic>
         <p:nvPicPr>
-          <p:cNvPr id="4" name="그림 3"/>
+          <p:cNvPr id="5" name="그림 4"/>
           <p:cNvPicPr>
             <a:picLocks noChangeAspect="1"/>
           </p:cNvPicPr>
@@ -10650,86 +10763,8 @@
         </p:blipFill>
         <p:spPr>
           <a:xfrm>
-            <a:off x="4167432" y="742949"/>
-            <a:ext cx="5738568" cy="5565775"/>
-          </a:xfrm>
-          <a:prstGeom prst="rect">
-            <a:avLst/>
-          </a:prstGeom>
-        </p:spPr>
-      </p:pic>
-      <p:pic>
-        <p:nvPicPr>
-          <p:cNvPr id="6" name="그림 5"/>
-          <p:cNvPicPr>
-            <a:picLocks noChangeAspect="1"/>
-          </p:cNvPicPr>
-          <p:nvPr/>
-        </p:nvPicPr>
-        <p:blipFill>
-          <a:blip r:embed="rId4"/>
-          <a:stretch>
-            <a:fillRect/>
-          </a:stretch>
-        </p:blipFill>
-        <p:spPr>
-          <a:xfrm>
-            <a:off x="495300" y="3149392"/>
-            <a:ext cx="2604159" cy="1719471"/>
-          </a:xfrm>
-          <a:prstGeom prst="rect">
-            <a:avLst/>
-          </a:prstGeom>
-        </p:spPr>
-      </p:pic>
-      <p:sp>
-        <p:nvSpPr>
-          <p:cNvPr id="7" name="TextBox 6"/>
-          <p:cNvSpPr txBox="1"/>
-          <p:nvPr/>
-        </p:nvSpPr>
-        <p:spPr>
-          <a:xfrm>
-            <a:off x="629894" y="2679214"/>
-            <a:ext cx="3003552" cy="382412"/>
-          </a:xfrm>
-          <a:prstGeom prst="rect">
-            <a:avLst/>
-          </a:prstGeom>
-          <a:noFill/>
-        </p:spPr>
-        <p:txBody>
-          <a:bodyPr wrap="square" rtlCol="0">
-            <a:spAutoFit/>
-          </a:bodyPr>
-          <a:lstStyle/>
-          <a:p>
-            <a:r>
-              <a:rPr lang="en-US" dirty="0" smtClean="0"/>
-              <a:t>Bonn B potential result</a:t>
-            </a:r>
-            <a:endParaRPr lang="en-US" dirty="0"/>
-          </a:p>
-        </p:txBody>
-      </p:sp>
-      <p:pic>
-        <p:nvPicPr>
-          <p:cNvPr id="8" name="그림 7"/>
-          <p:cNvPicPr>
-            <a:picLocks noChangeAspect="1"/>
-          </p:cNvPicPr>
-          <p:nvPr/>
-        </p:nvPicPr>
-        <p:blipFill>
-          <a:blip r:embed="rId5"/>
-          <a:stretch>
-            <a:fillRect/>
-          </a:stretch>
-        </p:blipFill>
-        <p:spPr>
-          <a:xfrm>
-            <a:off x="595423" y="4956629"/>
-            <a:ext cx="2595450" cy="1759332"/>
+            <a:off x="951046" y="5329126"/>
+            <a:ext cx="6620799" cy="800212"/>
           </a:xfrm>
           <a:prstGeom prst="rect">
             <a:avLst/>
@@ -10739,7 +10774,7 @@
     </p:spTree>
     <p:extLst>
       <p:ext uri="{BB962C8B-B14F-4D97-AF65-F5344CB8AC3E}">
-        <p14:creationId xmlns:p14="http://schemas.microsoft.com/office/powerpoint/2010/main" val="3423731681"/>
+        <p14:creationId xmlns:p14="http://schemas.microsoft.com/office/powerpoint/2010/main" val="2177846798"/>
       </p:ext>
     </p:extLst>
   </p:cSld>
@@ -10782,10 +10817,9 @@
           <a:lstStyle/>
           <a:p>
             <a:r>
-              <a:rPr lang="en-US" dirty="0" smtClean="0"/>
-              <a:t>However… </a:t>
-            </a:r>
-            <a:endParaRPr lang="en-US" dirty="0"/>
+              <a:rPr lang="en-US" dirty="0"/>
+              <a:t>Code</a:t>
+            </a:r>
           </a:p>
         </p:txBody>
       </p:sp>
@@ -10805,81 +10839,17 @@
         </p:blipFill>
         <p:spPr>
           <a:xfrm>
-            <a:off x="495300" y="3308377"/>
-            <a:ext cx="3820058" cy="2886478"/>
+            <a:off x="861991" y="1592263"/>
+            <a:ext cx="2381582" cy="190527"/>
           </a:xfrm>
           <a:prstGeom prst="rect">
             <a:avLst/>
           </a:prstGeom>
         </p:spPr>
       </p:pic>
-      <p:sp>
-        <p:nvSpPr>
-          <p:cNvPr id="4" name="TextBox 3"/>
-          <p:cNvSpPr txBox="1"/>
-          <p:nvPr/>
-        </p:nvSpPr>
-        <p:spPr>
-          <a:xfrm>
-            <a:off x="668337" y="1699491"/>
-            <a:ext cx="8087735" cy="1542730"/>
-          </a:xfrm>
-          <a:prstGeom prst="rect">
-            <a:avLst/>
-          </a:prstGeom>
-          <a:noFill/>
-        </p:spPr>
-        <p:txBody>
-          <a:bodyPr wrap="square" rtlCol="0">
-            <a:spAutoFit/>
-          </a:bodyPr>
-          <a:lstStyle/>
-          <a:p>
-            <a:pPr marL="342900" indent="-342900">
-              <a:buFont typeface="Arial" panose="020B0604020202020204" pitchFamily="34" charset="0"/>
-              <a:buChar char="•"/>
-            </a:pPr>
-            <a:r>
-              <a:rPr lang="en-US" dirty="0" smtClean="0"/>
-              <a:t>It is well known that the BHF with realistic NN interaction does not give correct saturation property of Nuclear matter</a:t>
-            </a:r>
-          </a:p>
-          <a:p>
-            <a:pPr marL="342900" indent="-342900">
-              <a:buFont typeface="Arial" panose="020B0604020202020204" pitchFamily="34" charset="0"/>
-              <a:buChar char="•"/>
-            </a:pPr>
-            <a:r>
-              <a:rPr lang="en-US" dirty="0" smtClean="0"/>
-              <a:t>To get better saturation, one have to  </a:t>
-            </a:r>
-          </a:p>
-          <a:p>
-            <a:pPr marL="342900" indent="-342900">
-              <a:buFont typeface="Arial" panose="020B0604020202020204" pitchFamily="34" charset="0"/>
-              <a:buChar char="•"/>
-            </a:pPr>
-            <a:r>
-              <a:rPr lang="en-US" dirty="0" smtClean="0"/>
-              <a:t>(1) Include 3 nucleon force, or</a:t>
-            </a:r>
-          </a:p>
-          <a:p>
-            <a:pPr marL="342900" indent="-342900">
-              <a:buFont typeface="Arial" panose="020B0604020202020204" pitchFamily="34" charset="0"/>
-              <a:buChar char="•"/>
-            </a:pPr>
-            <a:r>
-              <a:rPr lang="en-US" dirty="0" smtClean="0"/>
-              <a:t>(2) relativistic Dirac BHF </a:t>
-            </a:r>
-            <a:endParaRPr lang="en-US" dirty="0"/>
-          </a:p>
-        </p:txBody>
-      </p:sp>
       <p:pic>
         <p:nvPicPr>
-          <p:cNvPr id="5" name="그림 4"/>
+          <p:cNvPr id="4" name="그림 3"/>
           <p:cNvPicPr>
             <a:picLocks noChangeAspect="1"/>
           </p:cNvPicPr>
@@ -10893,54 +10863,42 @@
         </p:blipFill>
         <p:spPr>
           <a:xfrm>
-            <a:off x="5137728" y="3417712"/>
-            <a:ext cx="2793415" cy="2574200"/>
+            <a:off x="861991" y="1851053"/>
+            <a:ext cx="3391373" cy="181000"/>
           </a:xfrm>
           <a:prstGeom prst="rect">
             <a:avLst/>
           </a:prstGeom>
         </p:spPr>
       </p:pic>
-      <p:sp>
-        <p:nvSpPr>
-          <p:cNvPr id="6" name="TextBox 5"/>
-          <p:cNvSpPr txBox="1"/>
+      <p:pic>
+        <p:nvPicPr>
+          <p:cNvPr id="5" name="그림 4"/>
+          <p:cNvPicPr>
+            <a:picLocks noChangeAspect="1"/>
+          </p:cNvPicPr>
           <p:nvPr/>
-        </p:nvSpPr>
-        <p:spPr>
-          <a:xfrm>
-            <a:off x="323272" y="6215062"/>
-            <a:ext cx="5000087" cy="430887"/>
+        </p:nvPicPr>
+        <p:blipFill>
+          <a:blip r:embed="rId4"/>
+          <a:stretch>
+            <a:fillRect/>
+          </a:stretch>
+        </p:blipFill>
+        <p:spPr>
+          <a:xfrm>
+            <a:off x="861991" y="2109843"/>
+            <a:ext cx="5477639" cy="4058216"/>
           </a:xfrm>
           <a:prstGeom prst="rect">
             <a:avLst/>
           </a:prstGeom>
-          <a:noFill/>
-        </p:spPr>
-        <p:txBody>
-          <a:bodyPr wrap="none" rtlCol="0">
-            <a:spAutoFit/>
-          </a:bodyPr>
-          <a:lstStyle/>
-          <a:p>
-            <a:r>
-              <a:rPr lang="en-US" sz="1100" dirty="0" smtClean="0"/>
-              <a:t>Figures from </a:t>
-            </a:r>
-          </a:p>
-          <a:p>
-            <a:r>
-              <a:rPr lang="en-US" sz="1100" dirty="0" smtClean="0"/>
-              <a:t>S. Shen et al., Progress in Particle and Nuclear Physics, 109, (2019), 103713</a:t>
-            </a:r>
-            <a:endParaRPr lang="en-US" sz="1100" dirty="0"/>
-          </a:p>
-        </p:txBody>
-      </p:sp>
+        </p:spPr>
+      </p:pic>
     </p:spTree>
     <p:extLst>
       <p:ext uri="{BB962C8B-B14F-4D97-AF65-F5344CB8AC3E}">
-        <p14:creationId xmlns:p14="http://schemas.microsoft.com/office/powerpoint/2010/main" val="525840089"/>
+        <p14:creationId xmlns:p14="http://schemas.microsoft.com/office/powerpoint/2010/main" val="555224237"/>
       </p:ext>
     </p:extLst>
   </p:cSld>
@@ -10983,100 +10941,15 @@
           <a:lstStyle/>
           <a:p>
             <a:r>
-              <a:rPr lang="en-US" dirty="0" smtClean="0"/>
-              <a:t>Plan </a:t>
-            </a:r>
-            <a:endParaRPr lang="en-US" dirty="0"/>
-          </a:p>
-        </p:txBody>
-      </p:sp>
-      <p:sp>
-        <p:nvSpPr>
-          <p:cNvPr id="4" name="TextBox 3"/>
-          <p:cNvSpPr txBox="1"/>
-          <p:nvPr/>
-        </p:nvSpPr>
-        <p:spPr>
-          <a:xfrm>
-            <a:off x="668337" y="1699491"/>
-            <a:ext cx="8087735" cy="1542730"/>
-          </a:xfrm>
-          <a:prstGeom prst="rect">
-            <a:avLst/>
-          </a:prstGeom>
-          <a:noFill/>
-        </p:spPr>
-        <p:txBody>
-          <a:bodyPr wrap="square" rtlCol="0">
-            <a:spAutoFit/>
-          </a:bodyPr>
-          <a:lstStyle/>
-          <a:p>
-            <a:pPr marL="342900" indent="-342900">
-              <a:buFont typeface="Arial" panose="020B0604020202020204" pitchFamily="34" charset="0"/>
-              <a:buChar char="•"/>
-            </a:pPr>
-            <a:r>
-              <a:rPr lang="en-US" dirty="0" smtClean="0"/>
-              <a:t>Include 3NF in chiral EFT </a:t>
-            </a:r>
-          </a:p>
-          <a:p>
-            <a:pPr marL="342900" indent="-342900">
-              <a:buFont typeface="Arial" panose="020B0604020202020204" pitchFamily="34" charset="0"/>
-              <a:buChar char="•"/>
-            </a:pPr>
-            <a:r>
-              <a:rPr lang="en-US" dirty="0" smtClean="0"/>
-              <a:t>Compute optical potential by folding the g-matrix or self energy U(p)</a:t>
-            </a:r>
-          </a:p>
-          <a:p>
-            <a:pPr marL="342900" indent="-342900">
-              <a:buFont typeface="Arial" panose="020B0604020202020204" pitchFamily="34" charset="0"/>
-              <a:buChar char="•"/>
-            </a:pPr>
-            <a:r>
-              <a:rPr lang="en-US" dirty="0" smtClean="0">
-                <a:sym typeface="Wingdings" panose="05000000000000000000" pitchFamily="2" charset="2"/>
-              </a:rPr>
-              <a:t> In fact, similar work already exists. </a:t>
-            </a:r>
-          </a:p>
-          <a:p>
-            <a:pPr marL="821819" lvl="1" indent="-342900">
-              <a:buFont typeface="Arial" panose="020B0604020202020204" pitchFamily="34" charset="0"/>
-              <a:buChar char="•"/>
-            </a:pPr>
-            <a:r>
-              <a:rPr lang="en-US" dirty="0" smtClean="0">
-                <a:sym typeface="Wingdings" panose="05000000000000000000" pitchFamily="2" charset="2"/>
-              </a:rPr>
-              <a:t>Masakazu </a:t>
-            </a:r>
-            <a:r>
-              <a:rPr lang="en-US" dirty="0" err="1" smtClean="0">
-                <a:sym typeface="Wingdings" panose="05000000000000000000" pitchFamily="2" charset="2"/>
-              </a:rPr>
-              <a:t>Toyokawa</a:t>
-            </a:r>
-            <a:r>
-              <a:rPr lang="en-US" dirty="0" smtClean="0">
-                <a:sym typeface="Wingdings" panose="05000000000000000000" pitchFamily="2" charset="2"/>
-              </a:rPr>
-              <a:t> et al, Progress of Theoretical and experimental physics, (2018) 023D03</a:t>
-            </a:r>
-            <a:r>
-              <a:rPr lang="en-US" dirty="0" smtClean="0"/>
-              <a:t> </a:t>
-            </a:r>
-            <a:endParaRPr lang="en-US" dirty="0"/>
+              <a:rPr lang="en-US" dirty="0"/>
+              <a:t>Code</a:t>
+            </a:r>
           </a:p>
         </p:txBody>
       </p:sp>
       <p:pic>
         <p:nvPicPr>
-          <p:cNvPr id="7" name="그림 6"/>
+          <p:cNvPr id="3" name="그림 2"/>
           <p:cNvPicPr>
             <a:picLocks noChangeAspect="1"/>
           </p:cNvPicPr>
@@ -11090,24 +10963,72 @@
         </p:blipFill>
         <p:spPr>
           <a:xfrm>
-            <a:off x="512041" y="3431711"/>
-            <a:ext cx="5363323" cy="3296110"/>
+            <a:off x="0" y="1708254"/>
+            <a:ext cx="3952875" cy="786706"/>
           </a:xfrm>
           <a:prstGeom prst="rect">
             <a:avLst/>
           </a:prstGeom>
         </p:spPr>
       </p:pic>
-      <p:sp>
-        <p:nvSpPr>
-          <p:cNvPr id="8" name="TextBox 7"/>
+      <p:pic>
+        <p:nvPicPr>
+          <p:cNvPr id="4" name="그림 3"/>
+          <p:cNvPicPr>
+            <a:picLocks noChangeAspect="1"/>
+          </p:cNvPicPr>
+          <p:nvPr/>
+        </p:nvPicPr>
+        <p:blipFill>
+          <a:blip r:embed="rId3"/>
+          <a:stretch>
+            <a:fillRect/>
+          </a:stretch>
+        </p:blipFill>
+        <p:spPr>
+          <a:xfrm>
+            <a:off x="4167432" y="742949"/>
+            <a:ext cx="5738568" cy="5565775"/>
+          </a:xfrm>
+          <a:prstGeom prst="rect">
+            <a:avLst/>
+          </a:prstGeom>
+        </p:spPr>
+      </p:pic>
+      <p:pic>
+        <p:nvPicPr>
+          <p:cNvPr id="6" name="그림 5"/>
+          <p:cNvPicPr>
+            <a:picLocks noChangeAspect="1"/>
+          </p:cNvPicPr>
+          <p:nvPr/>
+        </p:nvPicPr>
+        <p:blipFill>
+          <a:blip r:embed="rId4"/>
+          <a:stretch>
+            <a:fillRect/>
+          </a:stretch>
+        </p:blipFill>
+        <p:spPr>
+          <a:xfrm>
+            <a:off x="495300" y="3149392"/>
+            <a:ext cx="2604159" cy="1719471"/>
+          </a:xfrm>
+          <a:prstGeom prst="rect">
+            <a:avLst/>
+          </a:prstGeom>
+        </p:spPr>
+      </p:pic>
+      <p:sp>
+        <p:nvSpPr>
+          <p:cNvPr id="7" name="TextBox 6"/>
           <p:cNvSpPr txBox="1"/>
           <p:nvPr/>
         </p:nvSpPr>
         <p:spPr>
           <a:xfrm>
-            <a:off x="5973329" y="5496936"/>
-            <a:ext cx="1939377" cy="1015663"/>
+            <a:off x="629894" y="2679214"/>
+            <a:ext cx="3003552" cy="382412"/>
           </a:xfrm>
           <a:prstGeom prst="rect">
             <a:avLst/>
@@ -11115,68 +11036,46 @@
           <a:noFill/>
         </p:spPr>
         <p:txBody>
-          <a:bodyPr wrap="none" rtlCol="0">
+          <a:bodyPr wrap="square" rtlCol="0">
             <a:spAutoFit/>
           </a:bodyPr>
           <a:lstStyle/>
           <a:p>
             <a:r>
-              <a:rPr lang="en-US" sz="1200" dirty="0" smtClean="0"/>
-              <a:t>Figure from</a:t>
-            </a:r>
-          </a:p>
-          <a:p>
-            <a:r>
-              <a:rPr lang="en-US" sz="1200" dirty="0" smtClean="0"/>
-              <a:t>The Reference  </a:t>
-            </a:r>
-          </a:p>
-          <a:p>
-            <a:r>
-              <a:rPr lang="en-US" sz="1200" dirty="0" smtClean="0">
-                <a:sym typeface="Wingdings" panose="05000000000000000000" pitchFamily="2" charset="2"/>
-              </a:rPr>
-              <a:t>Masakazu </a:t>
-            </a:r>
-            <a:r>
-              <a:rPr lang="en-US" sz="1200" dirty="0" err="1">
-                <a:sym typeface="Wingdings" panose="05000000000000000000" pitchFamily="2" charset="2"/>
-              </a:rPr>
-              <a:t>Toyokawa</a:t>
-            </a:r>
-            <a:r>
-              <a:rPr lang="en-US" sz="1200" dirty="0">
-                <a:sym typeface="Wingdings" panose="05000000000000000000" pitchFamily="2" charset="2"/>
-              </a:rPr>
-              <a:t> et </a:t>
-            </a:r>
-            <a:r>
-              <a:rPr lang="en-US" sz="1200" dirty="0" smtClean="0">
-                <a:sym typeface="Wingdings" panose="05000000000000000000" pitchFamily="2" charset="2"/>
-              </a:rPr>
-              <a:t>al</a:t>
-            </a:r>
-          </a:p>
-          <a:p>
-            <a:endParaRPr lang="en-US" sz="1200" dirty="0">
-              <a:sym typeface="Wingdings" panose="05000000000000000000" pitchFamily="2" charset="2"/>
-            </a:endParaRPr>
-          </a:p>
-          <a:p>
-            <a:r>
-              <a:rPr lang="en-US" sz="1200" dirty="0" smtClean="0">
-                <a:sym typeface="Wingdings" panose="05000000000000000000" pitchFamily="2" charset="2"/>
-              </a:rPr>
-              <a:t>4He scattering on 208Pb.</a:t>
-            </a:r>
-            <a:endParaRPr lang="en-US" sz="1200" dirty="0"/>
-          </a:p>
-        </p:txBody>
-      </p:sp>
+              <a:rPr lang="en-US" dirty="0"/>
+              <a:t>Bonn B potential result</a:t>
+            </a:r>
+          </a:p>
+        </p:txBody>
+      </p:sp>
+      <p:pic>
+        <p:nvPicPr>
+          <p:cNvPr id="8" name="그림 7"/>
+          <p:cNvPicPr>
+            <a:picLocks noChangeAspect="1"/>
+          </p:cNvPicPr>
+          <p:nvPr/>
+        </p:nvPicPr>
+        <p:blipFill>
+          <a:blip r:embed="rId5"/>
+          <a:stretch>
+            <a:fillRect/>
+          </a:stretch>
+        </p:blipFill>
+        <p:spPr>
+          <a:xfrm>
+            <a:off x="595423" y="4956629"/>
+            <a:ext cx="2595450" cy="1759332"/>
+          </a:xfrm>
+          <a:prstGeom prst="rect">
+            <a:avLst/>
+          </a:prstGeom>
+        </p:spPr>
+      </p:pic>
     </p:spTree>
     <p:extLst>
       <p:ext uri="{BB962C8B-B14F-4D97-AF65-F5344CB8AC3E}">
-        <p14:creationId xmlns:p14="http://schemas.microsoft.com/office/powerpoint/2010/main" val="1101982429"/>
+        <p14:creationId xmlns:p14="http://schemas.microsoft.com/office/powerpoint/2010/main" val="3423731681"/>
       </p:ext>
     </p:extLst>
   </p:cSld>
@@ -11215,29 +11114,50 @@
         </p:nvSpPr>
         <p:spPr/>
         <p:txBody>
-          <a:bodyPr>
-            <a:normAutofit fontScale="90000"/>
-          </a:bodyPr>
+          <a:bodyPr/>
           <a:lstStyle/>
           <a:p>
             <a:r>
-              <a:rPr lang="en-US" dirty="0" smtClean="0"/>
-              <a:t>How to use charge dependent interaction?</a:t>
-            </a:r>
-            <a:endParaRPr lang="en-US" dirty="0"/>
-          </a:p>
-        </p:txBody>
-      </p:sp>
-      <p:sp>
-        <p:nvSpPr>
-          <p:cNvPr id="3" name="TextBox 2"/>
+              <a:rPr lang="en-US" dirty="0"/>
+              <a:t>However… </a:t>
+            </a:r>
+          </a:p>
+        </p:txBody>
+      </p:sp>
+      <p:pic>
+        <p:nvPicPr>
+          <p:cNvPr id="3" name="그림 2"/>
+          <p:cNvPicPr>
+            <a:picLocks noChangeAspect="1"/>
+          </p:cNvPicPr>
+          <p:nvPr/>
+        </p:nvPicPr>
+        <p:blipFill>
+          <a:blip r:embed="rId2"/>
+          <a:stretch>
+            <a:fillRect/>
+          </a:stretch>
+        </p:blipFill>
+        <p:spPr>
+          <a:xfrm>
+            <a:off x="495300" y="3308377"/>
+            <a:ext cx="3820058" cy="2886478"/>
+          </a:xfrm>
+          <a:prstGeom prst="rect">
+            <a:avLst/>
+          </a:prstGeom>
+        </p:spPr>
+      </p:pic>
+      <p:sp>
+        <p:nvSpPr>
+          <p:cNvPr id="4" name="TextBox 3"/>
           <p:cNvSpPr txBox="1"/>
           <p:nvPr/>
         </p:nvSpPr>
         <p:spPr>
           <a:xfrm>
-            <a:off x="650082" y="1592263"/>
-            <a:ext cx="8532812" cy="2993127"/>
+            <a:off x="668337" y="1699491"/>
+            <a:ext cx="8087735" cy="1542730"/>
           </a:xfrm>
           <a:prstGeom prst="rect">
             <a:avLst/>
@@ -11250,19 +11170,13 @@
           </a:bodyPr>
           <a:lstStyle/>
           <a:p>
-            <a:r>
-              <a:rPr lang="en-US" dirty="0" smtClean="0"/>
-              <a:t>Some interactions are charge dependent (isospin symmetry is broken)</a:t>
-            </a:r>
-          </a:p>
-          <a:p>
             <a:pPr marL="342900" indent="-342900">
               <a:buFont typeface="Arial" panose="020B0604020202020204" pitchFamily="34" charset="0"/>
               <a:buChar char="•"/>
             </a:pPr>
             <a:r>
-              <a:rPr lang="en-US" dirty="0" smtClean="0"/>
-              <a:t>Nucleon mass difference in proton and neutron</a:t>
+              <a:rPr lang="en-US" dirty="0"/>
+              <a:t>It is well known that the BHF with realistic NN interaction does not give correct saturation property of Nuclear matter</a:t>
             </a:r>
           </a:p>
           <a:p>
@@ -11271,16 +11185,8 @@
               <a:buChar char="•"/>
             </a:pPr>
             <a:r>
-              <a:rPr lang="en-US" dirty="0" smtClean="0"/>
-              <a:t>Interactions are different between </a:t>
-            </a:r>
-            <a:r>
-              <a:rPr lang="en-US" dirty="0" err="1" smtClean="0"/>
-              <a:t>pp,np,nn</a:t>
-            </a:r>
-            <a:r>
-              <a:rPr lang="en-US" dirty="0" smtClean="0"/>
-              <a:t> </a:t>
+              <a:rPr lang="en-US" dirty="0"/>
+              <a:t>To get better saturation, one have to  </a:t>
             </a:r>
           </a:p>
           <a:p>
@@ -11289,16 +11195,8 @@
               <a:buChar char="•"/>
             </a:pPr>
             <a:r>
-              <a:rPr lang="en-US" dirty="0" smtClean="0"/>
-              <a:t>AV18, </a:t>
-            </a:r>
-            <a:r>
-              <a:rPr lang="en-US" dirty="0" err="1" smtClean="0"/>
-              <a:t>CDBonn</a:t>
-            </a:r>
-            <a:r>
-              <a:rPr lang="en-US" dirty="0" smtClean="0"/>
-              <a:t>, Chiral EFT </a:t>
+              <a:rPr lang="en-US" dirty="0"/>
+              <a:t>(1) Include 3 nucleon force, or</a:t>
             </a:r>
           </a:p>
           <a:p>
@@ -11306,124 +11204,68 @@
               <a:buFont typeface="Arial" panose="020B0604020202020204" pitchFamily="34" charset="0"/>
               <a:buChar char="•"/>
             </a:pPr>
-            <a:endParaRPr lang="en-US" dirty="0" smtClean="0"/>
-          </a:p>
-          <a:p>
-            <a:pPr marL="342900" indent="-342900">
-              <a:buFont typeface="Arial" panose="020B0604020202020204" pitchFamily="34" charset="0"/>
-              <a:buChar char="•"/>
-            </a:pPr>
-            <a:r>
-              <a:rPr lang="en-US" dirty="0" smtClean="0"/>
-              <a:t>&lt; p’, L’ |V(</a:t>
-            </a:r>
-            <a:r>
-              <a:rPr lang="en-US" dirty="0" err="1" smtClean="0"/>
-              <a:t>S,T,T_z,J</a:t>
-            </a:r>
-            <a:r>
-              <a:rPr lang="en-US" dirty="0" smtClean="0"/>
-              <a:t>)| p, L&gt;  </a:t>
-            </a:r>
-          </a:p>
-          <a:p>
-            <a:pPr marL="342900" indent="-342900">
-              <a:buFont typeface="Arial" panose="020B0604020202020204" pitchFamily="34" charset="0"/>
-              <a:buChar char="•"/>
-            </a:pPr>
             <a:r>
               <a:rPr lang="en-US" dirty="0"/>
-              <a:t> </a:t>
-            </a:r>
-            <a:r>
-              <a:rPr lang="en-US" dirty="0" err="1" smtClean="0"/>
-              <a:t>V_pp</a:t>
-            </a:r>
-            <a:r>
-              <a:rPr lang="en-US" dirty="0" smtClean="0"/>
-              <a:t>  : T=1, </a:t>
-            </a:r>
-            <a:r>
-              <a:rPr lang="en-US" dirty="0" err="1" smtClean="0"/>
-              <a:t>T_z</a:t>
-            </a:r>
-            <a:r>
-              <a:rPr lang="en-US" dirty="0" smtClean="0"/>
-              <a:t>=1</a:t>
-            </a:r>
-          </a:p>
-          <a:p>
-            <a:pPr marL="342900" indent="-342900">
-              <a:buFont typeface="Arial" panose="020B0604020202020204" pitchFamily="34" charset="0"/>
-              <a:buChar char="•"/>
-            </a:pPr>
-            <a:r>
-              <a:rPr lang="en-US" dirty="0" smtClean="0"/>
-              <a:t> </a:t>
-            </a:r>
-            <a:r>
-              <a:rPr lang="en-US" dirty="0" err="1" smtClean="0"/>
-              <a:t>V_nn</a:t>
-            </a:r>
-            <a:r>
-              <a:rPr lang="en-US" dirty="0" smtClean="0"/>
-              <a:t>  : T=1, </a:t>
-            </a:r>
-            <a:r>
-              <a:rPr lang="en-US" dirty="0" err="1" smtClean="0"/>
-              <a:t>T_z</a:t>
-            </a:r>
-            <a:r>
-              <a:rPr lang="en-US" dirty="0" smtClean="0"/>
-              <a:t>= -1</a:t>
-            </a:r>
-          </a:p>
-          <a:p>
-            <a:pPr marL="342900" indent="-342900">
-              <a:buFont typeface="Arial" panose="020B0604020202020204" pitchFamily="34" charset="0"/>
-              <a:buChar char="•"/>
-            </a:pPr>
-            <a:r>
-              <a:rPr lang="en-US" dirty="0"/>
-              <a:t> </a:t>
-            </a:r>
-            <a:r>
-              <a:rPr lang="en-US" dirty="0" err="1" smtClean="0"/>
-              <a:t>V_np</a:t>
-            </a:r>
-            <a:r>
-              <a:rPr lang="en-US" dirty="0" smtClean="0"/>
-              <a:t>  : T=1, </a:t>
-            </a:r>
-            <a:r>
-              <a:rPr lang="en-US" dirty="0" err="1" smtClean="0"/>
-              <a:t>T_z</a:t>
-            </a:r>
-            <a:r>
-              <a:rPr lang="en-US" dirty="0" smtClean="0"/>
-              <a:t>=0  if L+S=even </a:t>
-            </a:r>
-          </a:p>
-          <a:p>
-            <a:pPr marL="342900" indent="-342900">
-              <a:buFont typeface="Arial" panose="020B0604020202020204" pitchFamily="34" charset="0"/>
-              <a:buChar char="•"/>
-            </a:pPr>
-            <a:r>
-              <a:rPr lang="en-US" dirty="0"/>
-              <a:t> </a:t>
-            </a:r>
-            <a:r>
-              <a:rPr lang="en-US" dirty="0" smtClean="0"/>
-              <a:t>             T=0, </a:t>
-            </a:r>
-            <a:r>
-              <a:rPr lang="en-US" dirty="0" err="1" smtClean="0"/>
-              <a:t>T_z</a:t>
-            </a:r>
-            <a:r>
-              <a:rPr lang="en-US" dirty="0" smtClean="0"/>
-              <a:t>=0 if  L+S=odd </a:t>
+              <a:t>(2) relativistic Dirac BHF </a:t>
+            </a:r>
+          </a:p>
+        </p:txBody>
+      </p:sp>
+      <p:pic>
+        <p:nvPicPr>
+          <p:cNvPr id="5" name="그림 4"/>
+          <p:cNvPicPr>
+            <a:picLocks noChangeAspect="1"/>
+          </p:cNvPicPr>
+          <p:nvPr/>
+        </p:nvPicPr>
+        <p:blipFill>
+          <a:blip r:embed="rId3"/>
+          <a:stretch>
+            <a:fillRect/>
+          </a:stretch>
+        </p:blipFill>
+        <p:spPr>
+          <a:xfrm>
+            <a:off x="5137728" y="3417712"/>
+            <a:ext cx="2793415" cy="2574200"/>
+          </a:xfrm>
+          <a:prstGeom prst="rect">
+            <a:avLst/>
+          </a:prstGeom>
+        </p:spPr>
+      </p:pic>
+      <p:sp>
+        <p:nvSpPr>
+          <p:cNvPr id="6" name="TextBox 5"/>
+          <p:cNvSpPr txBox="1"/>
+          <p:nvPr/>
+        </p:nvSpPr>
+        <p:spPr>
+          <a:xfrm>
+            <a:off x="323272" y="6215062"/>
+            <a:ext cx="5000087" cy="430887"/>
+          </a:xfrm>
+          <a:prstGeom prst="rect">
+            <a:avLst/>
+          </a:prstGeom>
+          <a:noFill/>
+        </p:spPr>
+        <p:txBody>
+          <a:bodyPr wrap="none" rtlCol="0">
+            <a:spAutoFit/>
+          </a:bodyPr>
+          <a:lstStyle/>
+          <a:p>
+            <a:r>
+              <a:rPr lang="en-US" sz="1100" dirty="0"/>
+              <a:t>Figures from </a:t>
+            </a:r>
+          </a:p>
+          <a:p>
+            <a:r>
+              <a:rPr lang="en-US" sz="1100" dirty="0"/>
+              <a:t>S. Shen et al., Progress in Particle and Nuclear Physics, 109, (2019), 103713</a:t>
             </a:r>
           </a:p>
         </p:txBody>
@@ -11431,7 +11273,7 @@
     </p:spTree>
     <p:extLst>
       <p:ext uri="{BB962C8B-B14F-4D97-AF65-F5344CB8AC3E}">
-        <p14:creationId xmlns:p14="http://schemas.microsoft.com/office/powerpoint/2010/main" val="812990647"/>
+        <p14:creationId xmlns:p14="http://schemas.microsoft.com/office/powerpoint/2010/main" val="525840089"/>
       </p:ext>
     </p:extLst>
   </p:cSld>
@@ -11470,29 +11312,26 @@
         </p:nvSpPr>
         <p:spPr/>
         <p:txBody>
-          <a:bodyPr>
-            <a:normAutofit fontScale="90000"/>
-          </a:bodyPr>
+          <a:bodyPr/>
           <a:lstStyle/>
           <a:p>
             <a:r>
-              <a:rPr lang="en-US" dirty="0" smtClean="0"/>
-              <a:t>How to use charge dependent interaction?</a:t>
-            </a:r>
-            <a:endParaRPr lang="en-US" dirty="0"/>
-          </a:p>
-        </p:txBody>
-      </p:sp>
-      <p:sp>
-        <p:nvSpPr>
-          <p:cNvPr id="3" name="TextBox 2"/>
+              <a:rPr lang="en-US" dirty="0"/>
+              <a:t>Plan </a:t>
+            </a:r>
+          </a:p>
+        </p:txBody>
+      </p:sp>
+      <p:sp>
+        <p:nvSpPr>
+          <p:cNvPr id="4" name="TextBox 3"/>
           <p:cNvSpPr txBox="1"/>
           <p:nvPr/>
         </p:nvSpPr>
         <p:spPr>
           <a:xfrm>
-            <a:off x="650082" y="1592263"/>
-            <a:ext cx="8532812" cy="2412968"/>
+            <a:off x="668337" y="1699491"/>
+            <a:ext cx="8087735" cy="1542730"/>
           </a:xfrm>
           <a:prstGeom prst="rect">
             <a:avLst/>
@@ -11505,37 +11344,13 @@
           </a:bodyPr>
           <a:lstStyle/>
           <a:p>
-            <a:r>
-              <a:rPr lang="en-US" dirty="0" smtClean="0"/>
-              <a:t>Then </a:t>
-            </a:r>
-            <a:r>
-              <a:rPr lang="en-US" dirty="0"/>
-              <a:t>for BHF?</a:t>
-            </a:r>
-          </a:p>
-          <a:p>
             <a:pPr marL="342900" indent="-342900">
               <a:buFont typeface="Arial" panose="020B0604020202020204" pitchFamily="34" charset="0"/>
               <a:buChar char="•"/>
             </a:pPr>
             <a:r>
-              <a:rPr lang="en-US" dirty="0">
-                <a:sym typeface="Wingdings" panose="05000000000000000000" pitchFamily="2" charset="2"/>
-              </a:rPr>
-              <a:t>g-matrix can have </a:t>
-            </a:r>
-            <a:r>
-              <a:rPr lang="en-US" dirty="0" err="1">
-                <a:sym typeface="Wingdings" panose="05000000000000000000" pitchFamily="2" charset="2"/>
-              </a:rPr>
-              <a:t>T,T_z</a:t>
-            </a:r>
-            <a:r>
-              <a:rPr lang="en-US" dirty="0">
-                <a:sym typeface="Wingdings" panose="05000000000000000000" pitchFamily="2" charset="2"/>
-              </a:rPr>
-              <a:t> dependence. </a:t>
+              <a:rPr lang="en-US" dirty="0"/>
+              <a:t>Include 3NF in chiral EFT </a:t>
             </a:r>
           </a:p>
           <a:p>
@@ -11544,46 +11359,8 @@
               <a:buChar char="•"/>
             </a:pPr>
             <a:r>
-              <a:rPr lang="en-US" dirty="0">
-                <a:sym typeface="Wingdings" panose="05000000000000000000" pitchFamily="2" charset="2"/>
-              </a:rPr>
-              <a:t>    g^{J,ST}_{L’,L}(</a:t>
-            </a:r>
-            <a:r>
-              <a:rPr lang="en-US" dirty="0" err="1">
-                <a:sym typeface="Wingdings" panose="05000000000000000000" pitchFamily="2" charset="2"/>
-              </a:rPr>
-              <a:t>p’,p</a:t>
-            </a:r>
-            <a:r>
-              <a:rPr lang="en-US" dirty="0">
-                <a:sym typeface="Wingdings" panose="05000000000000000000" pitchFamily="2" charset="2"/>
-              </a:rPr>
-              <a:t>; E, K)  g^{</a:t>
-            </a:r>
-            <a:r>
-              <a:rPr lang="en-US" dirty="0" err="1">
-                <a:sym typeface="Wingdings" panose="05000000000000000000" pitchFamily="2" charset="2"/>
-              </a:rPr>
-              <a:t>L,ST,Tz</a:t>
-            </a:r>
-            <a:r>
-              <a:rPr lang="en-US" dirty="0">
-                <a:sym typeface="Wingdings" panose="05000000000000000000" pitchFamily="2" charset="2"/>
-              </a:rPr>
-              <a:t>}_{L’,L}(</a:t>
-            </a:r>
-            <a:r>
-              <a:rPr lang="en-US" dirty="0" err="1">
-                <a:sym typeface="Wingdings" panose="05000000000000000000" pitchFamily="2" charset="2"/>
-              </a:rPr>
-              <a:t>p’,p</a:t>
-            </a:r>
-            <a:r>
-              <a:rPr lang="en-US" dirty="0">
-                <a:sym typeface="Wingdings" panose="05000000000000000000" pitchFamily="2" charset="2"/>
-              </a:rPr>
-              <a:t>; E, K)</a:t>
+              <a:rPr lang="en-US" dirty="0"/>
+              <a:t>Compute optical potential by folding the g-matrix or self energy U(p)</a:t>
             </a:r>
           </a:p>
           <a:p>
@@ -11592,62 +11369,45 @@
               <a:buChar char="•"/>
             </a:pPr>
             <a:r>
-              <a:rPr lang="en-US" dirty="0"/>
-              <a:t>Mean potential U can be different for proton and neutron </a:t>
-            </a:r>
-          </a:p>
-          <a:p>
-            <a:pPr marL="342900" indent="-342900">
+              <a:rPr lang="en-US" dirty="0">
+                <a:sym typeface="Wingdings" panose="05000000000000000000" pitchFamily="2" charset="2"/>
+              </a:rPr>
+              <a:t> In fact, similar work already exists. </a:t>
+            </a:r>
+          </a:p>
+          <a:p>
+            <a:pPr marL="821819" lvl="1" indent="-342900">
               <a:buFont typeface="Arial" panose="020B0604020202020204" pitchFamily="34" charset="0"/>
               <a:buChar char="•"/>
             </a:pPr>
             <a:r>
-              <a:rPr lang="en-US" dirty="0" smtClean="0"/>
-              <a:t>Fermi </a:t>
+              <a:rPr lang="en-US" dirty="0">
+                <a:sym typeface="Wingdings" panose="05000000000000000000" pitchFamily="2" charset="2"/>
+              </a:rPr>
+              <a:t>Masakazu </a:t>
+            </a:r>
+            <a:r>
+              <a:rPr lang="en-US" dirty="0" err="1">
+                <a:sym typeface="Wingdings" panose="05000000000000000000" pitchFamily="2" charset="2"/>
+              </a:rPr>
+              <a:t>Toyokawa</a:t>
+            </a:r>
+            <a:r>
+              <a:rPr lang="en-US" dirty="0">
+                <a:sym typeface="Wingdings" panose="05000000000000000000" pitchFamily="2" charset="2"/>
+              </a:rPr>
+              <a:t> et al, Progress of Theoretical and experimental physics, (2018) 023D03</a:t>
             </a:r>
             <a:r>
               <a:rPr lang="en-US" dirty="0"/>
-              <a:t>energy can be different for proton and neutron </a:t>
-            </a:r>
-          </a:p>
-          <a:p>
-            <a:pPr marL="342900" indent="-342900">
-              <a:buFont typeface="Arial" panose="020B0604020202020204" pitchFamily="34" charset="0"/>
-              <a:buChar char="•"/>
-            </a:pPr>
-            <a:r>
-              <a:rPr lang="en-US" dirty="0"/>
-              <a:t>Fully consistent treatment of charge dependence in g-matrix is too complicate! ( Assumptions used for simplification may not hold.) </a:t>
-            </a:r>
-            <a:endParaRPr lang="en-US" dirty="0" smtClean="0"/>
-          </a:p>
-          <a:p>
-            <a:pPr marL="342900" indent="-342900">
-              <a:buFont typeface="Arial" panose="020B0604020202020204" pitchFamily="34" charset="0"/>
-              <a:buChar char="•"/>
-            </a:pPr>
-            <a:r>
-              <a:rPr lang="en-US" dirty="0" smtClean="0"/>
-              <a:t>Will it impact on </a:t>
-            </a:r>
-            <a:r>
-              <a:rPr lang="en-US" dirty="0" smtClean="0">
-                <a:solidFill>
-                  <a:srgbClr val="FF0000"/>
-                </a:solidFill>
-              </a:rPr>
-              <a:t>Symmetry energy</a:t>
-            </a:r>
-            <a:r>
-              <a:rPr lang="en-US" dirty="0" smtClean="0"/>
-              <a:t>?  </a:t>
+              <a:t> </a:t>
             </a:r>
           </a:p>
         </p:txBody>
       </p:sp>
       <p:pic>
         <p:nvPicPr>
-          <p:cNvPr id="4" name="그림 3"/>
+          <p:cNvPr id="7" name="그림 6"/>
           <p:cNvPicPr>
             <a:picLocks noChangeAspect="1"/>
           </p:cNvPicPr>
@@ -11661,42 +11421,87 @@
         </p:blipFill>
         <p:spPr>
           <a:xfrm>
-            <a:off x="1222520" y="5300663"/>
-            <a:ext cx="5912563" cy="1176724"/>
+            <a:off x="512041" y="3431711"/>
+            <a:ext cx="5363323" cy="3296110"/>
           </a:xfrm>
           <a:prstGeom prst="rect">
             <a:avLst/>
           </a:prstGeom>
         </p:spPr>
       </p:pic>
-      <p:pic>
-        <p:nvPicPr>
-          <p:cNvPr id="5" name="그림 4"/>
-          <p:cNvPicPr>
-            <a:picLocks noChangeAspect="1"/>
-          </p:cNvPicPr>
+      <p:sp>
+        <p:nvSpPr>
+          <p:cNvPr id="8" name="TextBox 7"/>
+          <p:cNvSpPr txBox="1"/>
           <p:nvPr/>
-        </p:nvPicPr>
-        <p:blipFill>
-          <a:blip r:embed="rId3"/>
-          <a:stretch>
-            <a:fillRect/>
-          </a:stretch>
-        </p:blipFill>
-        <p:spPr>
-          <a:xfrm>
-            <a:off x="762713" y="4171387"/>
-            <a:ext cx="7670529" cy="927086"/>
+        </p:nvSpPr>
+        <p:spPr>
+          <a:xfrm>
+            <a:off x="5973329" y="5496936"/>
+            <a:ext cx="1939377" cy="1015663"/>
           </a:xfrm>
           <a:prstGeom prst="rect">
             <a:avLst/>
           </a:prstGeom>
-        </p:spPr>
-      </p:pic>
+          <a:noFill/>
+        </p:spPr>
+        <p:txBody>
+          <a:bodyPr wrap="none" rtlCol="0">
+            <a:spAutoFit/>
+          </a:bodyPr>
+          <a:lstStyle/>
+          <a:p>
+            <a:r>
+              <a:rPr lang="en-US" sz="1200" dirty="0"/>
+              <a:t>Figure from</a:t>
+            </a:r>
+          </a:p>
+          <a:p>
+            <a:r>
+              <a:rPr lang="en-US" sz="1200" dirty="0"/>
+              <a:t>The Reference  </a:t>
+            </a:r>
+          </a:p>
+          <a:p>
+            <a:r>
+              <a:rPr lang="en-US" sz="1200" dirty="0">
+                <a:sym typeface="Wingdings" panose="05000000000000000000" pitchFamily="2" charset="2"/>
+              </a:rPr>
+              <a:t>Masakazu </a:t>
+            </a:r>
+            <a:r>
+              <a:rPr lang="en-US" sz="1200" dirty="0" err="1">
+                <a:sym typeface="Wingdings" panose="05000000000000000000" pitchFamily="2" charset="2"/>
+              </a:rPr>
+              <a:t>Toyokawa</a:t>
+            </a:r>
+            <a:r>
+              <a:rPr lang="en-US" sz="1200" dirty="0">
+                <a:sym typeface="Wingdings" panose="05000000000000000000" pitchFamily="2" charset="2"/>
+              </a:rPr>
+              <a:t> et al</a:t>
+            </a:r>
+          </a:p>
+          <a:p>
+            <a:endParaRPr lang="en-US" sz="1200" dirty="0">
+              <a:sym typeface="Wingdings" panose="05000000000000000000" pitchFamily="2" charset="2"/>
+            </a:endParaRPr>
+          </a:p>
+          <a:p>
+            <a:r>
+              <a:rPr lang="en-US" sz="1200" dirty="0">
+                <a:sym typeface="Wingdings" panose="05000000000000000000" pitchFamily="2" charset="2"/>
+              </a:rPr>
+              <a:t>4He scattering on 208Pb.</a:t>
+            </a:r>
+            <a:endParaRPr lang="en-US" sz="1200" dirty="0"/>
+          </a:p>
+        </p:txBody>
+      </p:sp>
     </p:spTree>
     <p:extLst>
       <p:ext uri="{BB962C8B-B14F-4D97-AF65-F5344CB8AC3E}">
-        <p14:creationId xmlns:p14="http://schemas.microsoft.com/office/powerpoint/2010/main" val="550878342"/>
+        <p14:creationId xmlns:p14="http://schemas.microsoft.com/office/powerpoint/2010/main" val="1101982429"/>
       </p:ext>
     </p:extLst>
   </p:cSld>
@@ -11741,10 +11546,9 @@
           <a:lstStyle/>
           <a:p>
             <a:r>
-              <a:rPr lang="en-US" dirty="0" smtClean="0"/>
-              <a:t>How to get Optical potential for Nucleus-Nucleus scattering?</a:t>
-            </a:r>
-            <a:endParaRPr lang="en-US" dirty="0"/>
+              <a:rPr lang="en-US" dirty="0"/>
+              <a:t>How to use charge dependent interaction?</a:t>
+            </a:r>
           </a:p>
         </p:txBody>
       </p:sp>
@@ -11757,7 +11561,7 @@
         <p:spPr>
           <a:xfrm>
             <a:off x="650082" y="1592263"/>
-            <a:ext cx="8532812" cy="3863365"/>
+            <a:ext cx="8532812" cy="2993127"/>
           </a:xfrm>
           <a:prstGeom prst="rect">
             <a:avLst/>
@@ -11770,25 +11574,19 @@
           </a:bodyPr>
           <a:lstStyle/>
           <a:p>
+            <a:r>
+              <a:rPr lang="en-US" dirty="0"/>
+              <a:t>Some interactions are charge dependent (isospin symmetry is broken)</a:t>
+            </a:r>
+          </a:p>
+          <a:p>
             <a:pPr marL="342900" indent="-342900">
               <a:buFont typeface="Arial" panose="020B0604020202020204" pitchFamily="34" charset="0"/>
               <a:buChar char="•"/>
             </a:pPr>
             <a:r>
-              <a:rPr lang="en-US" dirty="0" smtClean="0"/>
-              <a:t>Mean potential U(p) can be considered as a </a:t>
-            </a:r>
-            <a:r>
-              <a:rPr lang="en-US" dirty="0" smtClean="0">
-                <a:solidFill>
-                  <a:srgbClr val="FF0000"/>
-                </a:solidFill>
-              </a:rPr>
-              <a:t>optical potential </a:t>
-            </a:r>
-            <a:r>
-              <a:rPr lang="en-US" dirty="0" smtClean="0"/>
-              <a:t>for a nucleon in a nuclear matter. </a:t>
+              <a:rPr lang="en-US" dirty="0"/>
+              <a:t>Nucleon mass difference in proton and neutron</a:t>
             </a:r>
           </a:p>
           <a:p>
@@ -11797,20 +11595,16 @@
               <a:buChar char="•"/>
             </a:pPr>
             <a:r>
-              <a:rPr lang="en-US" dirty="0" smtClean="0"/>
-              <a:t>G-matrix can be considered as an </a:t>
-            </a:r>
-            <a:r>
-              <a:rPr lang="en-US" dirty="0" smtClean="0">
-                <a:solidFill>
-                  <a:srgbClr val="FF0000"/>
-                </a:solidFill>
-              </a:rPr>
-              <a:t>effective interaction </a:t>
-            </a:r>
-            <a:r>
-              <a:rPr lang="en-US" dirty="0" smtClean="0"/>
-              <a:t>between two nucleons in a nuclear matter.</a:t>
+              <a:rPr lang="en-US" dirty="0"/>
+              <a:t>Interactions are different between </a:t>
+            </a:r>
+            <a:r>
+              <a:rPr lang="en-US" dirty="0" err="1"/>
+              <a:t>pp,np,nn</a:t>
+            </a:r>
+            <a:r>
+              <a:rPr lang="en-US" dirty="0"/>
+              <a:t> </a:t>
             </a:r>
           </a:p>
           <a:p>
@@ -11819,20 +11613,16 @@
               <a:buChar char="•"/>
             </a:pPr>
             <a:r>
-              <a:rPr lang="en-US" dirty="0" smtClean="0"/>
-              <a:t>U(p) and G-matrix provides </a:t>
-            </a:r>
-            <a:r>
-              <a:rPr lang="en-US" dirty="0" smtClean="0">
-                <a:solidFill>
-                  <a:srgbClr val="FF0000"/>
-                </a:solidFill>
-              </a:rPr>
-              <a:t>imaginary parts</a:t>
-            </a:r>
-            <a:r>
-              <a:rPr lang="en-US" dirty="0" smtClean="0"/>
-              <a:t> (as like optical model). </a:t>
+              <a:rPr lang="en-US" dirty="0"/>
+              <a:t>AV18, </a:t>
+            </a:r>
+            <a:r>
+              <a:rPr lang="en-US" dirty="0" err="1"/>
+              <a:t>CDBonn</a:t>
+            </a:r>
+            <a:r>
+              <a:rPr lang="en-US" dirty="0"/>
+              <a:t>, Chiral EFT </a:t>
             </a:r>
           </a:p>
           <a:p>
@@ -11840,10 +11630,7 @@
               <a:buFont typeface="Arial" panose="020B0604020202020204" pitchFamily="34" charset="0"/>
               <a:buChar char="•"/>
             </a:pPr>
-            <a:r>
-              <a:rPr lang="en-US" dirty="0" smtClean="0"/>
-              <a:t>One may use single folding or double folding on Nuclear density to get optical potential for nucleon-Nucleus or Nucleus-Nucleus scattering. </a:t>
-            </a:r>
+            <a:endParaRPr lang="en-US" dirty="0"/>
           </a:p>
           <a:p>
             <a:pPr marL="342900" indent="-342900">
@@ -11851,32 +11638,16 @@
               <a:buChar char="•"/>
             </a:pPr>
             <a:r>
-              <a:rPr lang="en-US" dirty="0" smtClean="0"/>
-              <a:t>Approximate the interaction among nucleons with </a:t>
-            </a:r>
-            <a:r>
-              <a:rPr lang="en-US" dirty="0" smtClean="0">
-                <a:solidFill>
-                  <a:srgbClr val="FF0000"/>
-                </a:solidFill>
-              </a:rPr>
-              <a:t>equivalent</a:t>
-            </a:r>
-            <a:r>
-              <a:rPr lang="en-US" dirty="0" smtClean="0"/>
-              <a:t> g-matrix in nuclear matter. (</a:t>
-            </a:r>
-            <a:r>
-              <a:rPr lang="en-US" dirty="0" smtClean="0">
-                <a:solidFill>
-                  <a:srgbClr val="FF0000"/>
-                </a:solidFill>
-              </a:rPr>
-              <a:t>How to define equivalent?</a:t>
-            </a:r>
-            <a:r>
-              <a:rPr lang="en-US" dirty="0" smtClean="0"/>
-              <a:t>) </a:t>
+              <a:rPr lang="en-US" dirty="0"/>
+              <a:t>&lt; p’, L’ |V(</a:t>
+            </a:r>
+            <a:r>
+              <a:rPr lang="en-US" dirty="0" err="1"/>
+              <a:t>S,T,T_z,J</a:t>
+            </a:r>
+            <a:r>
+              <a:rPr lang="en-US" dirty="0"/>
+              <a:t>)| p, L&gt;  </a:t>
             </a:r>
           </a:p>
           <a:p>
@@ -11885,97 +11656,102 @@
               <a:buChar char="•"/>
             </a:pPr>
             <a:r>
-              <a:rPr lang="en-US" dirty="0" smtClean="0"/>
-              <a:t>Usual double-folding is done for local potential in position space. </a:t>
-            </a:r>
-          </a:p>
-          <a:p>
-            <a:r>
-              <a:rPr lang="en-US" dirty="0" smtClean="0"/>
-              <a:t>    (How to convert </a:t>
-            </a:r>
-          </a:p>
-          <a:p>
-            <a:r>
               <a:rPr lang="en-US" dirty="0"/>
               <a:t> </a:t>
             </a:r>
             <a:r>
-              <a:rPr lang="en-US" dirty="0" smtClean="0"/>
-              <a:t>    g^{LSJT </a:t>
-            </a:r>
-            <a:r>
-              <a:rPr lang="en-US" dirty="0" err="1" smtClean="0"/>
+              <a:rPr lang="en-US" dirty="0" err="1"/>
+              <a:t>V_pp</a:t>
+            </a:r>
+            <a:r>
+              <a:rPr lang="en-US" dirty="0"/>
+              <a:t>  : T=1, </a:t>
+            </a:r>
+            <a:r>
+              <a:rPr lang="en-US" dirty="0" err="1"/>
               <a:t>T_z</a:t>
             </a:r>
             <a:r>
-              <a:rPr lang="en-US" dirty="0" smtClean="0"/>
-              <a:t>}_{L’L}(</a:t>
-            </a:r>
-            <a:r>
-              <a:rPr lang="en-US" dirty="0" err="1" smtClean="0"/>
-              <a:t>p’,p</a:t>
-            </a:r>
-            <a:r>
-              <a:rPr lang="en-US" dirty="0" smtClean="0"/>
-              <a:t>; p0, k0, </a:t>
-            </a:r>
-            <a:r>
-              <a:rPr lang="en-US" dirty="0" err="1" smtClean="0"/>
-              <a:t>k_F</a:t>
-            </a:r>
-            <a:r>
-              <a:rPr lang="en-US" dirty="0" smtClean="0"/>
-              <a:t>)  &lt;-&gt;</a:t>
-            </a:r>
-            <a:r>
-              <a:rPr lang="en-US" dirty="0" smtClean="0">
-                <a:sym typeface="Wingdings" panose="05000000000000000000" pitchFamily="2" charset="2"/>
-              </a:rPr>
-              <a:t>  v( r ; omega , </a:t>
-            </a:r>
-            <a:r>
-              <a:rPr lang="en-US" dirty="0" err="1" smtClean="0">
-                <a:sym typeface="Wingdings" panose="05000000000000000000" pitchFamily="2" charset="2"/>
-              </a:rPr>
-              <a:t>k_F</a:t>
-            </a:r>
-            <a:r>
-              <a:rPr lang="en-US" dirty="0" smtClean="0">
-                <a:sym typeface="Wingdings" panose="05000000000000000000" pitchFamily="2" charset="2"/>
-              </a:rPr>
-              <a:t>) ? </a:t>
-            </a:r>
-            <a:r>
-              <a:rPr lang="en-US" dirty="0" smtClean="0"/>
-              <a:t>  </a:t>
-            </a:r>
-          </a:p>
-          <a:p>
+              <a:rPr lang="en-US" dirty="0"/>
+              <a:t>=1</a:t>
+            </a:r>
+          </a:p>
+          <a:p>
+            <a:pPr marL="342900" indent="-342900">
+              <a:buFont typeface="Arial" panose="020B0604020202020204" pitchFamily="34" charset="0"/>
+              <a:buChar char="•"/>
+            </a:pPr>
             <a:r>
               <a:rPr lang="en-US" dirty="0"/>
               <a:t> </a:t>
             </a:r>
             <a:r>
-              <a:rPr lang="en-US" dirty="0" smtClean="0"/>
-              <a:t>    what about </a:t>
-            </a:r>
-            <a:r>
-              <a:rPr lang="en-US" dirty="0" err="1" smtClean="0"/>
+              <a:rPr lang="en-US" dirty="0" err="1"/>
+              <a:t>V_nn</a:t>
+            </a:r>
+            <a:r>
+              <a:rPr lang="en-US" dirty="0"/>
+              <a:t>  : T=1, </a:t>
+            </a:r>
+            <a:r>
+              <a:rPr lang="en-US" dirty="0" err="1"/>
               <a:t>T_z</a:t>
             </a:r>
             <a:r>
-              <a:rPr lang="en-US" dirty="0" smtClean="0"/>
-              <a:t> dependence? )</a:t>
-            </a:r>
-            <a:endParaRPr lang="en-US" dirty="0"/>
+              <a:rPr lang="en-US" dirty="0"/>
+              <a:t>= -1</a:t>
+            </a:r>
+          </a:p>
+          <a:p>
+            <a:pPr marL="342900" indent="-342900">
+              <a:buFont typeface="Arial" panose="020B0604020202020204" pitchFamily="34" charset="0"/>
+              <a:buChar char="•"/>
+            </a:pPr>
+            <a:r>
+              <a:rPr lang="en-US" dirty="0"/>
+              <a:t> </a:t>
+            </a:r>
+            <a:r>
+              <a:rPr lang="en-US" dirty="0" err="1"/>
+              <a:t>V_np</a:t>
+            </a:r>
+            <a:r>
+              <a:rPr lang="en-US" dirty="0"/>
+              <a:t>  : T=1, </a:t>
+            </a:r>
+            <a:r>
+              <a:rPr lang="en-US" dirty="0" err="1"/>
+              <a:t>T_z</a:t>
+            </a:r>
+            <a:r>
+              <a:rPr lang="en-US" dirty="0"/>
+              <a:t>=0  if L+S=even </a:t>
+            </a:r>
+          </a:p>
+          <a:p>
+            <a:pPr marL="342900" indent="-342900">
+              <a:buFont typeface="Arial" panose="020B0604020202020204" pitchFamily="34" charset="0"/>
+              <a:buChar char="•"/>
+            </a:pPr>
+            <a:r>
+              <a:rPr lang="en-US" dirty="0"/>
+              <a:t>              T=0, </a:t>
+            </a:r>
+            <a:r>
+              <a:rPr lang="en-US" dirty="0" err="1"/>
+              <a:t>T_z</a:t>
+            </a:r>
+            <a:r>
+              <a:rPr lang="en-US" dirty="0"/>
+              <a:t>=0 if  L+S=odd </a:t>
+            </a:r>
           </a:p>
         </p:txBody>
       </p:sp>
     </p:spTree>
     <p:extLst>
       <p:ext uri="{BB962C8B-B14F-4D97-AF65-F5344CB8AC3E}">
-        <p14:creationId xmlns:p14="http://schemas.microsoft.com/office/powerpoint/2010/main" val="85433276"/>
+        <p14:creationId xmlns:p14="http://schemas.microsoft.com/office/powerpoint/2010/main" val="812990647"/>
       </p:ext>
     </p:extLst>
   </p:cSld>
@@ -12020,10 +11796,9 @@
           <a:lstStyle/>
           <a:p>
             <a:r>
-              <a:rPr lang="en-US" dirty="0" smtClean="0"/>
-              <a:t>How to get Optical potential for Nucleus-Nucleus scattering?</a:t>
-            </a:r>
-            <a:endParaRPr lang="en-US" dirty="0"/>
+              <a:rPr lang="en-US" dirty="0"/>
+              <a:t>How to use charge dependent interaction?</a:t>
+            </a:r>
           </a:p>
         </p:txBody>
       </p:sp>
@@ -12036,7 +11811,7 @@
         <p:spPr>
           <a:xfrm>
             <a:off x="650082" y="1592263"/>
-            <a:ext cx="8532812" cy="3863365"/>
+            <a:ext cx="8532812" cy="2412968"/>
           </a:xfrm>
           <a:prstGeom prst="rect">
             <a:avLst/>
@@ -12049,29 +11824,33 @@
           </a:bodyPr>
           <a:lstStyle/>
           <a:p>
+            <a:r>
+              <a:rPr lang="en-US" dirty="0"/>
+              <a:t>Then for BHF?</a:t>
+            </a:r>
+          </a:p>
+          <a:p>
             <a:pPr marL="342900" indent="-342900">
               <a:buFont typeface="Arial" panose="020B0604020202020204" pitchFamily="34" charset="0"/>
               <a:buChar char="•"/>
             </a:pPr>
             <a:r>
-              <a:rPr lang="en-US" dirty="0" smtClean="0"/>
-              <a:t>In nuclear matter, (p0,k0,k_F) &lt;-&gt; (omega, </a:t>
-            </a:r>
-            <a:r>
-              <a:rPr lang="en-US" dirty="0" err="1" smtClean="0"/>
-              <a:t>Kav</a:t>
-            </a:r>
-            <a:r>
-              <a:rPr lang="en-US" dirty="0" smtClean="0"/>
-              <a:t>, </a:t>
-            </a:r>
-            <a:r>
-              <a:rPr lang="en-US" dirty="0" err="1" smtClean="0"/>
-              <a:t>k_F</a:t>
-            </a:r>
-            <a:r>
-              <a:rPr lang="en-US" dirty="0" smtClean="0"/>
-              <a:t>)</a:t>
+              <a:rPr lang="en-US" dirty="0">
+                <a:sym typeface="Wingdings" panose="05000000000000000000" pitchFamily="2" charset="2"/>
+              </a:rPr>
+              <a:t>g-matrix can have </a:t>
+            </a:r>
+            <a:r>
+              <a:rPr lang="en-US" dirty="0" err="1">
+                <a:sym typeface="Wingdings" panose="05000000000000000000" pitchFamily="2" charset="2"/>
+              </a:rPr>
+              <a:t>T,T_z</a:t>
+            </a:r>
+            <a:r>
+              <a:rPr lang="en-US" dirty="0">
+                <a:sym typeface="Wingdings" panose="05000000000000000000" pitchFamily="2" charset="2"/>
+              </a:rPr>
+              <a:t> dependence. </a:t>
             </a:r>
           </a:p>
           <a:p>
@@ -12079,7 +11858,48 @@
               <a:buFont typeface="Arial" panose="020B0604020202020204" pitchFamily="34" charset="0"/>
               <a:buChar char="•"/>
             </a:pPr>
-            <a:endParaRPr lang="en-US" dirty="0" smtClean="0"/>
+            <a:r>
+              <a:rPr lang="en-US" dirty="0">
+                <a:sym typeface="Wingdings" panose="05000000000000000000" pitchFamily="2" charset="2"/>
+              </a:rPr>
+              <a:t>    g^{J,ST}_{L’,L}(</a:t>
+            </a:r>
+            <a:r>
+              <a:rPr lang="en-US" dirty="0" err="1">
+                <a:sym typeface="Wingdings" panose="05000000000000000000" pitchFamily="2" charset="2"/>
+              </a:rPr>
+              <a:t>p’,p</a:t>
+            </a:r>
+            <a:r>
+              <a:rPr lang="en-US" dirty="0">
+                <a:sym typeface="Wingdings" panose="05000000000000000000" pitchFamily="2" charset="2"/>
+              </a:rPr>
+              <a:t>; E, K)  g^{</a:t>
+            </a:r>
+            <a:r>
+              <a:rPr lang="en-US" dirty="0" err="1">
+                <a:sym typeface="Wingdings" panose="05000000000000000000" pitchFamily="2" charset="2"/>
+              </a:rPr>
+              <a:t>L,ST,Tz</a:t>
+            </a:r>
+            <a:r>
+              <a:rPr lang="en-US" dirty="0">
+                <a:sym typeface="Wingdings" panose="05000000000000000000" pitchFamily="2" charset="2"/>
+              </a:rPr>
+              <a:t>}_{L’,L}(</a:t>
+            </a:r>
+            <a:r>
+              <a:rPr lang="en-US" dirty="0" err="1">
+                <a:sym typeface="Wingdings" panose="05000000000000000000" pitchFamily="2" charset="2"/>
+              </a:rPr>
+              <a:t>p’,p</a:t>
+            </a:r>
+            <a:r>
+              <a:rPr lang="en-US" dirty="0">
+                <a:sym typeface="Wingdings" panose="05000000000000000000" pitchFamily="2" charset="2"/>
+              </a:rPr>
+              <a:t>; E, K)</a:t>
+            </a:r>
           </a:p>
           <a:p>
             <a:pPr marL="342900" indent="-342900">
@@ -12087,32 +11907,8 @@
               <a:buChar char="•"/>
             </a:pPr>
             <a:r>
-              <a:rPr lang="en-US" dirty="0" smtClean="0"/>
-              <a:t>g^{LSJT </a:t>
-            </a:r>
-            <a:r>
-              <a:rPr lang="en-US" dirty="0" err="1" smtClean="0"/>
-              <a:t>T_z</a:t>
-            </a:r>
-            <a:r>
-              <a:rPr lang="en-US" dirty="0" smtClean="0"/>
-              <a:t>}_{L’L}(</a:t>
-            </a:r>
-            <a:r>
-              <a:rPr lang="en-US" dirty="0" err="1" smtClean="0"/>
-              <a:t>p’,p</a:t>
-            </a:r>
-            <a:r>
-              <a:rPr lang="en-US" dirty="0" smtClean="0"/>
-              <a:t>; p0, k0, </a:t>
-            </a:r>
-            <a:r>
-              <a:rPr lang="en-US" dirty="0" err="1" smtClean="0"/>
-              <a:t>k_F</a:t>
-            </a:r>
-            <a:r>
-              <a:rPr lang="en-US" dirty="0" smtClean="0"/>
-              <a:t>)  </a:t>
+              <a:rPr lang="en-US" dirty="0"/>
+              <a:t>Mean potential U can be different for proton and neutron </a:t>
             </a:r>
           </a:p>
           <a:p>
@@ -12121,50 +11917,9 @@
               <a:buChar char="•"/>
             </a:pPr>
             <a:r>
-              <a:rPr lang="en-US" dirty="0" smtClean="0"/>
-              <a:t>= </a:t>
-            </a:r>
-            <a:r>
               <a:rPr lang="en-US" dirty="0"/>
-              <a:t>g^{LSJT </a:t>
-            </a:r>
-            <a:r>
-              <a:rPr lang="en-US" dirty="0" err="1"/>
-              <a:t>T_z</a:t>
-            </a:r>
-            <a:r>
-              <a:rPr lang="en-US" dirty="0"/>
-              <a:t>}_{L’L}(</a:t>
-            </a:r>
-            <a:r>
-              <a:rPr lang="en-US" dirty="0" err="1"/>
-              <a:t>p’,p</a:t>
-            </a:r>
-            <a:r>
-              <a:rPr lang="en-US" dirty="0"/>
-              <a:t>; </a:t>
-            </a:r>
-            <a:r>
-              <a:rPr lang="en-US" dirty="0" smtClean="0"/>
-              <a:t>omega, </a:t>
-            </a:r>
-            <a:r>
-              <a:rPr lang="en-US" dirty="0" err="1" smtClean="0"/>
-              <a:t>Kav</a:t>
-            </a:r>
-            <a:r>
-              <a:rPr lang="en-US" dirty="0" smtClean="0"/>
-              <a:t>, </a:t>
-            </a:r>
-            <a:r>
-              <a:rPr lang="en-US" dirty="0" err="1"/>
-              <a:t>k_F</a:t>
-            </a:r>
-            <a:r>
-              <a:rPr lang="en-US" dirty="0"/>
-              <a:t>) </a:t>
-            </a:r>
-            <a:endParaRPr lang="en-US" dirty="0" smtClean="0"/>
+              <a:t>Fermi energy can be different for proton and neutron </a:t>
+            </a:r>
           </a:p>
           <a:p>
             <a:pPr marL="342900" indent="-342900">
@@ -12172,8 +11927,8 @@
               <a:buChar char="•"/>
             </a:pPr>
             <a:r>
-              <a:rPr lang="en-US" dirty="0" smtClean="0"/>
-              <a:t>  with omega = 1/m(k0^2 + Kav^2)</a:t>
+              <a:rPr lang="en-US" dirty="0"/>
+              <a:t>Fully consistent treatment of charge dependence in g-matrix is too complicate! ( Assumptions used for simplification may not hold.) </a:t>
             </a:r>
           </a:p>
           <a:p>
@@ -12183,119 +11938,75 @@
             </a:pPr>
             <a:r>
               <a:rPr lang="en-US" dirty="0"/>
-              <a:t> </a:t>
-            </a:r>
-            <a:r>
-              <a:rPr lang="en-US" dirty="0" smtClean="0"/>
-              <a:t>         </a:t>
-            </a:r>
-            <a:r>
-              <a:rPr lang="en-US" dirty="0" err="1" smtClean="0"/>
-              <a:t>Kav</a:t>
-            </a:r>
-            <a:r>
-              <a:rPr lang="en-US" dirty="0" smtClean="0"/>
-              <a:t>= </a:t>
-            </a:r>
-            <a:r>
-              <a:rPr lang="en-US" dirty="0" err="1" smtClean="0"/>
-              <a:t>Kav</a:t>
-            </a:r>
-            <a:r>
-              <a:rPr lang="en-US" dirty="0" smtClean="0"/>
-              <a:t>(p0,k0,k_f) </a:t>
-            </a:r>
-            <a:endParaRPr lang="en-US" dirty="0"/>
-          </a:p>
-          <a:p>
-            <a:pPr marL="342900" indent="-342900">
-              <a:buFont typeface="Arial" panose="020B0604020202020204" pitchFamily="34" charset="0"/>
-              <a:buChar char="•"/>
-            </a:pPr>
-            <a:endParaRPr lang="en-US" dirty="0" smtClean="0"/>
-          </a:p>
-          <a:p>
-            <a:pPr marL="342900" indent="-342900">
-              <a:buFont typeface="Arial" panose="020B0604020202020204" pitchFamily="34" charset="0"/>
-              <a:buChar char="•"/>
-            </a:pPr>
-            <a:r>
-              <a:rPr lang="en-US" dirty="0" smtClean="0"/>
-              <a:t>In finite Nucleus-Nucleus,</a:t>
-            </a:r>
-          </a:p>
-          <a:p>
-            <a:pPr marL="342900" indent="-342900">
-              <a:buFont typeface="Arial" panose="020B0604020202020204" pitchFamily="34" charset="0"/>
-              <a:buChar char="•"/>
-            </a:pPr>
-            <a:endParaRPr lang="en-US" dirty="0"/>
-          </a:p>
-          <a:p>
-            <a:pPr marL="342900" indent="-342900">
-              <a:buFont typeface="Arial" panose="020B0604020202020204" pitchFamily="34" charset="0"/>
-              <a:buChar char="•"/>
-            </a:pPr>
-            <a:r>
-              <a:rPr lang="en-US" dirty="0" smtClean="0"/>
-              <a:t>V(r; </a:t>
-            </a:r>
-            <a:r>
-              <a:rPr lang="en-US" dirty="0" err="1" smtClean="0"/>
-              <a:t>Ein,rho</a:t>
-            </a:r>
-            <a:r>
-              <a:rPr lang="en-US" dirty="0" smtClean="0"/>
-              <a:t>) = sum_{op}  operator * (radial function with density, energy  dependence) </a:t>
-            </a:r>
-          </a:p>
-          <a:p>
-            <a:pPr marL="342900" indent="-342900">
-              <a:buFont typeface="Arial" panose="020B0604020202020204" pitchFamily="34" charset="0"/>
-              <a:buChar char="•"/>
-            </a:pPr>
-            <a:r>
-              <a:rPr lang="en-US" dirty="0" smtClean="0"/>
-              <a:t>needs </a:t>
-            </a:r>
-            <a:r>
-              <a:rPr lang="en-US" dirty="0" err="1" smtClean="0"/>
-              <a:t>T_z</a:t>
-            </a:r>
-            <a:r>
-              <a:rPr lang="en-US" dirty="0" smtClean="0"/>
-              <a:t> dependence in operator or radial function</a:t>
-            </a:r>
-            <a:r>
-              <a:rPr lang="en-US" dirty="0" smtClean="0"/>
-              <a:t>.</a:t>
-            </a:r>
-          </a:p>
-          <a:p>
-            <a:pPr marL="342900" indent="-342900">
-              <a:buFont typeface="Arial" panose="020B0604020202020204" pitchFamily="34" charset="0"/>
-              <a:buChar char="•"/>
-            </a:pPr>
-            <a:r>
-              <a:rPr lang="en-US" dirty="0" smtClean="0">
+              <a:t>Will it impact on </a:t>
+            </a:r>
+            <a:r>
+              <a:rPr lang="en-US" dirty="0">
                 <a:solidFill>
                   <a:srgbClr val="FF0000"/>
                 </a:solidFill>
               </a:rPr>
-              <a:t>How to match </a:t>
-            </a:r>
-            <a:r>
-              <a:rPr lang="en-US" dirty="0" smtClean="0"/>
-              <a:t>with g-matrix ?  </a:t>
-            </a:r>
-            <a:endParaRPr lang="en-US" dirty="0" smtClean="0"/>
-          </a:p>
-        </p:txBody>
-      </p:sp>
+              <a:t>Symmetry energy</a:t>
+            </a:r>
+            <a:r>
+              <a:rPr lang="en-US" dirty="0"/>
+              <a:t>?  </a:t>
+            </a:r>
+          </a:p>
+        </p:txBody>
+      </p:sp>
+      <p:pic>
+        <p:nvPicPr>
+          <p:cNvPr id="4" name="그림 3"/>
+          <p:cNvPicPr>
+            <a:picLocks noChangeAspect="1"/>
+          </p:cNvPicPr>
+          <p:nvPr/>
+        </p:nvPicPr>
+        <p:blipFill>
+          <a:blip r:embed="rId2"/>
+          <a:stretch>
+            <a:fillRect/>
+          </a:stretch>
+        </p:blipFill>
+        <p:spPr>
+          <a:xfrm>
+            <a:off x="1222520" y="5300663"/>
+            <a:ext cx="5912563" cy="1176724"/>
+          </a:xfrm>
+          <a:prstGeom prst="rect">
+            <a:avLst/>
+          </a:prstGeom>
+        </p:spPr>
+      </p:pic>
+      <p:pic>
+        <p:nvPicPr>
+          <p:cNvPr id="5" name="그림 4"/>
+          <p:cNvPicPr>
+            <a:picLocks noChangeAspect="1"/>
+          </p:cNvPicPr>
+          <p:nvPr/>
+        </p:nvPicPr>
+        <p:blipFill>
+          <a:blip r:embed="rId3"/>
+          <a:stretch>
+            <a:fillRect/>
+          </a:stretch>
+        </p:blipFill>
+        <p:spPr>
+          <a:xfrm>
+            <a:off x="762713" y="4171387"/>
+            <a:ext cx="7670529" cy="927086"/>
+          </a:xfrm>
+          <a:prstGeom prst="rect">
+            <a:avLst/>
+          </a:prstGeom>
+        </p:spPr>
+      </p:pic>
     </p:spTree>
     <p:extLst>
       <p:ext uri="{BB962C8B-B14F-4D97-AF65-F5344CB8AC3E}">
-        <p14:creationId xmlns:p14="http://schemas.microsoft.com/office/powerpoint/2010/main" val="1044023418"/>
+        <p14:creationId xmlns:p14="http://schemas.microsoft.com/office/powerpoint/2010/main" val="550878342"/>
       </p:ext>
     </p:extLst>
   </p:cSld>
@@ -12340,10 +12051,9 @@
           <a:lstStyle/>
           <a:p>
             <a:r>
-              <a:rPr lang="en-US" dirty="0" smtClean="0"/>
+              <a:rPr lang="en-US" dirty="0"/>
               <a:t>How to get Optical potential for Nucleus-Nucleus scattering?</a:t>
             </a:r>
-            <a:endParaRPr lang="en-US" dirty="0"/>
           </a:p>
         </p:txBody>
       </p:sp>
@@ -12356,7 +12066,7 @@
         <p:spPr>
           <a:xfrm>
             <a:off x="650082" y="1592263"/>
-            <a:ext cx="8532812" cy="1542730"/>
+            <a:ext cx="8532812" cy="3863365"/>
           </a:xfrm>
           <a:prstGeom prst="rect">
             <a:avLst/>
@@ -12374,12 +12084,20 @@
               <a:buChar char="•"/>
             </a:pPr>
             <a:r>
-              <a:rPr lang="en-US" dirty="0" smtClean="0"/>
-              <a:t>In finite Nucleus-Nucleus</a:t>
-            </a:r>
-            <a:r>
-              <a:rPr lang="en-US" dirty="0" smtClean="0"/>
-              <a:t>,</a:t>
+              <a:rPr lang="en-US" dirty="0"/>
+              <a:t>Mean potential U(p) can be considered as a </a:t>
+            </a:r>
+            <a:r>
+              <a:rPr lang="en-US" dirty="0">
+                <a:solidFill>
+                  <a:srgbClr val="FF0000"/>
+                </a:solidFill>
+              </a:rPr>
+              <a:t>optical potential </a:t>
+            </a:r>
+            <a:r>
+              <a:rPr lang="en-US" dirty="0"/>
+              <a:t>for a nucleon in a nuclear matter. </a:t>
             </a:r>
           </a:p>
           <a:p>
@@ -12388,24 +12106,20 @@
               <a:buChar char="•"/>
             </a:pPr>
             <a:r>
-              <a:rPr lang="en-US" dirty="0" smtClean="0"/>
-              <a:t>For a projectile and target with </a:t>
-            </a:r>
-            <a:r>
-              <a:rPr lang="en-US" dirty="0" err="1" smtClean="0"/>
-              <a:t>Ein</a:t>
-            </a:r>
-            <a:r>
-              <a:rPr lang="en-US" dirty="0" smtClean="0"/>
-              <a:t>=E/</a:t>
-            </a:r>
-            <a:r>
-              <a:rPr lang="en-US" dirty="0" err="1" smtClean="0"/>
-              <a:t>A_proj</a:t>
-            </a:r>
-            <a:r>
-              <a:rPr lang="en-US" dirty="0" smtClean="0"/>
-              <a:t>, and distance s</a:t>
+              <a:rPr lang="en-US" dirty="0"/>
+              <a:t>G-matrix can be considered as an </a:t>
+            </a:r>
+            <a:r>
+              <a:rPr lang="en-US" dirty="0">
+                <a:solidFill>
+                  <a:srgbClr val="FF0000"/>
+                </a:solidFill>
+              </a:rPr>
+              <a:t>effective interaction </a:t>
+            </a:r>
+            <a:r>
+              <a:rPr lang="en-US" dirty="0"/>
+              <a:t>between two nucleons in a nuclear matter.</a:t>
             </a:r>
           </a:p>
           <a:p>
@@ -12414,16 +12128,20 @@
               <a:buChar char="•"/>
             </a:pPr>
             <a:r>
-              <a:rPr lang="en-US" dirty="0" smtClean="0"/>
-              <a:t>What </a:t>
-            </a:r>
-            <a:r>
-              <a:rPr lang="en-US" dirty="0" err="1" smtClean="0"/>
-              <a:t>k_F</a:t>
-            </a:r>
-            <a:r>
-              <a:rPr lang="en-US" dirty="0" smtClean="0"/>
-              <a:t> value should be used?</a:t>
+              <a:rPr lang="en-US" dirty="0"/>
+              <a:t>U(p) and G-matrix provides </a:t>
+            </a:r>
+            <a:r>
+              <a:rPr lang="en-US" dirty="0">
+                <a:solidFill>
+                  <a:srgbClr val="FF0000"/>
+                </a:solidFill>
+              </a:rPr>
+              <a:t>imaginary parts</a:t>
+            </a:r>
+            <a:r>
+              <a:rPr lang="en-US" dirty="0"/>
+              <a:t> (as like optical model). </a:t>
             </a:r>
           </a:p>
           <a:p>
@@ -12432,8 +12150,8 @@
               <a:buChar char="•"/>
             </a:pPr>
             <a:r>
-              <a:rPr lang="en-US" dirty="0" smtClean="0"/>
-              <a:t>What omega should be used?</a:t>
+              <a:rPr lang="en-US" dirty="0"/>
+              <a:t>One may use single folding or double folding on Nuclear density to get optical potential for nucleon-Nucleus or Nucleus-Nucleus scattering. </a:t>
             </a:r>
           </a:p>
           <a:p>
@@ -12442,10 +12160,566 @@
               <a:buChar char="•"/>
             </a:pPr>
             <a:r>
-              <a:rPr lang="en-US" dirty="0" smtClean="0"/>
+              <a:rPr lang="en-US" dirty="0"/>
+              <a:t>Approximate the interaction among nucleons with </a:t>
+            </a:r>
+            <a:r>
+              <a:rPr lang="en-US" dirty="0">
+                <a:solidFill>
+                  <a:srgbClr val="FF0000"/>
+                </a:solidFill>
+              </a:rPr>
+              <a:t>equivalent</a:t>
+            </a:r>
+            <a:r>
+              <a:rPr lang="en-US" dirty="0"/>
+              <a:t> g-matrix in nuclear matter. (</a:t>
+            </a:r>
+            <a:r>
+              <a:rPr lang="en-US" dirty="0">
+                <a:solidFill>
+                  <a:srgbClr val="FF0000"/>
+                </a:solidFill>
+              </a:rPr>
+              <a:t>How to define equivalent?</a:t>
+            </a:r>
+            <a:r>
+              <a:rPr lang="en-US" dirty="0"/>
+              <a:t>) </a:t>
+            </a:r>
+          </a:p>
+          <a:p>
+            <a:pPr marL="342900" indent="-342900">
+              <a:buFont typeface="Arial" panose="020B0604020202020204" pitchFamily="34" charset="0"/>
+              <a:buChar char="•"/>
+            </a:pPr>
+            <a:r>
+              <a:rPr lang="en-US" dirty="0"/>
+              <a:t>Usual double-folding is done for local potential in position space. </a:t>
+            </a:r>
+          </a:p>
+          <a:p>
+            <a:r>
+              <a:rPr lang="en-US" dirty="0"/>
+              <a:t>    (How to convert </a:t>
+            </a:r>
+          </a:p>
+          <a:p>
+            <a:r>
+              <a:rPr lang="en-US" dirty="0"/>
+              <a:t>     g^{LSJT </a:t>
+            </a:r>
+            <a:r>
+              <a:rPr lang="en-US" dirty="0" err="1"/>
+              <a:t>T_z</a:t>
+            </a:r>
+            <a:r>
+              <a:rPr lang="en-US" dirty="0"/>
+              <a:t>}_{L’L}(</a:t>
+            </a:r>
+            <a:r>
+              <a:rPr lang="en-US" dirty="0" err="1"/>
+              <a:t>p’,p</a:t>
+            </a:r>
+            <a:r>
+              <a:rPr lang="en-US" dirty="0"/>
+              <a:t>; p0, k0, </a:t>
+            </a:r>
+            <a:r>
+              <a:rPr lang="en-US" dirty="0" err="1"/>
+              <a:t>k_F</a:t>
+            </a:r>
+            <a:r>
+              <a:rPr lang="en-US" dirty="0"/>
+              <a:t>)  &lt;-&gt;</a:t>
+            </a:r>
+            <a:r>
+              <a:rPr lang="en-US" dirty="0">
+                <a:sym typeface="Wingdings" panose="05000000000000000000" pitchFamily="2" charset="2"/>
+              </a:rPr>
+              <a:t>  v( r ; omega , </a:t>
+            </a:r>
+            <a:r>
+              <a:rPr lang="en-US" dirty="0" err="1">
+                <a:sym typeface="Wingdings" panose="05000000000000000000" pitchFamily="2" charset="2"/>
+              </a:rPr>
+              <a:t>k_F</a:t>
+            </a:r>
+            <a:r>
+              <a:rPr lang="en-US" dirty="0">
+                <a:sym typeface="Wingdings" panose="05000000000000000000" pitchFamily="2" charset="2"/>
+              </a:rPr>
+              <a:t>) ? </a:t>
+            </a:r>
+            <a:r>
+              <a:rPr lang="en-US" dirty="0"/>
+              <a:t>  </a:t>
+            </a:r>
+          </a:p>
+          <a:p>
+            <a:r>
+              <a:rPr lang="en-US" dirty="0"/>
+              <a:t>     what about </a:t>
+            </a:r>
+            <a:r>
+              <a:rPr lang="en-US" dirty="0" err="1"/>
+              <a:t>T_z</a:t>
+            </a:r>
+            <a:r>
+              <a:rPr lang="en-US" dirty="0"/>
+              <a:t> dependence? )</a:t>
+            </a:r>
+          </a:p>
+        </p:txBody>
+      </p:sp>
+    </p:spTree>
+    <p:extLst>
+      <p:ext uri="{BB962C8B-B14F-4D97-AF65-F5344CB8AC3E}">
+        <p14:creationId xmlns:p14="http://schemas.microsoft.com/office/powerpoint/2010/main" val="85433276"/>
+      </p:ext>
+    </p:extLst>
+  </p:cSld>
+  <p:clrMapOvr>
+    <a:masterClrMapping/>
+  </p:clrMapOvr>
+</p:sld>
+</file>
+
+<file path=ppt/slides/slide28.xml><?xml version="1.0" encoding="utf-8"?>
+<p:sld xmlns:a="http://schemas.openxmlformats.org/drawingml/2006/main" xmlns:r="http://schemas.openxmlformats.org/officeDocument/2006/relationships" xmlns:p="http://schemas.openxmlformats.org/presentationml/2006/main">
+  <p:cSld>
+    <p:spTree>
+      <p:nvGrpSpPr>
+        <p:cNvPr id="1" name=""/>
+        <p:cNvGrpSpPr/>
+        <p:nvPr/>
+      </p:nvGrpSpPr>
+      <p:grpSpPr>
+        <a:xfrm>
+          <a:off x="0" y="0"/>
+          <a:ext cx="0" cy="0"/>
+          <a:chOff x="0" y="0"/>
+          <a:chExt cx="0" cy="0"/>
+        </a:xfrm>
+      </p:grpSpPr>
+      <p:sp>
+        <p:nvSpPr>
+          <p:cNvPr id="2" name="제목 1"/>
+          <p:cNvSpPr>
+            <a:spLocks noGrp="1"/>
+          </p:cNvSpPr>
+          <p:nvPr>
+            <p:ph type="title"/>
+          </p:nvPr>
+        </p:nvSpPr>
+        <p:spPr/>
+        <p:txBody>
+          <a:bodyPr>
+            <a:normAutofit fontScale="90000"/>
+          </a:bodyPr>
+          <a:lstStyle/>
+          <a:p>
+            <a:r>
+              <a:rPr lang="en-US" dirty="0"/>
+              <a:t>How to get Optical potential for Nucleus-Nucleus scattering?</a:t>
+            </a:r>
+          </a:p>
+        </p:txBody>
+      </p:sp>
+      <p:sp>
+        <p:nvSpPr>
+          <p:cNvPr id="3" name="TextBox 2"/>
+          <p:cNvSpPr txBox="1"/>
+          <p:nvPr/>
+        </p:nvSpPr>
+        <p:spPr>
+          <a:xfrm>
+            <a:off x="650082" y="1592263"/>
+            <a:ext cx="8532812" cy="3863365"/>
+          </a:xfrm>
+          <a:prstGeom prst="rect">
+            <a:avLst/>
+          </a:prstGeom>
+          <a:noFill/>
+        </p:spPr>
+        <p:txBody>
+          <a:bodyPr wrap="square" rtlCol="0">
+            <a:spAutoFit/>
+          </a:bodyPr>
+          <a:lstStyle/>
+          <a:p>
+            <a:pPr marL="342900" indent="-342900">
+              <a:buFont typeface="Arial" panose="020B0604020202020204" pitchFamily="34" charset="0"/>
+              <a:buChar char="•"/>
+            </a:pPr>
+            <a:r>
+              <a:rPr lang="en-US" dirty="0"/>
+              <a:t>In nuclear matter, (p0,k0,k_F) &lt;-&gt; (omega, </a:t>
+            </a:r>
+            <a:r>
+              <a:rPr lang="en-US" dirty="0" err="1"/>
+              <a:t>Kav</a:t>
+            </a:r>
+            <a:r>
+              <a:rPr lang="en-US" dirty="0"/>
+              <a:t>, </a:t>
+            </a:r>
+            <a:r>
+              <a:rPr lang="en-US" dirty="0" err="1"/>
+              <a:t>k_F</a:t>
+            </a:r>
+            <a:r>
+              <a:rPr lang="en-US" dirty="0"/>
+              <a:t>)</a:t>
+            </a:r>
+          </a:p>
+          <a:p>
+            <a:pPr marL="342900" indent="-342900">
+              <a:buFont typeface="Arial" panose="020B0604020202020204" pitchFamily="34" charset="0"/>
+              <a:buChar char="•"/>
+            </a:pPr>
+            <a:endParaRPr lang="en-US" dirty="0"/>
+          </a:p>
+          <a:p>
+            <a:pPr marL="342900" indent="-342900">
+              <a:buFont typeface="Arial" panose="020B0604020202020204" pitchFamily="34" charset="0"/>
+              <a:buChar char="•"/>
+            </a:pPr>
+            <a:r>
+              <a:rPr lang="en-US" dirty="0"/>
+              <a:t>g^{LSJT </a:t>
+            </a:r>
+            <a:r>
+              <a:rPr lang="en-US" dirty="0" err="1"/>
+              <a:t>T_z</a:t>
+            </a:r>
+            <a:r>
+              <a:rPr lang="en-US" dirty="0"/>
+              <a:t>}_{L’L}(</a:t>
+            </a:r>
+            <a:r>
+              <a:rPr lang="en-US" dirty="0" err="1"/>
+              <a:t>p’,p</a:t>
+            </a:r>
+            <a:r>
+              <a:rPr lang="en-US" dirty="0"/>
+              <a:t>; p0, k0, </a:t>
+            </a:r>
+            <a:r>
+              <a:rPr lang="en-US" dirty="0" err="1"/>
+              <a:t>k_F</a:t>
+            </a:r>
+            <a:r>
+              <a:rPr lang="en-US" dirty="0"/>
+              <a:t>)  </a:t>
+            </a:r>
+          </a:p>
+          <a:p>
+            <a:pPr marL="342900" indent="-342900">
+              <a:buFont typeface="Arial" panose="020B0604020202020204" pitchFamily="34" charset="0"/>
+              <a:buChar char="•"/>
+            </a:pPr>
+            <a:r>
+              <a:rPr lang="en-US" dirty="0"/>
+              <a:t>= g^{LSJT </a:t>
+            </a:r>
+            <a:r>
+              <a:rPr lang="en-US" dirty="0" err="1"/>
+              <a:t>T_z</a:t>
+            </a:r>
+            <a:r>
+              <a:rPr lang="en-US" dirty="0"/>
+              <a:t>}_{L’L}(</a:t>
+            </a:r>
+            <a:r>
+              <a:rPr lang="en-US" dirty="0" err="1"/>
+              <a:t>p’,p</a:t>
+            </a:r>
+            <a:r>
+              <a:rPr lang="en-US" dirty="0"/>
+              <a:t>; omega, </a:t>
+            </a:r>
+            <a:r>
+              <a:rPr lang="en-US" dirty="0" err="1"/>
+              <a:t>Kav</a:t>
+            </a:r>
+            <a:r>
+              <a:rPr lang="en-US" dirty="0"/>
+              <a:t>, </a:t>
+            </a:r>
+            <a:r>
+              <a:rPr lang="en-US" dirty="0" err="1"/>
+              <a:t>k_F</a:t>
+            </a:r>
+            <a:r>
+              <a:rPr lang="en-US" dirty="0"/>
+              <a:t>) </a:t>
+            </a:r>
+          </a:p>
+          <a:p>
+            <a:pPr marL="342900" indent="-342900">
+              <a:buFont typeface="Arial" panose="020B0604020202020204" pitchFamily="34" charset="0"/>
+              <a:buChar char="•"/>
+            </a:pPr>
+            <a:r>
+              <a:rPr lang="en-US" dirty="0"/>
+              <a:t>  with omega = 1/m(k0^2 + Kav^2)</a:t>
+            </a:r>
+          </a:p>
+          <a:p>
+            <a:pPr marL="342900" indent="-342900">
+              <a:buFont typeface="Arial" panose="020B0604020202020204" pitchFamily="34" charset="0"/>
+              <a:buChar char="•"/>
+            </a:pPr>
+            <a:r>
+              <a:rPr lang="en-US" dirty="0"/>
+              <a:t>          </a:t>
+            </a:r>
+            <a:r>
+              <a:rPr lang="en-US" dirty="0" err="1"/>
+              <a:t>Kav</a:t>
+            </a:r>
+            <a:r>
+              <a:rPr lang="en-US" dirty="0"/>
+              <a:t>= </a:t>
+            </a:r>
+            <a:r>
+              <a:rPr lang="en-US" dirty="0" err="1"/>
+              <a:t>Kav</a:t>
+            </a:r>
+            <a:r>
+              <a:rPr lang="en-US" dirty="0"/>
+              <a:t>(p0,k0,k_f) </a:t>
+            </a:r>
+          </a:p>
+          <a:p>
+            <a:pPr marL="342900" indent="-342900">
+              <a:buFont typeface="Arial" panose="020B0604020202020204" pitchFamily="34" charset="0"/>
+              <a:buChar char="•"/>
+            </a:pPr>
+            <a:endParaRPr lang="en-US" dirty="0"/>
+          </a:p>
+          <a:p>
+            <a:pPr marL="342900" indent="-342900">
+              <a:buFont typeface="Arial" panose="020B0604020202020204" pitchFamily="34" charset="0"/>
+              <a:buChar char="•"/>
+            </a:pPr>
+            <a:r>
+              <a:rPr lang="en-US" dirty="0"/>
+              <a:t>In finite Nucleus-Nucleus,</a:t>
+            </a:r>
+          </a:p>
+          <a:p>
+            <a:pPr marL="342900" indent="-342900">
+              <a:buFont typeface="Arial" panose="020B0604020202020204" pitchFamily="34" charset="0"/>
+              <a:buChar char="•"/>
+            </a:pPr>
+            <a:endParaRPr lang="en-US" dirty="0"/>
+          </a:p>
+          <a:p>
+            <a:pPr marL="342900" indent="-342900">
+              <a:buFont typeface="Arial" panose="020B0604020202020204" pitchFamily="34" charset="0"/>
+              <a:buChar char="•"/>
+            </a:pPr>
+            <a:r>
+              <a:rPr lang="en-US" dirty="0"/>
+              <a:t>V(r; </a:t>
+            </a:r>
+            <a:r>
+              <a:rPr lang="en-US" dirty="0" err="1"/>
+              <a:t>Ein,rho</a:t>
+            </a:r>
+            <a:r>
+              <a:rPr lang="en-US" dirty="0"/>
+              <a:t>) = sum_{op}  operator * (radial function with density, energy  dependence) </a:t>
+            </a:r>
+          </a:p>
+          <a:p>
+            <a:pPr marL="342900" indent="-342900">
+              <a:buFont typeface="Arial" panose="020B0604020202020204" pitchFamily="34" charset="0"/>
+              <a:buChar char="•"/>
+            </a:pPr>
+            <a:r>
+              <a:rPr lang="en-US" dirty="0"/>
+              <a:t>needs </a:t>
+            </a:r>
+            <a:r>
+              <a:rPr lang="en-US" dirty="0" err="1"/>
+              <a:t>T_z</a:t>
+            </a:r>
+            <a:r>
+              <a:rPr lang="en-US" dirty="0"/>
+              <a:t> dependence in operator or radial function.</a:t>
+            </a:r>
+          </a:p>
+          <a:p>
+            <a:pPr marL="342900" indent="-342900">
+              <a:buFont typeface="Arial" panose="020B0604020202020204" pitchFamily="34" charset="0"/>
+              <a:buChar char="•"/>
+            </a:pPr>
+            <a:r>
+              <a:rPr lang="en-US" dirty="0">
+                <a:solidFill>
+                  <a:srgbClr val="FF0000"/>
+                </a:solidFill>
+              </a:rPr>
+              <a:t>How to match </a:t>
+            </a:r>
+            <a:r>
+              <a:rPr lang="en-US" dirty="0"/>
+              <a:t>with g-matrix ?  </a:t>
+            </a:r>
+          </a:p>
+        </p:txBody>
+      </p:sp>
+    </p:spTree>
+    <p:extLst>
+      <p:ext uri="{BB962C8B-B14F-4D97-AF65-F5344CB8AC3E}">
+        <p14:creationId xmlns:p14="http://schemas.microsoft.com/office/powerpoint/2010/main" val="1044023418"/>
+      </p:ext>
+    </p:extLst>
+  </p:cSld>
+  <p:clrMapOvr>
+    <a:masterClrMapping/>
+  </p:clrMapOvr>
+</p:sld>
+</file>
+
+<file path=ppt/slides/slide29.xml><?xml version="1.0" encoding="utf-8"?>
+<p:sld xmlns:a="http://schemas.openxmlformats.org/drawingml/2006/main" xmlns:r="http://schemas.openxmlformats.org/officeDocument/2006/relationships" xmlns:p="http://schemas.openxmlformats.org/presentationml/2006/main">
+  <p:cSld>
+    <p:spTree>
+      <p:nvGrpSpPr>
+        <p:cNvPr id="1" name=""/>
+        <p:cNvGrpSpPr/>
+        <p:nvPr/>
+      </p:nvGrpSpPr>
+      <p:grpSpPr>
+        <a:xfrm>
+          <a:off x="0" y="0"/>
+          <a:ext cx="0" cy="0"/>
+          <a:chOff x="0" y="0"/>
+          <a:chExt cx="0" cy="0"/>
+        </a:xfrm>
+      </p:grpSpPr>
+      <p:sp>
+        <p:nvSpPr>
+          <p:cNvPr id="2" name="제목 1"/>
+          <p:cNvSpPr>
+            <a:spLocks noGrp="1"/>
+          </p:cNvSpPr>
+          <p:nvPr>
+            <p:ph type="title"/>
+          </p:nvPr>
+        </p:nvSpPr>
+        <p:spPr/>
+        <p:txBody>
+          <a:bodyPr>
+            <a:normAutofit fontScale="90000"/>
+          </a:bodyPr>
+          <a:lstStyle/>
+          <a:p>
+            <a:r>
+              <a:rPr lang="en-US" dirty="0"/>
+              <a:t>How to get Optical potential for Nucleus-Nucleus scattering?</a:t>
+            </a:r>
+          </a:p>
+        </p:txBody>
+      </p:sp>
+      <p:sp>
+        <p:nvSpPr>
+          <p:cNvPr id="3" name="TextBox 2"/>
+          <p:cNvSpPr txBox="1"/>
+          <p:nvPr/>
+        </p:nvSpPr>
+        <p:spPr>
+          <a:xfrm>
+            <a:off x="650082" y="1592263"/>
+            <a:ext cx="8532812" cy="1542730"/>
+          </a:xfrm>
+          <a:prstGeom prst="rect">
+            <a:avLst/>
+          </a:prstGeom>
+          <a:noFill/>
+        </p:spPr>
+        <p:txBody>
+          <a:bodyPr wrap="square" rtlCol="0">
+            <a:spAutoFit/>
+          </a:bodyPr>
+          <a:lstStyle/>
+          <a:p>
+            <a:pPr marL="342900" indent="-342900">
+              <a:buFont typeface="Arial" panose="020B0604020202020204" pitchFamily="34" charset="0"/>
+              <a:buChar char="•"/>
+            </a:pPr>
+            <a:r>
+              <a:rPr lang="en-US" dirty="0"/>
+              <a:t>In finite Nucleus-Nucleus,</a:t>
+            </a:r>
+          </a:p>
+          <a:p>
+            <a:pPr marL="342900" indent="-342900">
+              <a:buFont typeface="Arial" panose="020B0604020202020204" pitchFamily="34" charset="0"/>
+              <a:buChar char="•"/>
+            </a:pPr>
+            <a:r>
+              <a:rPr lang="en-US" dirty="0"/>
+              <a:t>For a projectile and target with </a:t>
+            </a:r>
+            <a:r>
+              <a:rPr lang="en-US" dirty="0" err="1"/>
+              <a:t>Ein</a:t>
+            </a:r>
+            <a:r>
+              <a:rPr lang="en-US" dirty="0"/>
+              <a:t>=E/</a:t>
+            </a:r>
+            <a:r>
+              <a:rPr lang="en-US" dirty="0" err="1"/>
+              <a:t>A_proj</a:t>
+            </a:r>
+            <a:r>
+              <a:rPr lang="en-US" dirty="0"/>
+              <a:t>, and distance s</a:t>
+            </a:r>
+          </a:p>
+          <a:p>
+            <a:pPr marL="342900" indent="-342900">
+              <a:buFont typeface="Arial" panose="020B0604020202020204" pitchFamily="34" charset="0"/>
+              <a:buChar char="•"/>
+            </a:pPr>
+            <a:r>
+              <a:rPr lang="en-US" dirty="0"/>
+              <a:t>What </a:t>
+            </a:r>
+            <a:r>
+              <a:rPr lang="en-US" dirty="0" err="1"/>
+              <a:t>k_F</a:t>
+            </a:r>
+            <a:r>
+              <a:rPr lang="en-US" dirty="0"/>
+              <a:t> value should be used?</a:t>
+            </a:r>
+          </a:p>
+          <a:p>
+            <a:pPr marL="342900" indent="-342900">
+              <a:buFont typeface="Arial" panose="020B0604020202020204" pitchFamily="34" charset="0"/>
+              <a:buChar char="•"/>
+            </a:pPr>
+            <a:r>
+              <a:rPr lang="en-US" dirty="0"/>
+              <a:t>What omega should be used?</a:t>
+            </a:r>
+          </a:p>
+          <a:p>
+            <a:pPr marL="342900" indent="-342900">
+              <a:buFont typeface="Arial" panose="020B0604020202020204" pitchFamily="34" charset="0"/>
+              <a:buChar char="•"/>
+            </a:pPr>
+            <a:r>
+              <a:rPr lang="en-US" dirty="0"/>
               <a:t>What is the corresponding g-matrix? K and E ? Or (p0,k0) set? </a:t>
             </a:r>
-            <a:endParaRPr lang="en-US" dirty="0"/>
           </a:p>
         </p:txBody>
       </p:sp>
@@ -12543,7 +12817,7 @@
           <a:lstStyle/>
           <a:p>
             <a:r>
-              <a:rPr lang="en-US" altLang="ko-KR" dirty="0" smtClean="0"/>
+              <a:rPr lang="en-US" altLang="ko-KR" dirty="0"/>
               <a:t>Introduction</a:t>
             </a:r>
             <a:endParaRPr lang="ko-KR" altLang="en-US" dirty="0"/>
@@ -12577,7 +12851,7 @@
               <a:buChar char="•"/>
             </a:pPr>
             <a:r>
-              <a:rPr kumimoji="0" lang="en-US" altLang="ko-KR" b="0" i="0" u="none" strike="noStrike" kern="1200" cap="none" spc="0" normalizeH="0" baseline="0" noProof="0" dirty="0" smtClean="0">
+              <a:rPr kumimoji="0" lang="en-US" altLang="ko-KR" b="0" i="0" u="none" strike="noStrike" kern="1200" cap="none" spc="0" normalizeH="0" baseline="0" noProof="0" dirty="0">
                 <a:ln>
                   <a:noFill/>
                 </a:ln>
@@ -12604,7 +12878,7 @@
               <a:t>e</a:t>
             </a:r>
             <a:r>
-              <a:rPr kumimoji="0" lang="en-US" altLang="ko-KR" b="0" i="0" u="none" strike="noStrike" kern="1200" cap="none" spc="0" normalizeH="0" baseline="0" noProof="0" dirty="0" err="1" smtClean="0">
+              <a:rPr kumimoji="0" lang="en-US" altLang="ko-KR" b="0" i="0" u="none" strike="noStrike" kern="1200" cap="none" spc="0" normalizeH="0" baseline="0" noProof="0" dirty="0" err="1">
                 <a:ln>
                   <a:noFill/>
                 </a:ln>
@@ -12621,7 +12895,7 @@
               <a:t>nergy</a:t>
             </a:r>
             <a:r>
-              <a:rPr kumimoji="0" lang="en-US" altLang="ko-KR" b="0" i="0" u="none" strike="noStrike" kern="1200" cap="none" spc="0" normalizeH="0" baseline="0" noProof="0" dirty="0" smtClean="0">
+              <a:rPr kumimoji="0" lang="en-US" altLang="ko-KR" b="0" i="0" u="none" strike="noStrike" kern="1200" cap="none" spc="0" normalizeH="0" baseline="0" noProof="0" dirty="0">
                 <a:ln>
                   <a:noFill/>
                 </a:ln>
@@ -12641,7 +12915,7 @@
           <a:p>
             <a:pPr lvl="1"/>
             <a:r>
-              <a:rPr kumimoji="0" lang="en-US" altLang="ko-KR" b="0" i="0" u="none" strike="noStrike" kern="1200" cap="none" spc="0" normalizeH="0" baseline="0" noProof="0" dirty="0" smtClean="0">
+              <a:rPr kumimoji="0" lang="en-US" altLang="ko-KR" b="0" i="0" u="none" strike="noStrike" kern="1200" cap="none" spc="0" normalizeH="0" baseline="0" noProof="0" dirty="0">
                 <a:ln>
                   <a:noFill/>
                 </a:ln>
@@ -12677,7 +12951,7 @@
               <a:defRPr/>
             </a:pPr>
             <a:r>
-              <a:rPr kumimoji="0" lang="en-US" altLang="ko-KR" sz="1885" b="0" i="0" u="none" strike="noStrike" kern="1200" cap="none" spc="0" normalizeH="0" baseline="0" noProof="0" dirty="0" smtClean="0">
+              <a:rPr kumimoji="0" lang="en-US" altLang="ko-KR" sz="1885" b="0" i="0" u="none" strike="noStrike" kern="1200" cap="none" spc="0" normalizeH="0" baseline="0" noProof="0" dirty="0">
                 <a:ln>
                   <a:noFill/>
                 </a:ln>
@@ -12700,7 +12974,7 @@
               <a:buChar char="•"/>
             </a:pPr>
             <a:r>
-              <a:rPr lang="en-US" altLang="ko-KR" dirty="0" smtClean="0">
+              <a:rPr lang="en-US" altLang="ko-KR" dirty="0">
                 <a:solidFill>
                   <a:srgbClr val="292934"/>
                 </a:solidFill>
@@ -12710,7 +12984,7 @@
               <a:t>Simplest : many-body problem to </a:t>
             </a:r>
             <a:r>
-              <a:rPr lang="en-US" altLang="ko-KR" dirty="0" smtClean="0">
+              <a:rPr lang="en-US" altLang="ko-KR" dirty="0">
                 <a:solidFill>
                   <a:srgbClr val="FF0000"/>
                 </a:solidFill>
@@ -12719,7 +12993,7 @@
               </a:rPr>
               <a:t>one-body problem</a:t>
             </a:r>
-            <a:endParaRPr kumimoji="0" lang="en-US" altLang="ko-KR" b="0" i="0" u="none" strike="noStrike" kern="1200" cap="none" spc="0" normalizeH="0" baseline="0" noProof="0" dirty="0" smtClean="0">
+            <a:endParaRPr kumimoji="0" lang="en-US" altLang="ko-KR" b="0" i="0" u="none" strike="noStrike" kern="1200" cap="none" spc="0" normalizeH="0" baseline="0" noProof="0" dirty="0">
               <a:ln>
                 <a:noFill/>
               </a:ln>
@@ -12739,7 +13013,7 @@
               <a:buChar char="•"/>
             </a:pPr>
             <a:r>
-              <a:rPr lang="en-US" altLang="ko-KR" dirty="0" smtClean="0">
+              <a:rPr lang="en-US" altLang="ko-KR" dirty="0">
                 <a:solidFill>
                   <a:srgbClr val="292934"/>
                 </a:solidFill>
@@ -12755,7 +13029,7 @@
               <a:buChar char="•"/>
             </a:pPr>
             <a:r>
-              <a:rPr lang="en-US" altLang="ko-KR" dirty="0" smtClean="0">
+              <a:rPr lang="en-US" altLang="ko-KR" dirty="0">
                 <a:solidFill>
                   <a:srgbClr val="292934"/>
                 </a:solidFill>
@@ -12771,7 +13045,7 @@
               <a:buChar char="•"/>
             </a:pPr>
             <a:r>
-              <a:rPr kumimoji="0" lang="en-US" altLang="ko-KR" b="0" i="0" u="none" strike="noStrike" kern="1200" cap="none" spc="0" normalizeH="0" baseline="0" noProof="0" dirty="0" smtClean="0">
+              <a:rPr kumimoji="0" lang="en-US" altLang="ko-KR" b="0" i="0" u="none" strike="noStrike" kern="1200" cap="none" spc="0" normalizeH="0" baseline="0" noProof="0" dirty="0">
                 <a:ln>
                   <a:noFill/>
                 </a:ln>
@@ -12795,7 +13069,7 @@
               <a:buChar char="•"/>
             </a:pPr>
             <a:r>
-              <a:rPr lang="en-US" altLang="ko-KR" dirty="0" smtClean="0">
+              <a:rPr lang="en-US" altLang="ko-KR" dirty="0">
                 <a:solidFill>
                   <a:srgbClr val="292934"/>
                 </a:solidFill>
@@ -12812,7 +13086,7 @@
               <a:buChar char="•"/>
             </a:pPr>
             <a:r>
-              <a:rPr kumimoji="0" lang="en-US" altLang="ko-KR" b="0" i="0" u="none" strike="noStrike" kern="1200" cap="none" spc="0" normalizeH="0" baseline="0" noProof="0" dirty="0" smtClean="0">
+              <a:rPr kumimoji="0" lang="en-US" altLang="ko-KR" b="0" i="0" u="none" strike="noStrike" kern="1200" cap="none" spc="0" normalizeH="0" baseline="0" noProof="0" dirty="0">
                 <a:ln>
                   <a:noFill/>
                 </a:ln>
@@ -12830,7 +13104,7 @@
               <a:t>naive shell model : H.O.</a:t>
             </a:r>
             <a:r>
-              <a:rPr kumimoji="0" lang="en-US" altLang="ko-KR" b="0" i="0" u="none" strike="noStrike" kern="1200" cap="none" spc="0" normalizeH="0" noProof="0" dirty="0" smtClean="0">
+              <a:rPr kumimoji="0" lang="en-US" altLang="ko-KR" b="0" i="0" u="none" strike="noStrike" kern="1200" cap="none" spc="0" normalizeH="0" noProof="0" dirty="0">
                 <a:ln>
                   <a:noFill/>
                 </a:ln>
@@ -12854,7 +13128,7 @@
               <a:buChar char="•"/>
             </a:pPr>
             <a:r>
-              <a:rPr lang="en-US" altLang="ko-KR" dirty="0" smtClean="0">
+              <a:rPr lang="en-US" altLang="ko-KR" dirty="0">
                 <a:solidFill>
                   <a:srgbClr val="292934"/>
                 </a:solidFill>
@@ -12864,7 +13138,7 @@
               </a:rPr>
               <a:t>U simulate the mean effects of V as much as possible </a:t>
             </a:r>
-            <a:endParaRPr kumimoji="0" lang="en-US" altLang="ko-KR" b="0" i="0" u="none" strike="noStrike" kern="1200" cap="none" spc="0" normalizeH="0" noProof="0" dirty="0" smtClean="0">
+            <a:endParaRPr kumimoji="0" lang="en-US" altLang="ko-KR" b="0" i="0" u="none" strike="noStrike" kern="1200" cap="none" spc="0" normalizeH="0" noProof="0" dirty="0">
               <a:ln>
                 <a:noFill/>
               </a:ln>
@@ -12885,7 +13159,7 @@
               <a:buFont typeface="Arial" panose="020B0604020202020204" pitchFamily="34" charset="0"/>
               <a:buChar char="•"/>
             </a:pPr>
-            <a:endParaRPr kumimoji="0" lang="en-US" altLang="ko-KR" b="0" i="0" u="none" strike="noStrike" kern="1200" cap="none" spc="0" normalizeH="0" baseline="0" noProof="0" dirty="0" smtClean="0">
+            <a:endParaRPr kumimoji="0" lang="en-US" altLang="ko-KR" b="0" i="0" u="none" strike="noStrike" kern="1200" cap="none" spc="0" normalizeH="0" baseline="0" noProof="0" dirty="0">
               <a:ln>
                 <a:noFill/>
               </a:ln>
@@ -12912,13 +13186,6 @@
   <p:clrMapOvr>
     <a:masterClrMapping/>
   </p:clrMapOvr>
-  <p:timing>
-    <p:tnLst>
-      <p:par>
-        <p:cTn id="1" dur="indefinite" restart="never" nodeType="tmRoot"/>
-      </p:par>
-    </p:tnLst>
-  </p:timing>
 </p:sld>
 </file>
 
@@ -12955,7 +13222,7 @@
           <a:lstStyle/>
           <a:p>
             <a:r>
-              <a:rPr lang="en-US" altLang="ko-KR" dirty="0" smtClean="0"/>
+              <a:rPr lang="en-US" altLang="ko-KR" dirty="0"/>
               <a:t>Introduction</a:t>
             </a:r>
             <a:endParaRPr lang="ko-KR" altLang="en-US" dirty="0"/>
@@ -13002,7 +13269,7 @@
               <a:defRPr/>
             </a:pPr>
             <a:r>
-              <a:rPr kumimoji="0" lang="en-US" altLang="ko-KR" sz="1885" b="0" i="0" u="none" strike="noStrike" kern="1200" cap="none" spc="0" normalizeH="0" baseline="0" noProof="0" dirty="0" err="1" smtClean="0">
+              <a:rPr kumimoji="0" lang="en-US" altLang="ko-KR" sz="1885" b="0" i="0" u="none" strike="noStrike" kern="1200" cap="none" spc="0" normalizeH="0" baseline="0" noProof="0" dirty="0" err="1">
                 <a:ln>
                   <a:noFill/>
                 </a:ln>
@@ -13019,7 +13286,7 @@
               <a:t>Hartree-Fock</a:t>
             </a:r>
             <a:r>
-              <a:rPr kumimoji="0" lang="en-US" altLang="ko-KR" sz="1885" b="0" i="0" u="none" strike="noStrike" kern="1200" cap="none" spc="0" normalizeH="0" baseline="0" noProof="0" dirty="0" smtClean="0">
+              <a:rPr kumimoji="0" lang="en-US" altLang="ko-KR" sz="1885" b="0" i="0" u="none" strike="noStrike" kern="1200" cap="none" spc="0" normalizeH="0" baseline="0" noProof="0" dirty="0">
                 <a:ln>
                   <a:noFill/>
                 </a:ln>
@@ -13042,7 +13309,7 @@
               <a:buChar char="•"/>
             </a:pPr>
             <a:r>
-              <a:rPr lang="en-US" altLang="ko-KR" dirty="0" smtClean="0">
+              <a:rPr lang="en-US" altLang="ko-KR" dirty="0">
                 <a:solidFill>
                   <a:srgbClr val="292934"/>
                 </a:solidFill>
@@ -13058,7 +13325,7 @@
               <a:buChar char="•"/>
             </a:pPr>
             <a:r>
-              <a:rPr kumimoji="0" lang="en-US" altLang="ko-KR" b="0" i="0" u="none" strike="noStrike" kern="1200" cap="none" spc="0" normalizeH="0" baseline="0" noProof="0" dirty="0" smtClean="0">
+              <a:rPr kumimoji="0" lang="en-US" altLang="ko-KR" b="0" i="0" u="none" strike="noStrike" kern="1200" cap="none" spc="0" normalizeH="0" baseline="0" noProof="0" dirty="0">
                 <a:ln>
                   <a:noFill/>
                 </a:ln>
@@ -13076,7 +13343,7 @@
               <a:t> Assumption: </a:t>
             </a:r>
             <a:r>
-              <a:rPr kumimoji="0" lang="en-US" altLang="ko-KR" b="0" i="0" u="none" strike="noStrike" kern="1200" cap="none" spc="0" normalizeH="0" noProof="0" dirty="0" smtClean="0">
+              <a:rPr kumimoji="0" lang="en-US" altLang="ko-KR" b="0" i="0" u="none" strike="noStrike" kern="1200" cap="none" spc="0" normalizeH="0" noProof="0" dirty="0">
                 <a:ln>
                   <a:noFill/>
                 </a:ln>
@@ -13100,7 +13367,7 @@
               <a:buChar char="•"/>
             </a:pPr>
             <a:r>
-              <a:rPr lang="en-US" altLang="ko-KR" baseline="0" dirty="0" smtClean="0">
+              <a:rPr lang="en-US" altLang="ko-KR" baseline="0" dirty="0">
                 <a:solidFill>
                   <a:srgbClr val="292934"/>
                 </a:solidFill>
@@ -13117,7 +13384,7 @@
               <a:buChar char="•"/>
             </a:pPr>
             <a:r>
-              <a:rPr kumimoji="0" lang="en-US" altLang="ko-KR" b="0" i="0" u="none" strike="noStrike" kern="1200" cap="none" spc="0" normalizeH="0" noProof="0" dirty="0" smtClean="0">
+              <a:rPr kumimoji="0" lang="en-US" altLang="ko-KR" b="0" i="0" u="none" strike="noStrike" kern="1200" cap="none" spc="0" normalizeH="0" noProof="0" dirty="0">
                 <a:ln>
                   <a:noFill/>
                 </a:ln>
@@ -13141,7 +13408,7 @@
               <a:buChar char="•"/>
             </a:pPr>
             <a:r>
-              <a:rPr lang="en-US" altLang="ko-KR" dirty="0" smtClean="0">
+              <a:rPr lang="en-US" altLang="ko-KR" dirty="0">
                 <a:solidFill>
                   <a:srgbClr val="292934"/>
                 </a:solidFill>
@@ -13152,7 +13419,7 @@
               <a:t>(1)</a:t>
             </a:r>
             <a:r>
-              <a:rPr kumimoji="0" lang="en-US" altLang="ko-KR" b="0" i="0" u="none" strike="noStrike" kern="1200" cap="none" spc="0" normalizeH="0" noProof="0" dirty="0" smtClean="0">
+              <a:rPr kumimoji="0" lang="en-US" altLang="ko-KR" b="0" i="0" u="none" strike="noStrike" kern="1200" cap="none" spc="0" normalizeH="0" noProof="0" dirty="0">
                 <a:ln>
                   <a:noFill/>
                 </a:ln>
@@ -13170,7 +13437,7 @@
               <a:t> </a:t>
             </a:r>
             <a:r>
-              <a:rPr kumimoji="0" lang="en-US" altLang="ko-KR" b="0" i="0" u="none" strike="noStrike" kern="1200" cap="none" spc="0" normalizeH="0" noProof="0" dirty="0" err="1" smtClean="0">
+              <a:rPr kumimoji="0" lang="en-US" altLang="ko-KR" b="0" i="0" u="none" strike="noStrike" kern="1200" cap="none" spc="0" normalizeH="0" noProof="0" dirty="0" err="1">
                 <a:ln>
                   <a:noFill/>
                 </a:ln>
@@ -13188,7 +13455,7 @@
               <a:t>s.p</a:t>
             </a:r>
             <a:r>
-              <a:rPr kumimoji="0" lang="en-US" altLang="ko-KR" b="0" i="0" u="none" strike="noStrike" kern="1200" cap="none" spc="0" normalizeH="0" noProof="0" dirty="0" smtClean="0">
+              <a:rPr kumimoji="0" lang="en-US" altLang="ko-KR" b="0" i="0" u="none" strike="noStrike" kern="1200" cap="none" spc="0" normalizeH="0" noProof="0" dirty="0">
                 <a:ln>
                   <a:noFill/>
                 </a:ln>
@@ -13212,7 +13479,7 @@
               <a:buChar char="•"/>
             </a:pPr>
             <a:r>
-              <a:rPr lang="en-US" altLang="ko-KR" baseline="0" dirty="0" smtClean="0">
+              <a:rPr lang="en-US" altLang="ko-KR" baseline="0" dirty="0">
                 <a:solidFill>
                   <a:srgbClr val="292934"/>
                 </a:solidFill>
@@ -13223,7 +13490,7 @@
               <a:t>(2)</a:t>
             </a:r>
             <a:r>
-              <a:rPr lang="en-US" altLang="ko-KR" dirty="0" smtClean="0">
+              <a:rPr lang="en-US" altLang="ko-KR" dirty="0">
                 <a:solidFill>
                   <a:srgbClr val="292934"/>
                 </a:solidFill>
@@ -13240,7 +13507,7 @@
               <a:buChar char="•"/>
             </a:pPr>
             <a:r>
-              <a:rPr kumimoji="0" lang="en-US" altLang="ko-KR" b="0" i="0" u="none" strike="noStrike" kern="1200" cap="none" spc="0" normalizeH="0" baseline="0" noProof="0" dirty="0" smtClean="0">
+              <a:rPr kumimoji="0" lang="en-US" altLang="ko-KR" b="0" i="0" u="none" strike="noStrike" kern="1200" cap="none" spc="0" normalizeH="0" baseline="0" noProof="0" dirty="0">
                 <a:ln>
                   <a:noFill/>
                 </a:ln>
@@ -13258,7 +13525,7 @@
               <a:t>(3)</a:t>
             </a:r>
             <a:r>
-              <a:rPr kumimoji="0" lang="en-US" altLang="ko-KR" b="0" i="0" u="none" strike="noStrike" kern="1200" cap="none" spc="0" normalizeH="0" noProof="0" dirty="0" smtClean="0">
+              <a:rPr kumimoji="0" lang="en-US" altLang="ko-KR" b="0" i="0" u="none" strike="noStrike" kern="1200" cap="none" spc="0" normalizeH="0" noProof="0" dirty="0">
                 <a:ln>
                   <a:noFill/>
                 </a:ln>
@@ -13282,7 +13549,7 @@
               <a:buChar char="•"/>
             </a:pPr>
             <a:r>
-              <a:rPr kumimoji="0" lang="en-US" altLang="ko-KR" b="0" i="0" u="none" strike="noStrike" kern="1200" cap="none" spc="0" normalizeH="0" baseline="0" noProof="0" dirty="0" smtClean="0">
+              <a:rPr kumimoji="0" lang="en-US" altLang="ko-KR" b="0" i="0" u="none" strike="noStrike" kern="1200" cap="none" spc="0" normalizeH="0" baseline="0" noProof="0" dirty="0">
                 <a:ln>
                   <a:noFill/>
                 </a:ln>
@@ -13299,7 +13566,7 @@
               <a:t>Note: |Psi&gt; is an eigenstate of </a:t>
             </a:r>
             <a:r>
-              <a:rPr kumimoji="0" lang="en-US" altLang="ko-KR" b="0" i="0" u="none" strike="noStrike" kern="1200" cap="none" spc="0" normalizeH="0" baseline="0" noProof="0" dirty="0" smtClean="0">
+              <a:rPr kumimoji="0" lang="en-US" altLang="ko-KR" b="0" i="0" u="none" strike="noStrike" kern="1200" cap="none" spc="0" normalizeH="0" baseline="0" noProof="0" dirty="0">
                 <a:ln>
                   <a:noFill/>
                 </a:ln>
@@ -13316,7 +13583,7 @@
               <a:t>T+U</a:t>
             </a:r>
             <a:r>
-              <a:rPr kumimoji="0" lang="en-US" altLang="ko-KR" b="0" i="0" u="none" strike="noStrike" kern="1200" cap="none" spc="0" normalizeH="0" baseline="0" noProof="0" dirty="0" smtClean="0">
+              <a:rPr kumimoji="0" lang="en-US" altLang="ko-KR" b="0" i="0" u="none" strike="noStrike" kern="1200" cap="none" spc="0" normalizeH="0" baseline="0" noProof="0" dirty="0">
                 <a:ln>
                   <a:noFill/>
                 </a:ln>
@@ -13441,13 +13708,6 @@
   <p:clrMapOvr>
     <a:masterClrMapping/>
   </p:clrMapOvr>
-  <p:timing>
-    <p:tnLst>
-      <p:par>
-        <p:cTn id="1" dur="indefinite" restart="never" nodeType="tmRoot"/>
-      </p:par>
-    </p:tnLst>
-  </p:timing>
 </p:sld>
 </file>
 
@@ -13484,7 +13744,7 @@
           <a:lstStyle/>
           <a:p>
             <a:r>
-              <a:rPr lang="en-US" altLang="ko-KR" dirty="0" smtClean="0"/>
+              <a:rPr lang="en-US" altLang="ko-KR" dirty="0"/>
               <a:t>Introduction</a:t>
             </a:r>
             <a:endParaRPr lang="ko-KR" altLang="en-US" dirty="0"/>
@@ -13518,7 +13778,7 @@
               <a:buChar char="•"/>
             </a:pPr>
             <a:r>
-              <a:rPr kumimoji="0" lang="en-US" altLang="ko-KR" b="0" i="0" u="none" strike="noStrike" kern="1200" cap="none" spc="0" normalizeH="0" baseline="0" noProof="0" dirty="0" smtClean="0">
+              <a:rPr kumimoji="0" lang="en-US" altLang="ko-KR" b="0" i="0" u="none" strike="noStrike" kern="1200" cap="none" spc="0" normalizeH="0" baseline="0" noProof="0" dirty="0">
                 <a:ln>
                   <a:noFill/>
                 </a:ln>
@@ -13541,7 +13801,7 @@
               <a:buChar char="•"/>
             </a:pPr>
             <a:r>
-              <a:rPr kumimoji="0" lang="en-US" altLang="ko-KR" b="0" i="0" u="none" strike="noStrike" kern="1200" cap="none" spc="0" normalizeH="0" baseline="0" noProof="0" dirty="0" smtClean="0">
+              <a:rPr kumimoji="0" lang="en-US" altLang="ko-KR" b="0" i="0" u="none" strike="noStrike" kern="1200" cap="none" spc="0" normalizeH="0" baseline="0" noProof="0" dirty="0">
                 <a:ln>
                   <a:noFill/>
                 </a:ln>
@@ -13558,7 +13818,7 @@
               <a:t>However, naïve application of MBPT to realistic NN interaction raises</a:t>
             </a:r>
             <a:r>
-              <a:rPr kumimoji="0" lang="en-US" altLang="ko-KR" b="0" i="0" u="none" strike="noStrike" kern="1200" cap="none" spc="0" normalizeH="0" noProof="0" dirty="0" smtClean="0">
+              <a:rPr kumimoji="0" lang="en-US" altLang="ko-KR" b="0" i="0" u="none" strike="noStrike" kern="1200" cap="none" spc="0" normalizeH="0" noProof="0" dirty="0">
                 <a:ln>
                   <a:noFill/>
                 </a:ln>
@@ -13581,7 +13841,7 @@
               <a:buChar char="•"/>
             </a:pPr>
             <a:r>
-              <a:rPr lang="en-US" altLang="ko-KR" baseline="0" dirty="0" smtClean="0">
+              <a:rPr lang="en-US" altLang="ko-KR" baseline="0" dirty="0">
                 <a:solidFill>
                   <a:srgbClr val="292934"/>
                 </a:solidFill>
@@ -13591,7 +13851,7 @@
               <a:t>Many</a:t>
             </a:r>
             <a:r>
-              <a:rPr lang="en-US" altLang="ko-KR" dirty="0" smtClean="0">
+              <a:rPr lang="en-US" altLang="ko-KR" dirty="0">
                 <a:solidFill>
                   <a:srgbClr val="292934"/>
                 </a:solidFill>
@@ -13607,7 +13867,7 @@
               <a:buChar char="•"/>
             </a:pPr>
             <a:r>
-              <a:rPr kumimoji="0" lang="en-US" altLang="ko-KR" b="0" i="0" u="none" strike="noStrike" kern="1200" cap="none" spc="0" normalizeH="0" baseline="0" noProof="0" dirty="0" smtClean="0">
+              <a:rPr kumimoji="0" lang="en-US" altLang="ko-KR" b="0" i="0" u="none" strike="noStrike" kern="1200" cap="none" spc="0" normalizeH="0" baseline="0" noProof="0" dirty="0">
                 <a:ln>
                   <a:noFill/>
                 </a:ln>
@@ -13624,7 +13884,7 @@
               <a:t>The</a:t>
             </a:r>
             <a:r>
-              <a:rPr kumimoji="0" lang="en-US" altLang="ko-KR" b="0" i="0" u="none" strike="noStrike" kern="1200" cap="none" spc="0" normalizeH="0" noProof="0" dirty="0" smtClean="0">
+              <a:rPr kumimoji="0" lang="en-US" altLang="ko-KR" b="0" i="0" u="none" strike="noStrike" kern="1200" cap="none" spc="0" normalizeH="0" noProof="0" dirty="0">
                 <a:ln>
                   <a:noFill/>
                 </a:ln>
@@ -13641,7 +13901,7 @@
               <a:t> matrix elements of potential for Slater-determinant becomes very large. </a:t>
             </a:r>
             <a:r>
-              <a:rPr kumimoji="0" lang="en-US" altLang="ko-KR" b="0" i="0" u="none" strike="noStrike" kern="1200" cap="none" spc="0" normalizeH="0" noProof="0" dirty="0" smtClean="0">
+              <a:rPr kumimoji="0" lang="en-US" altLang="ko-KR" b="0" i="0" u="none" strike="noStrike" kern="1200" cap="none" spc="0" normalizeH="0" noProof="0" dirty="0">
                 <a:ln>
                   <a:noFill/>
                 </a:ln>
@@ -13665,7 +13925,7 @@
               <a:buChar char="•"/>
             </a:pPr>
             <a:r>
-              <a:rPr lang="en-US" altLang="ko-KR" baseline="0" dirty="0" smtClean="0">
+              <a:rPr lang="en-US" altLang="ko-KR" baseline="0" dirty="0">
                 <a:solidFill>
                   <a:srgbClr val="292934"/>
                 </a:solidFill>
@@ -13675,7 +13935,7 @@
               </a:rPr>
               <a:t>Problem comes from ignoring correlation in w.f.</a:t>
             </a:r>
-            <a:endParaRPr kumimoji="0" lang="en-US" altLang="ko-KR" b="0" i="0" u="none" strike="noStrike" kern="1200" cap="none" spc="0" normalizeH="0" baseline="0" noProof="0" dirty="0" smtClean="0">
+            <a:endParaRPr kumimoji="0" lang="en-US" altLang="ko-KR" b="0" i="0" u="none" strike="noStrike" kern="1200" cap="none" spc="0" normalizeH="0" baseline="0" noProof="0" dirty="0">
               <a:ln>
                 <a:noFill/>
               </a:ln>
@@ -13750,13 +14010,6 @@
   <p:clrMapOvr>
     <a:masterClrMapping/>
   </p:clrMapOvr>
-  <p:timing>
-    <p:tnLst>
-      <p:par>
-        <p:cTn id="1" dur="indefinite" restart="never" nodeType="tmRoot"/>
-      </p:par>
-    </p:tnLst>
-  </p:timing>
 </p:sld>
 </file>
 
@@ -13793,7 +14046,7 @@
           <a:lstStyle/>
           <a:p>
             <a:r>
-              <a:rPr lang="en-US" altLang="ko-KR" dirty="0" smtClean="0"/>
+              <a:rPr lang="en-US" altLang="ko-KR" dirty="0"/>
               <a:t>T-matrix </a:t>
             </a:r>
             <a:endParaRPr lang="ko-KR" altLang="en-US" dirty="0"/>
@@ -13840,7 +14093,7 @@
               <a:defRPr/>
             </a:pPr>
             <a:r>
-              <a:rPr kumimoji="0" lang="en-US" altLang="ko-KR" b="0" i="0" u="none" strike="noStrike" kern="1200" cap="none" spc="0" normalizeH="0" baseline="0" noProof="0" dirty="0" smtClean="0">
+              <a:rPr kumimoji="0" lang="en-US" altLang="ko-KR" b="0" i="0" u="none" strike="noStrike" kern="1200" cap="none" spc="0" normalizeH="0" baseline="0" noProof="0" dirty="0">
                 <a:ln>
                   <a:noFill/>
                 </a:ln>
@@ -13857,7 +14110,7 @@
               <a:t>Non-perturbative</a:t>
             </a:r>
             <a:r>
-              <a:rPr kumimoji="0" lang="en-US" altLang="ko-KR" b="0" i="0" u="none" strike="noStrike" kern="1200" cap="none" spc="0" normalizeH="0" noProof="0" dirty="0" smtClean="0">
+              <a:rPr kumimoji="0" lang="en-US" altLang="ko-KR" b="0" i="0" u="none" strike="noStrike" kern="1200" cap="none" spc="0" normalizeH="0" noProof="0" dirty="0">
                 <a:ln>
                   <a:noFill/>
                 </a:ln>
@@ -13874,7 +14127,7 @@
               <a:t> treatment of two-body interaction is necessary.</a:t>
             </a:r>
             <a:r>
-              <a:rPr lang="en-US" altLang="ko-KR" dirty="0" smtClean="0">
+              <a:rPr lang="en-US" altLang="ko-KR" dirty="0">
                 <a:solidFill>
                   <a:srgbClr val="292934"/>
                 </a:solidFill>
@@ -13884,7 +14137,7 @@
               </a:rPr>
               <a:t> </a:t>
             </a:r>
-            <a:endParaRPr kumimoji="0" lang="en-US" altLang="ko-KR" b="0" i="0" u="none" strike="noStrike" kern="1200" cap="none" spc="0" normalizeH="0" noProof="0" dirty="0" smtClean="0">
+            <a:endParaRPr kumimoji="0" lang="en-US" altLang="ko-KR" b="0" i="0" u="none" strike="noStrike" kern="1200" cap="none" spc="0" normalizeH="0" noProof="0" dirty="0">
               <a:ln>
                 <a:noFill/>
               </a:ln>
@@ -13918,7 +14171,7 @@
               <a:defRPr/>
             </a:pPr>
             <a:r>
-              <a:rPr lang="en-US" altLang="ko-KR" dirty="0" smtClean="0">
+              <a:rPr lang="en-US" altLang="ko-KR" dirty="0">
                 <a:solidFill>
                   <a:srgbClr val="292934"/>
                 </a:solidFill>
@@ -13929,7 +14182,7 @@
               <a:t> incorporate correlation between two particles </a:t>
             </a:r>
             <a:r>
-              <a:rPr kumimoji="0" lang="en-US" altLang="ko-KR" b="0" i="0" u="none" strike="noStrike" kern="1200" cap="none" spc="0" normalizeH="0" noProof="0" dirty="0" smtClean="0">
+              <a:rPr kumimoji="0" lang="en-US" altLang="ko-KR" b="0" i="0" u="none" strike="noStrike" kern="1200" cap="none" spc="0" normalizeH="0" noProof="0" dirty="0">
                 <a:ln>
                   <a:noFill/>
                 </a:ln>
@@ -13965,7 +14218,7 @@
               <a:defRPr/>
             </a:pPr>
             <a:r>
-              <a:rPr lang="en-US" altLang="ko-KR" dirty="0" smtClean="0">
+              <a:rPr lang="en-US" altLang="ko-KR" dirty="0">
                 <a:solidFill>
                   <a:srgbClr val="292934"/>
                 </a:solidFill>
@@ -14014,15 +14267,7 @@
                   <a:srgbClr val="292934"/>
                 </a:solidFill>
               </a:rPr>
-              <a:t>But, even when matrix elements are large, their infinite sum can be finite</a:t>
-            </a:r>
-            <a:r>
-              <a:rPr lang="en-US" altLang="ko-KR" dirty="0" smtClean="0">
-                <a:solidFill>
-                  <a:srgbClr val="292934"/>
-                </a:solidFill>
-              </a:rPr>
-              <a:t>.</a:t>
+              <a:t>But, even when matrix elements are large, their infinite sum can be finite.</a:t>
             </a:r>
           </a:p>
           <a:p>
@@ -14043,7 +14288,7 @@
               <a:buChar char="•"/>
               <a:defRPr/>
             </a:pPr>
-            <a:endParaRPr lang="en-US" altLang="ko-KR" dirty="0" smtClean="0">
+            <a:endParaRPr lang="en-US" altLang="ko-KR" dirty="0">
               <a:solidFill>
                 <a:srgbClr val="292934"/>
               </a:solidFill>
@@ -14083,15 +14328,7 @@
                   <a:srgbClr val="292934"/>
                 </a:solidFill>
               </a:rPr>
-              <a:t>Two nucleon scattering T-matrix in free </a:t>
-            </a:r>
-            <a:r>
-              <a:rPr lang="en-US" altLang="ko-KR" dirty="0" smtClean="0">
-                <a:solidFill>
-                  <a:srgbClr val="292934"/>
-                </a:solidFill>
-              </a:rPr>
-              <a:t>space</a:t>
+              <a:t>Two nucleon scattering T-matrix in free space</a:t>
             </a:r>
           </a:p>
           <a:p>
@@ -14101,18 +14338,13 @@
               <a:defRPr/>
             </a:pPr>
             <a:r>
-              <a:rPr lang="en-US" altLang="ko-KR" dirty="0" smtClean="0">
+              <a:rPr lang="en-US" altLang="ko-KR" dirty="0">
                 <a:solidFill>
                   <a:srgbClr val="292934"/>
                 </a:solidFill>
               </a:rPr>
               <a:t>Sum of infinite series of ladder diagrams</a:t>
             </a:r>
-            <a:endParaRPr lang="en-US" altLang="ko-KR" dirty="0">
-              <a:solidFill>
-                <a:srgbClr val="292934"/>
-              </a:solidFill>
-            </a:endParaRPr>
           </a:p>
           <a:p>
             <a:pPr marL="821819" lvl="1" indent="-342900">
@@ -14154,37 +14386,8 @@
                   <a:srgbClr val="292934"/>
                 </a:solidFill>
               </a:rPr>
-              <a:t>T-matrix converts free plane wave to </a:t>
-            </a:r>
-            <a:r>
-              <a:rPr lang="en-US" altLang="ko-KR" dirty="0" smtClean="0">
-                <a:solidFill>
-                  <a:srgbClr val="292934"/>
-                </a:solidFill>
-              </a:rPr>
-              <a:t>scattering </a:t>
-            </a:r>
-            <a:r>
-              <a:rPr lang="en-US" altLang="ko-KR" dirty="0">
-                <a:solidFill>
-                  <a:srgbClr val="292934"/>
-                </a:solidFill>
-              </a:rPr>
-              <a:t>wave function.</a:t>
-            </a:r>
-            <a:r>
-              <a:rPr lang="en-US" altLang="ko-KR" dirty="0" smtClean="0">
-                <a:solidFill>
-                  <a:srgbClr val="292934"/>
-                </a:solidFill>
-              </a:rPr>
-              <a:t> </a:t>
-            </a:r>
-            <a:endParaRPr lang="en-US" altLang="ko-KR" dirty="0">
-              <a:solidFill>
-                <a:srgbClr val="292934"/>
-              </a:solidFill>
-            </a:endParaRPr>
+              <a:t>T-matrix converts free plane wave to scattering wave function. </a:t>
+            </a:r>
           </a:p>
           <a:p>
             <a:pPr marL="342900" marR="0" lvl="0" indent="-342900" algn="l" defTabSz="957838" rtl="0" eaLnBrk="1" fontAlgn="auto" latinLnBrk="1" hangingPunct="1">
@@ -14204,7 +14407,7 @@
               <a:tabLst/>
               <a:defRPr/>
             </a:pPr>
-            <a:endParaRPr kumimoji="0" lang="en-US" altLang="ko-KR" b="0" i="0" u="none" strike="noStrike" kern="1200" cap="none" spc="0" normalizeH="0" noProof="0" dirty="0" smtClean="0">
+            <a:endParaRPr kumimoji="0" lang="en-US" altLang="ko-KR" b="0" i="0" u="none" strike="noStrike" kern="1200" cap="none" spc="0" normalizeH="0" noProof="0" dirty="0">
               <a:ln>
                 <a:noFill/>
               </a:ln>
@@ -14279,13 +14482,6 @@
   <p:clrMapOvr>
     <a:masterClrMapping/>
   </p:clrMapOvr>
-  <p:timing>
-    <p:tnLst>
-      <p:par>
-        <p:cTn id="1" dur="indefinite" restart="never" nodeType="tmRoot"/>
-      </p:par>
-    </p:tnLst>
-  </p:timing>
 </p:sld>
 </file>
 
@@ -14322,7 +14518,7 @@
           <a:lstStyle/>
           <a:p>
             <a:r>
-              <a:rPr lang="en-US" altLang="ko-KR" dirty="0" smtClean="0"/>
+              <a:rPr lang="en-US" altLang="ko-KR" dirty="0"/>
               <a:t>T-matrix </a:t>
             </a:r>
             <a:endParaRPr lang="ko-KR" altLang="en-US" dirty="0"/>
@@ -14368,7 +14564,7 @@
               <a:tabLst/>
               <a:defRPr/>
             </a:pPr>
-            <a:endParaRPr kumimoji="0" lang="en-US" altLang="ko-KR" b="0" i="0" u="none" strike="noStrike" kern="1200" cap="none" spc="0" normalizeH="0" noProof="0" dirty="0" smtClean="0">
+            <a:endParaRPr kumimoji="0" lang="en-US" altLang="ko-KR" b="0" i="0" u="none" strike="noStrike" kern="1200" cap="none" spc="0" normalizeH="0" noProof="0" dirty="0">
               <a:ln>
                 <a:noFill/>
               </a:ln>
@@ -14402,7 +14598,7 @@
               <a:defRPr/>
             </a:pPr>
             <a:r>
-              <a:rPr lang="en-US" altLang="ko-KR" baseline="0" dirty="0" err="1" smtClean="0">
+              <a:rPr lang="en-US" altLang="ko-KR" baseline="0" dirty="0" err="1">
                 <a:solidFill>
                   <a:srgbClr val="292934"/>
                 </a:solidFill>
@@ -14412,7 +14608,7 @@
               <a:t>Lippman</a:t>
             </a:r>
             <a:r>
-              <a:rPr lang="en-US" altLang="ko-KR" baseline="0" dirty="0" smtClean="0">
+              <a:rPr lang="en-US" altLang="ko-KR" baseline="0" dirty="0">
                 <a:solidFill>
                   <a:srgbClr val="292934"/>
                 </a:solidFill>
@@ -14422,7 +14618,7 @@
               <a:t>-Schwinger</a:t>
             </a:r>
             <a:r>
-              <a:rPr lang="en-US" altLang="ko-KR" dirty="0" smtClean="0">
+              <a:rPr lang="en-US" altLang="ko-KR" dirty="0">
                 <a:solidFill>
                   <a:srgbClr val="292934"/>
                 </a:solidFill>
@@ -14457,7 +14653,7 @@
               <a:tabLst/>
               <a:defRPr/>
             </a:pPr>
-            <a:endParaRPr kumimoji="0" lang="en-US" altLang="ko-KR" b="0" i="0" u="none" strike="noStrike" kern="1200" cap="none" spc="0" normalizeH="0" baseline="0" noProof="0" dirty="0" smtClean="0">
+            <a:endParaRPr kumimoji="0" lang="en-US" altLang="ko-KR" b="0" i="0" u="none" strike="noStrike" kern="1200" cap="none" spc="0" normalizeH="0" baseline="0" noProof="0" dirty="0">
               <a:ln>
                 <a:noFill/>
               </a:ln>
@@ -14569,10 +14765,9 @@
           <a:lstStyle/>
           <a:p>
             <a:r>
-              <a:rPr lang="en-US" dirty="0" smtClean="0"/>
+              <a:rPr lang="en-US" dirty="0"/>
               <a:t>k : two-nucleon relative momentum </a:t>
             </a:r>
-            <a:endParaRPr lang="en-US" dirty="0"/>
           </a:p>
         </p:txBody>
       </p:sp>
@@ -14599,10 +14794,9 @@
           <a:lstStyle/>
           <a:p>
             <a:r>
-              <a:rPr lang="en-US" dirty="0" smtClean="0"/>
+              <a:rPr lang="en-US" dirty="0"/>
               <a:t>L-S equation for T-matrix</a:t>
             </a:r>
-            <a:endParaRPr lang="en-US" dirty="0"/>
           </a:p>
         </p:txBody>
       </p:sp>
@@ -14653,10 +14847,9 @@
           <a:lstStyle/>
           <a:p>
             <a:r>
-              <a:rPr lang="en-US" dirty="0" smtClean="0"/>
+              <a:rPr lang="en-US" dirty="0"/>
               <a:t>L-S equation for wave function</a:t>
             </a:r>
-            <a:endParaRPr lang="en-US" dirty="0"/>
           </a:p>
         </p:txBody>
       </p:sp>
@@ -14670,13 +14863,6 @@
   <p:clrMapOvr>
     <a:masterClrMapping/>
   </p:clrMapOvr>
-  <p:timing>
-    <p:tnLst>
-      <p:par>
-        <p:cTn id="1" dur="indefinite" restart="never" nodeType="tmRoot"/>
-      </p:par>
-    </p:tnLst>
-  </p:timing>
 </p:sld>
 </file>
 
@@ -14713,7 +14899,7 @@
           <a:lstStyle/>
           <a:p>
             <a:r>
-              <a:rPr lang="en-US" altLang="ko-KR" dirty="0" err="1" smtClean="0"/>
+              <a:rPr lang="en-US" altLang="ko-KR" dirty="0" err="1"/>
               <a:t>Brueckner-Hartree-Fock</a:t>
             </a:r>
             <a:endParaRPr lang="ko-KR" altLang="en-US" dirty="0"/>
@@ -14760,7 +14946,7 @@
               <a:defRPr/>
             </a:pPr>
             <a:r>
-              <a:rPr kumimoji="0" lang="en-US" altLang="ko-KR" b="0" i="0" u="none" strike="noStrike" kern="1200" cap="none" spc="0" normalizeH="0" noProof="0" dirty="0" err="1" smtClean="0">
+              <a:rPr kumimoji="0" lang="en-US" altLang="ko-KR" b="0" i="0" u="none" strike="noStrike" kern="1200" cap="none" spc="0" normalizeH="0" noProof="0" dirty="0" err="1">
                 <a:ln>
                   <a:noFill/>
                 </a:ln>
@@ -14777,7 +14963,7 @@
               <a:t>Brueckner</a:t>
             </a:r>
             <a:r>
-              <a:rPr kumimoji="0" lang="en-US" altLang="ko-KR" b="0" i="0" u="none" strike="noStrike" kern="1200" cap="none" spc="0" normalizeH="0" noProof="0" dirty="0" smtClean="0">
+              <a:rPr kumimoji="0" lang="en-US" altLang="ko-KR" b="0" i="0" u="none" strike="noStrike" kern="1200" cap="none" spc="0" normalizeH="0" noProof="0" dirty="0">
                 <a:ln>
                   <a:noFill/>
                 </a:ln>
@@ -14800,7 +14986,7 @@
               <a:buChar char="•"/>
             </a:pPr>
             <a:r>
-              <a:rPr lang="en-US" altLang="ko-KR" dirty="0" smtClean="0">
+              <a:rPr lang="en-US" altLang="ko-KR" dirty="0">
                 <a:solidFill>
                   <a:srgbClr val="292934"/>
                 </a:solidFill>
@@ -14810,7 +14996,7 @@
               <a:t>Sum all order of two-nucleon scattering (ladder diagrams) </a:t>
             </a:r>
             <a:r>
-              <a:rPr lang="en-US" altLang="ko-KR" dirty="0" smtClean="0">
+              <a:rPr lang="en-US" altLang="ko-KR" dirty="0">
                 <a:solidFill>
                   <a:srgbClr val="FF0000"/>
                 </a:solidFill>
@@ -14826,7 +15012,7 @@
               <a:buChar char="•"/>
             </a:pPr>
             <a:r>
-              <a:rPr kumimoji="0" lang="en-US" altLang="ko-KR" b="0" i="0" u="none" strike="noStrike" kern="1200" cap="none" spc="0" normalizeH="0" noProof="0" dirty="0" smtClean="0">
+              <a:rPr kumimoji="0" lang="en-US" altLang="ko-KR" b="0" i="0" u="none" strike="noStrike" kern="1200" cap="none" spc="0" normalizeH="0" noProof="0" dirty="0">
                 <a:ln>
                   <a:noFill/>
                 </a:ln>
@@ -14849,7 +15035,7 @@
               <a:buChar char="•"/>
             </a:pPr>
             <a:r>
-              <a:rPr lang="en-US" altLang="ko-KR" dirty="0" smtClean="0">
+              <a:rPr lang="en-US" altLang="ko-KR" dirty="0">
                 <a:solidFill>
                   <a:srgbClr val="292934"/>
                 </a:solidFill>
@@ -14903,7 +15089,7 @@
               <a:tabLst/>
               <a:defRPr/>
             </a:pPr>
-            <a:endParaRPr kumimoji="0" lang="en-US" altLang="ko-KR" b="0" i="0" u="none" strike="noStrike" kern="1200" cap="none" spc="0" normalizeH="0" noProof="0" dirty="0" smtClean="0">
+            <a:endParaRPr kumimoji="0" lang="en-US" altLang="ko-KR" b="0" i="0" u="none" strike="noStrike" kern="1200" cap="none" spc="0" normalizeH="0" noProof="0" dirty="0">
               <a:ln>
                 <a:noFill/>
               </a:ln>
@@ -14962,7 +15148,7 @@
               <a:tabLst/>
               <a:defRPr/>
             </a:pPr>
-            <a:endParaRPr kumimoji="0" lang="en-US" altLang="ko-KR" b="0" i="0" u="none" strike="noStrike" kern="1200" cap="none" spc="0" normalizeH="0" baseline="0" noProof="0" dirty="0" smtClean="0">
+            <a:endParaRPr kumimoji="0" lang="en-US" altLang="ko-KR" b="0" i="0" u="none" strike="noStrike" kern="1200" cap="none" spc="0" normalizeH="0" baseline="0" noProof="0" dirty="0">
               <a:ln>
                 <a:noFill/>
               </a:ln>
@@ -15133,13 +15319,6 @@
   <p:clrMapOvr>
     <a:masterClrMapping/>
   </p:clrMapOvr>
-  <p:timing>
-    <p:tnLst>
-      <p:par>
-        <p:cTn id="1" dur="indefinite" restart="never" nodeType="tmRoot"/>
-      </p:par>
-    </p:tnLst>
-  </p:timing>
 </p:sld>
 </file>
 
@@ -15176,7 +15355,7 @@
           <a:lstStyle/>
           <a:p>
             <a:r>
-              <a:rPr lang="en-US" altLang="ko-KR" dirty="0" err="1" smtClean="0"/>
+              <a:rPr lang="en-US" altLang="ko-KR" dirty="0" err="1"/>
               <a:t>Brueckner-Hartree-Fock</a:t>
             </a:r>
             <a:endParaRPr lang="ko-KR" altLang="en-US" dirty="0"/>
@@ -15210,7 +15389,7 @@
               <a:buChar char="•"/>
             </a:pPr>
             <a:r>
-              <a:rPr lang="en-US" altLang="ko-KR" dirty="0" smtClean="0">
+              <a:rPr lang="en-US" altLang="ko-KR" dirty="0">
                 <a:solidFill>
                   <a:srgbClr val="292934"/>
                 </a:solidFill>
@@ -15226,7 +15405,7 @@
               <a:buChar char="•"/>
             </a:pPr>
             <a:r>
-              <a:rPr lang="en-US" altLang="ko-KR" dirty="0" smtClean="0">
+              <a:rPr lang="en-US" altLang="ko-KR" dirty="0">
                 <a:solidFill>
                   <a:srgbClr val="292934"/>
                 </a:solidFill>
@@ -15242,7 +15421,7 @@
               <a:buChar char="•"/>
             </a:pPr>
             <a:r>
-              <a:rPr lang="en-US" altLang="ko-KR" dirty="0" smtClean="0">
+              <a:rPr lang="en-US" altLang="ko-KR" dirty="0">
                 <a:solidFill>
                   <a:srgbClr val="292934"/>
                 </a:solidFill>
@@ -15257,7 +15436,7 @@
               <a:buFont typeface="Arial" panose="020B0604020202020204" pitchFamily="34" charset="0"/>
               <a:buChar char="•"/>
             </a:pPr>
-            <a:endParaRPr lang="en-US" altLang="ko-KR" dirty="0" smtClean="0">
+            <a:endParaRPr lang="en-US" altLang="ko-KR" dirty="0">
               <a:solidFill>
                 <a:srgbClr val="292934"/>
               </a:solidFill>
@@ -15271,7 +15450,7 @@
               <a:buChar char="•"/>
             </a:pPr>
             <a:r>
-              <a:rPr lang="en-US" altLang="ko-KR" dirty="0" smtClean="0">
+              <a:rPr lang="en-US" altLang="ko-KR" dirty="0">
                 <a:solidFill>
                   <a:srgbClr val="292934"/>
                 </a:solidFill>
@@ -15287,7 +15466,7 @@
               <a:buChar char="•"/>
             </a:pPr>
             <a:r>
-              <a:rPr lang="en-US" altLang="ko-KR" dirty="0" smtClean="0">
+              <a:rPr lang="en-US" altLang="ko-KR" dirty="0">
                 <a:solidFill>
                   <a:srgbClr val="292934"/>
                 </a:solidFill>
@@ -15297,7 +15476,7 @@
               <a:t>Self consistent : </a:t>
             </a:r>
             <a:r>
-              <a:rPr lang="en-US" altLang="ko-KR" dirty="0" err="1" smtClean="0">
+              <a:rPr lang="en-US" altLang="ko-KR" dirty="0" err="1">
                 <a:solidFill>
                   <a:srgbClr val="292934"/>
                 </a:solidFill>
@@ -15307,7 +15486,7 @@
               <a:t>s.p</a:t>
             </a:r>
             <a:r>
-              <a:rPr lang="en-US" altLang="ko-KR" dirty="0" smtClean="0">
+              <a:rPr lang="en-US" altLang="ko-KR" dirty="0">
                 <a:solidFill>
                   <a:srgbClr val="292934"/>
                 </a:solidFill>
@@ -15361,7 +15540,7 @@
               <a:tabLst/>
               <a:defRPr/>
             </a:pPr>
-            <a:endParaRPr kumimoji="0" lang="en-US" altLang="ko-KR" b="0" i="0" u="none" strike="noStrike" kern="1200" cap="none" spc="0" normalizeH="0" noProof="0" dirty="0" smtClean="0">
+            <a:endParaRPr kumimoji="0" lang="en-US" altLang="ko-KR" b="0" i="0" u="none" strike="noStrike" kern="1200" cap="none" spc="0" normalizeH="0" noProof="0" dirty="0">
               <a:ln>
                 <a:noFill/>
               </a:ln>
@@ -15420,7 +15599,7 @@
               <a:tabLst/>
               <a:defRPr/>
             </a:pPr>
-            <a:endParaRPr kumimoji="0" lang="en-US" altLang="ko-KR" b="0" i="0" u="none" strike="noStrike" kern="1200" cap="none" spc="0" normalizeH="0" baseline="0" noProof="0" dirty="0" smtClean="0">
+            <a:endParaRPr kumimoji="0" lang="en-US" altLang="ko-KR" b="0" i="0" u="none" strike="noStrike" kern="1200" cap="none" spc="0" normalizeH="0" baseline="0" noProof="0" dirty="0">
               <a:ln>
                 <a:noFill/>
               </a:ln>
@@ -15543,13 +15722,6 @@
   <p:clrMapOvr>
     <a:masterClrMapping/>
   </p:clrMapOvr>
-  <p:timing>
-    <p:tnLst>
-      <p:par>
-        <p:cTn id="1" dur="indefinite" restart="never" nodeType="tmRoot"/>
-      </p:par>
-    </p:tnLst>
-  </p:timing>
 </p:sld>
 </file>
 
